--- a/The Dimensions of Happiness.pptx
+++ b/The Dimensions of Happiness.pptx
@@ -7,15 +7,14 @@
   <p:sldIdLst>
     <p:sldId id="257" r:id="rId2"/>
     <p:sldId id="261" r:id="rId3"/>
-    <p:sldId id="263" r:id="rId4"/>
-    <p:sldId id="259" r:id="rId5"/>
-    <p:sldId id="264" r:id="rId6"/>
-    <p:sldId id="268" r:id="rId7"/>
-    <p:sldId id="258" r:id="rId8"/>
-    <p:sldId id="267" r:id="rId9"/>
-    <p:sldId id="262" r:id="rId10"/>
-    <p:sldId id="266" r:id="rId11"/>
-    <p:sldId id="260" r:id="rId12"/>
+    <p:sldId id="259" r:id="rId4"/>
+    <p:sldId id="264" r:id="rId5"/>
+    <p:sldId id="268" r:id="rId6"/>
+    <p:sldId id="258" r:id="rId7"/>
+    <p:sldId id="267" r:id="rId8"/>
+    <p:sldId id="262" r:id="rId9"/>
+    <p:sldId id="266" r:id="rId10"/>
+    <p:sldId id="260" r:id="rId11"/>
   </p:sldIdLst>
   <p:sldSz cx="12192000" cy="6858000"/>
   <p:notesSz cx="6858000" cy="9144000"/>
@@ -114,6 +113,11 @@
       </a:defRPr>
     </a:lvl9pPr>
   </p:defaultTextStyle>
+  <p:extLst>
+    <p:ext uri="{EFAFB233-063F-42B5-8137-9DF3F51BA10A}">
+      <p15:sldGuideLst xmlns:p15="http://schemas.microsoft.com/office/powerpoint/2012/main"/>
+    </p:ext>
+  </p:extLst>
 </p:presentation>
 </file>
 
@@ -122,10 +126,25 @@
   <pc:docChgLst>
     <pc:chgData name="Heather Barker" userId="def3dd8cc52a8a2b" providerId="LiveId" clId="{2FDC0559-74D9-4A50-9FD2-BAD7355FC46E}"/>
     <pc:docChg chg="undo custSel addSld delSld modSld sldOrd">
-      <pc:chgData name="Heather Barker" userId="def3dd8cc52a8a2b" providerId="LiveId" clId="{2FDC0559-74D9-4A50-9FD2-BAD7355FC46E}" dt="2019-09-02T16:29:29.982" v="1226" actId="20577"/>
+      <pc:chgData name="Heather Barker" userId="def3dd8cc52a8a2b" providerId="LiveId" clId="{2FDC0559-74D9-4A50-9FD2-BAD7355FC46E}" dt="2019-09-02T17:24:17.386" v="2029" actId="313"/>
       <pc:docMkLst>
         <pc:docMk/>
       </pc:docMkLst>
+      <pc:sldChg chg="modSp">
+        <pc:chgData name="Heather Barker" userId="def3dd8cc52a8a2b" providerId="LiveId" clId="{2FDC0559-74D9-4A50-9FD2-BAD7355FC46E}" dt="2019-09-02T17:17:17.246" v="1735" actId="14100"/>
+        <pc:sldMkLst>
+          <pc:docMk/>
+          <pc:sldMk cId="3905259661" sldId="257"/>
+        </pc:sldMkLst>
+        <pc:spChg chg="mod">
+          <ac:chgData name="Heather Barker" userId="def3dd8cc52a8a2b" providerId="LiveId" clId="{2FDC0559-74D9-4A50-9FD2-BAD7355FC46E}" dt="2019-09-02T17:17:17.246" v="1735" actId="14100"/>
+          <ac:spMkLst>
+            <pc:docMk/>
+            <pc:sldMk cId="3905259661" sldId="257"/>
+            <ac:spMk id="3" creationId="{CFC96917-AC3A-4264-8196-036D51F90381}"/>
+          </ac:spMkLst>
+        </pc:spChg>
+      </pc:sldChg>
       <pc:sldChg chg="addSp delSp modSp ord">
         <pc:chgData name="Heather Barker" userId="def3dd8cc52a8a2b" providerId="LiveId" clId="{2FDC0559-74D9-4A50-9FD2-BAD7355FC46E}" dt="2019-08-31T22:20:28.941" v="1169" actId="20577"/>
         <pc:sldMkLst>
@@ -214,26 +233,42 @@
         </pc:picChg>
       </pc:sldChg>
       <pc:sldChg chg="modSp ord">
-        <pc:chgData name="Heather Barker" userId="def3dd8cc52a8a2b" providerId="LiveId" clId="{2FDC0559-74D9-4A50-9FD2-BAD7355FC46E}" dt="2019-08-29T01:47:39.820" v="29"/>
+        <pc:chgData name="Heather Barker" userId="def3dd8cc52a8a2b" providerId="LiveId" clId="{2FDC0559-74D9-4A50-9FD2-BAD7355FC46E}" dt="2019-09-02T17:18:42.829" v="1765" actId="20577"/>
         <pc:sldMkLst>
           <pc:docMk/>
           <pc:sldMk cId="869344389" sldId="259"/>
         </pc:sldMkLst>
         <pc:spChg chg="mod">
-          <ac:chgData name="Heather Barker" userId="def3dd8cc52a8a2b" providerId="LiveId" clId="{2FDC0559-74D9-4A50-9FD2-BAD7355FC46E}" dt="2019-08-29T01:45:58.823" v="26" actId="20577"/>
+          <ac:chgData name="Heather Barker" userId="def3dd8cc52a8a2b" providerId="LiveId" clId="{2FDC0559-74D9-4A50-9FD2-BAD7355FC46E}" dt="2019-09-02T17:18:42.829" v="1765" actId="20577"/>
           <ac:spMkLst>
             <pc:docMk/>
             <pc:sldMk cId="869344389" sldId="259"/>
             <ac:spMk id="2" creationId="{1C7AF5F3-4DDB-487F-86B3-74FB5BD16CAE}"/>
           </ac:spMkLst>
         </pc:spChg>
+        <pc:spChg chg="mod">
+          <ac:chgData name="Heather Barker" userId="def3dd8cc52a8a2b" providerId="LiveId" clId="{2FDC0559-74D9-4A50-9FD2-BAD7355FC46E}" dt="2019-09-02T17:18:37.979" v="1745" actId="20577"/>
+          <ac:spMkLst>
+            <pc:docMk/>
+            <pc:sldMk cId="869344389" sldId="259"/>
+            <ac:spMk id="3" creationId="{6D6E8565-A67F-4D78-A619-9375B4AD1091}"/>
+          </ac:spMkLst>
+        </pc:spChg>
       </pc:sldChg>
-      <pc:sldChg chg="addSp delSp ord">
-        <pc:chgData name="Heather Barker" userId="def3dd8cc52a8a2b" providerId="LiveId" clId="{2FDC0559-74D9-4A50-9FD2-BAD7355FC46E}" dt="2019-08-31T21:43:58.423" v="186"/>
+      <pc:sldChg chg="addSp delSp modSp ord">
+        <pc:chgData name="Heather Barker" userId="def3dd8cc52a8a2b" providerId="LiveId" clId="{2FDC0559-74D9-4A50-9FD2-BAD7355FC46E}" dt="2019-09-02T17:18:56.710" v="1774" actId="20577"/>
         <pc:sldMkLst>
           <pc:docMk/>
           <pc:sldMk cId="435858797" sldId="260"/>
         </pc:sldMkLst>
+        <pc:spChg chg="mod">
+          <ac:chgData name="Heather Barker" userId="def3dd8cc52a8a2b" providerId="LiveId" clId="{2FDC0559-74D9-4A50-9FD2-BAD7355FC46E}" dt="2019-09-02T17:18:56.710" v="1774" actId="20577"/>
+          <ac:spMkLst>
+            <pc:docMk/>
+            <pc:sldMk cId="435858797" sldId="260"/>
+            <ac:spMk id="2" creationId="{6CA728F6-FA17-44FF-8632-61E93F7B381E}"/>
+          </ac:spMkLst>
+        </pc:spChg>
         <pc:picChg chg="add del">
           <ac:chgData name="Heather Barker" userId="def3dd8cc52a8a2b" providerId="LiveId" clId="{2FDC0559-74D9-4A50-9FD2-BAD7355FC46E}" dt="2019-08-31T21:35:25.996" v="96"/>
           <ac:picMkLst>
@@ -244,21 +279,21 @@
         </pc:picChg>
       </pc:sldChg>
       <pc:sldChg chg="addSp delSp modSp">
-        <pc:chgData name="Heather Barker" userId="def3dd8cc52a8a2b" providerId="LiveId" clId="{2FDC0559-74D9-4A50-9FD2-BAD7355FC46E}" dt="2019-08-31T21:51:40.276" v="305"/>
+        <pc:chgData name="Heather Barker" userId="def3dd8cc52a8a2b" providerId="LiveId" clId="{2FDC0559-74D9-4A50-9FD2-BAD7355FC46E}" dt="2019-09-02T17:16:34.802" v="1732" actId="255"/>
         <pc:sldMkLst>
           <pc:docMk/>
           <pc:sldMk cId="4225626867" sldId="261"/>
         </pc:sldMkLst>
         <pc:spChg chg="mod">
-          <ac:chgData name="Heather Barker" userId="def3dd8cc52a8a2b" providerId="LiveId" clId="{2FDC0559-74D9-4A50-9FD2-BAD7355FC46E}" dt="2019-08-31T19:24:56.608" v="55"/>
+          <ac:chgData name="Heather Barker" userId="def3dd8cc52a8a2b" providerId="LiveId" clId="{2FDC0559-74D9-4A50-9FD2-BAD7355FC46E}" dt="2019-09-02T17:16:34.802" v="1732" actId="255"/>
           <ac:spMkLst>
             <pc:docMk/>
             <pc:sldMk cId="4225626867" sldId="261"/>
             <ac:spMk id="2" creationId="{D6AC7423-B87C-49F8-8806-E842D4CE926D}"/>
           </ac:spMkLst>
         </pc:spChg>
-        <pc:spChg chg="mod">
-          <ac:chgData name="Heather Barker" userId="def3dd8cc52a8a2b" providerId="LiveId" clId="{2FDC0559-74D9-4A50-9FD2-BAD7355FC46E}" dt="2019-08-29T01:46:08.882" v="27"/>
+        <pc:spChg chg="del mod">
+          <ac:chgData name="Heather Barker" userId="def3dd8cc52a8a2b" providerId="LiveId" clId="{2FDC0559-74D9-4A50-9FD2-BAD7355FC46E}" dt="2019-09-02T16:56:03.335" v="1243" actId="478"/>
           <ac:spMkLst>
             <pc:docMk/>
             <pc:sldMk cId="4225626867" sldId="261"/>
@@ -266,11 +301,27 @@
           </ac:spMkLst>
         </pc:spChg>
         <pc:spChg chg="mod">
-          <ac:chgData name="Heather Barker" userId="def3dd8cc52a8a2b" providerId="LiveId" clId="{2FDC0559-74D9-4A50-9FD2-BAD7355FC46E}" dt="2019-08-31T21:50:36.116" v="302" actId="20577"/>
+          <ac:chgData name="Heather Barker" userId="def3dd8cc52a8a2b" providerId="LiveId" clId="{2FDC0559-74D9-4A50-9FD2-BAD7355FC46E}" dt="2019-09-02T17:15:51.666" v="1720" actId="403"/>
           <ac:spMkLst>
             <pc:docMk/>
             <pc:sldMk cId="4225626867" sldId="261"/>
             <ac:spMk id="4" creationId="{E19AA43A-06EC-4F69-B696-B04E0778ACF5}"/>
+          </ac:spMkLst>
+        </pc:spChg>
+        <pc:spChg chg="mod">
+          <ac:chgData name="Heather Barker" userId="def3dd8cc52a8a2b" providerId="LiveId" clId="{2FDC0559-74D9-4A50-9FD2-BAD7355FC46E}" dt="2019-09-02T17:15:42.466" v="1716" actId="1076"/>
+          <ac:spMkLst>
+            <pc:docMk/>
+            <pc:sldMk cId="4225626867" sldId="261"/>
+            <ac:spMk id="5" creationId="{CA377FBE-E6E1-418B-9A8B-B9B6DB1A790D}"/>
+          </ac:spMkLst>
+        </pc:spChg>
+        <pc:spChg chg="mod">
+          <ac:chgData name="Heather Barker" userId="def3dd8cc52a8a2b" providerId="LiveId" clId="{2FDC0559-74D9-4A50-9FD2-BAD7355FC46E}" dt="2019-09-02T17:07:11.399" v="1714" actId="20577"/>
+          <ac:spMkLst>
+            <pc:docMk/>
+            <pc:sldMk cId="4225626867" sldId="261"/>
+            <ac:spMk id="6" creationId="{BAF498BF-15FD-4ED7-A6E6-94A79F2ECAD6}"/>
           </ac:spMkLst>
         </pc:spChg>
         <pc:spChg chg="del">
@@ -345,8 +396,8 @@
           </ac:picMkLst>
         </pc:picChg>
       </pc:sldChg>
-      <pc:sldChg chg="add">
-        <pc:chgData name="Heather Barker" userId="def3dd8cc52a8a2b" providerId="LiveId" clId="{2FDC0559-74D9-4A50-9FD2-BAD7355FC46E}" dt="2019-08-29T01:46:37.816" v="28"/>
+      <pc:sldChg chg="add del">
+        <pc:chgData name="Heather Barker" userId="def3dd8cc52a8a2b" providerId="LiveId" clId="{2FDC0559-74D9-4A50-9FD2-BAD7355FC46E}" dt="2019-09-02T17:18:46.280" v="1766" actId="2696"/>
         <pc:sldMkLst>
           <pc:docMk/>
           <pc:sldMk cId="2741289497" sldId="263"/>
@@ -510,13 +561,13 @@
         </pc:picChg>
       </pc:sldChg>
       <pc:sldChg chg="modSp add">
-        <pc:chgData name="Heather Barker" userId="def3dd8cc52a8a2b" providerId="LiveId" clId="{2FDC0559-74D9-4A50-9FD2-BAD7355FC46E}" dt="2019-09-02T16:29:29.982" v="1226" actId="20577"/>
+        <pc:chgData name="Heather Barker" userId="def3dd8cc52a8a2b" providerId="LiveId" clId="{2FDC0559-74D9-4A50-9FD2-BAD7355FC46E}" dt="2019-09-02T17:24:17.386" v="2029" actId="313"/>
         <pc:sldMkLst>
           <pc:docMk/>
           <pc:sldMk cId="3795639364" sldId="268"/>
         </pc:sldMkLst>
         <pc:spChg chg="mod">
-          <ac:chgData name="Heather Barker" userId="def3dd8cc52a8a2b" providerId="LiveId" clId="{2FDC0559-74D9-4A50-9FD2-BAD7355FC46E}" dt="2019-09-02T16:29:29.982" v="1226" actId="20577"/>
+          <ac:chgData name="Heather Barker" userId="def3dd8cc52a8a2b" providerId="LiveId" clId="{2FDC0559-74D9-4A50-9FD2-BAD7355FC46E}" dt="2019-09-02T17:24:17.386" v="2029" actId="313"/>
           <ac:spMkLst>
             <pc:docMk/>
             <pc:sldMk cId="3795639364" sldId="268"/>
@@ -586,7 +637,7 @@
           <a:noFill/>
           <a:extLst>
             <a:ext uri="{909E8E84-426E-40dd-AFC4-6F175D3DCCD1}">
-              <a14:hiddenFill xmlns:a14="http://schemas.microsoft.com/office/drawing/2010/main" xmlns="">
+              <a14:hiddenFill xmlns="" xmlns:a14="http://schemas.microsoft.com/office/drawing/2010/main">
                 <a:solidFill>
                   <a:srgbClr val="FFFFFF"/>
                 </a:solidFill>
@@ -645,7 +696,7 @@
             </a:ln>
             <a:extLst>
               <a:ext uri="{91240B29-F687-4f45-9708-019B960494DF}">
-                <a14:hiddenLine xmlns:a14="http://schemas.microsoft.com/office/drawing/2010/main" xmlns="" w="9525">
+                <a14:hiddenLine xmlns="" xmlns:a14="http://schemas.microsoft.com/office/drawing/2010/main" w="9525">
                   <a:solidFill>
                     <a:srgbClr val="000000"/>
                   </a:solidFill>
@@ -735,7 +786,7 @@
             </a:ln>
             <a:extLst>
               <a:ext uri="{91240B29-F687-4f45-9708-019B960494DF}">
-                <a14:hiddenLine xmlns:a14="http://schemas.microsoft.com/office/drawing/2010/main" xmlns="" w="9525">
+                <a14:hiddenLine xmlns="" xmlns:a14="http://schemas.microsoft.com/office/drawing/2010/main" w="9525">
                   <a:solidFill>
                     <a:srgbClr val="000000"/>
                   </a:solidFill>
@@ -825,7 +876,7 @@
             </a:ln>
             <a:extLst>
               <a:ext uri="{91240B29-F687-4f45-9708-019B960494DF}">
-                <a14:hiddenLine xmlns:a14="http://schemas.microsoft.com/office/drawing/2010/main" xmlns="" w="9525">
+                <a14:hiddenLine xmlns="" xmlns:a14="http://schemas.microsoft.com/office/drawing/2010/main" w="9525">
                   <a:solidFill>
                     <a:srgbClr val="000000"/>
                   </a:solidFill>
@@ -859,7 +910,7 @@
             </a:ln>
             <a:extLst>
               <a:ext uri="{91240B29-F687-4f45-9708-019B960494DF}">
-                <a14:hiddenLine xmlns:a14="http://schemas.microsoft.com/office/drawing/2010/main" xmlns="" w="9525">
+                <a14:hiddenLine xmlns="" xmlns:a14="http://schemas.microsoft.com/office/drawing/2010/main" w="9525">
                   <a:solidFill>
                     <a:srgbClr val="000000"/>
                   </a:solidFill>
@@ -949,7 +1000,7 @@
             </a:ln>
             <a:extLst>
               <a:ext uri="{91240B29-F687-4f45-9708-019B960494DF}">
-                <a14:hiddenLine xmlns:a14="http://schemas.microsoft.com/office/drawing/2010/main" xmlns="" w="9525">
+                <a14:hiddenLine xmlns="" xmlns:a14="http://schemas.microsoft.com/office/drawing/2010/main" w="9525">
                   <a:solidFill>
                     <a:srgbClr val="000000"/>
                   </a:solidFill>
@@ -1011,7 +1062,7 @@
             </a:ln>
             <a:extLst>
               <a:ext uri="{91240B29-F687-4f45-9708-019B960494DF}">
-                <a14:hiddenLine xmlns:a14="http://schemas.microsoft.com/office/drawing/2010/main" xmlns="" w="9525">
+                <a14:hiddenLine xmlns="" xmlns:a14="http://schemas.microsoft.com/office/drawing/2010/main" w="9525">
                   <a:solidFill>
                     <a:srgbClr val="000000"/>
                   </a:solidFill>
@@ -1073,7 +1124,7 @@
             </a:ln>
             <a:extLst>
               <a:ext uri="{91240B29-F687-4f45-9708-019B960494DF}">
-                <a14:hiddenLine xmlns:a14="http://schemas.microsoft.com/office/drawing/2010/main" xmlns="" w="9525">
+                <a14:hiddenLine xmlns="" xmlns:a14="http://schemas.microsoft.com/office/drawing/2010/main" w="9525">
                   <a:solidFill>
                     <a:srgbClr val="000000"/>
                   </a:solidFill>
@@ -1163,7 +1214,7 @@
             </a:ln>
             <a:extLst>
               <a:ext uri="{91240B29-F687-4f45-9708-019B960494DF}">
-                <a14:hiddenLine xmlns:a14="http://schemas.microsoft.com/office/drawing/2010/main" xmlns="" w="9525">
+                <a14:hiddenLine xmlns="" xmlns:a14="http://schemas.microsoft.com/office/drawing/2010/main" w="9525">
                   <a:solidFill>
                     <a:srgbClr val="000000"/>
                   </a:solidFill>
@@ -1225,7 +1276,7 @@
             </a:ln>
             <a:extLst>
               <a:ext uri="{91240B29-F687-4f45-9708-019B960494DF}">
-                <a14:hiddenLine xmlns:a14="http://schemas.microsoft.com/office/drawing/2010/main" xmlns="" w="9525">
+                <a14:hiddenLine xmlns="" xmlns:a14="http://schemas.microsoft.com/office/drawing/2010/main" w="9525">
                   <a:solidFill>
                     <a:srgbClr val="000000"/>
                   </a:solidFill>
@@ -1287,7 +1338,7 @@
             </a:ln>
             <a:extLst>
               <a:ext uri="{91240B29-F687-4f45-9708-019B960494DF}">
-                <a14:hiddenLine xmlns:a14="http://schemas.microsoft.com/office/drawing/2010/main" xmlns="" w="9525">
+                <a14:hiddenLine xmlns="" xmlns:a14="http://schemas.microsoft.com/office/drawing/2010/main" w="9525">
                   <a:solidFill>
                     <a:srgbClr val="000000"/>
                   </a:solidFill>
@@ -1377,7 +1428,7 @@
             </a:ln>
             <a:extLst>
               <a:ext uri="{91240B29-F687-4f45-9708-019B960494DF}">
-                <a14:hiddenLine xmlns:a14="http://schemas.microsoft.com/office/drawing/2010/main" xmlns="" w="9525">
+                <a14:hiddenLine xmlns="" xmlns:a14="http://schemas.microsoft.com/office/drawing/2010/main" w="9525">
                   <a:solidFill>
                     <a:srgbClr val="000000"/>
                   </a:solidFill>
@@ -1467,7 +1518,7 @@
             </a:ln>
             <a:extLst>
               <a:ext uri="{91240B29-F687-4f45-9708-019B960494DF}">
-                <a14:hiddenLine xmlns:a14="http://schemas.microsoft.com/office/drawing/2010/main" xmlns="" w="9525">
+                <a14:hiddenLine xmlns="" xmlns:a14="http://schemas.microsoft.com/office/drawing/2010/main" w="9525">
                   <a:solidFill>
                     <a:srgbClr val="000000"/>
                   </a:solidFill>
@@ -1529,7 +1580,7 @@
             </a:ln>
             <a:extLst>
               <a:ext uri="{91240B29-F687-4f45-9708-019B960494DF}">
-                <a14:hiddenLine xmlns:a14="http://schemas.microsoft.com/office/drawing/2010/main" xmlns="" w="9525">
+                <a14:hiddenLine xmlns="" xmlns:a14="http://schemas.microsoft.com/office/drawing/2010/main" w="9525">
                   <a:solidFill>
                     <a:srgbClr val="000000"/>
                   </a:solidFill>
@@ -1639,7 +1690,7 @@
             </a:ln>
             <a:extLst>
               <a:ext uri="{91240B29-F687-4f45-9708-019B960494DF}">
-                <a14:hiddenLine xmlns:a14="http://schemas.microsoft.com/office/drawing/2010/main" xmlns="" w="9525">
+                <a14:hiddenLine xmlns="" xmlns:a14="http://schemas.microsoft.com/office/drawing/2010/main" w="9525">
                   <a:solidFill>
                     <a:srgbClr val="000000"/>
                   </a:solidFill>
@@ -1701,7 +1752,7 @@
             </a:ln>
             <a:extLst>
               <a:ext uri="{91240B29-F687-4f45-9708-019B960494DF}">
-                <a14:hiddenLine xmlns:a14="http://schemas.microsoft.com/office/drawing/2010/main" xmlns="" w="9525">
+                <a14:hiddenLine xmlns="" xmlns:a14="http://schemas.microsoft.com/office/drawing/2010/main" w="9525">
                   <a:solidFill>
                     <a:srgbClr val="000000"/>
                   </a:solidFill>
@@ -1791,7 +1842,7 @@
             </a:ln>
             <a:extLst>
               <a:ext uri="{91240B29-F687-4f45-9708-019B960494DF}">
-                <a14:hiddenLine xmlns:a14="http://schemas.microsoft.com/office/drawing/2010/main" xmlns="" w="9525">
+                <a14:hiddenLine xmlns="" xmlns:a14="http://schemas.microsoft.com/office/drawing/2010/main" w="9525">
                   <a:solidFill>
                     <a:srgbClr val="000000"/>
                   </a:solidFill>
@@ -1881,7 +1932,7 @@
             </a:ln>
             <a:extLst>
               <a:ext uri="{91240B29-F687-4f45-9708-019B960494DF}">
-                <a14:hiddenLine xmlns:a14="http://schemas.microsoft.com/office/drawing/2010/main" xmlns="" w="9525">
+                <a14:hiddenLine xmlns="" xmlns:a14="http://schemas.microsoft.com/office/drawing/2010/main" w="9525">
                   <a:solidFill>
                     <a:srgbClr val="000000"/>
                   </a:solidFill>
@@ -1943,7 +1994,7 @@
             </a:ln>
             <a:extLst>
               <a:ext uri="{91240B29-F687-4f45-9708-019B960494DF}">
-                <a14:hiddenLine xmlns:a14="http://schemas.microsoft.com/office/drawing/2010/main" xmlns="" w="9525">
+                <a14:hiddenLine xmlns="" xmlns:a14="http://schemas.microsoft.com/office/drawing/2010/main" w="9525">
                   <a:solidFill>
                     <a:srgbClr val="000000"/>
                   </a:solidFill>
@@ -2033,7 +2084,7 @@
             </a:ln>
             <a:extLst>
               <a:ext uri="{91240B29-F687-4f45-9708-019B960494DF}">
-                <a14:hiddenLine xmlns:a14="http://schemas.microsoft.com/office/drawing/2010/main" xmlns="" w="9525">
+                <a14:hiddenLine xmlns="" xmlns:a14="http://schemas.microsoft.com/office/drawing/2010/main" w="9525">
                   <a:solidFill>
                     <a:srgbClr val="000000"/>
                   </a:solidFill>
@@ -2123,7 +2174,7 @@
             </a:ln>
             <a:extLst>
               <a:ext uri="{91240B29-F687-4f45-9708-019B960494DF}">
-                <a14:hiddenLine xmlns:a14="http://schemas.microsoft.com/office/drawing/2010/main" xmlns="" w="9525">
+                <a14:hiddenLine xmlns="" xmlns:a14="http://schemas.microsoft.com/office/drawing/2010/main" w="9525">
                   <a:solidFill>
                     <a:srgbClr val="000000"/>
                   </a:solidFill>
@@ -2179,7 +2230,7 @@
             </a:ln>
             <a:extLst>
               <a:ext uri="{91240B29-F687-4f45-9708-019B960494DF}">
-                <a14:hiddenLine xmlns:a14="http://schemas.microsoft.com/office/drawing/2010/main" xmlns="" w="9525">
+                <a14:hiddenLine xmlns="" xmlns:a14="http://schemas.microsoft.com/office/drawing/2010/main" w="9525">
                   <a:solidFill>
                     <a:srgbClr val="000000"/>
                   </a:solidFill>
@@ -2269,7 +2320,7 @@
             </a:ln>
             <a:extLst>
               <a:ext uri="{91240B29-F687-4f45-9708-019B960494DF}">
-                <a14:hiddenLine xmlns:a14="http://schemas.microsoft.com/office/drawing/2010/main" xmlns="" w="9525">
+                <a14:hiddenLine xmlns="" xmlns:a14="http://schemas.microsoft.com/office/drawing/2010/main" w="9525">
                   <a:solidFill>
                     <a:srgbClr val="000000"/>
                   </a:solidFill>
@@ -2325,7 +2376,7 @@
             </a:ln>
             <a:extLst>
               <a:ext uri="{91240B29-F687-4f45-9708-019B960494DF}">
-                <a14:hiddenLine xmlns:a14="http://schemas.microsoft.com/office/drawing/2010/main" xmlns="" w="9525">
+                <a14:hiddenLine xmlns="" xmlns:a14="http://schemas.microsoft.com/office/drawing/2010/main" w="9525">
                   <a:solidFill>
                     <a:srgbClr val="000000"/>
                   </a:solidFill>
@@ -2415,7 +2466,7 @@
             </a:ln>
             <a:extLst>
               <a:ext uri="{91240B29-F687-4f45-9708-019B960494DF}">
-                <a14:hiddenLine xmlns:a14="http://schemas.microsoft.com/office/drawing/2010/main" xmlns="" w="9525">
+                <a14:hiddenLine xmlns="" xmlns:a14="http://schemas.microsoft.com/office/drawing/2010/main" w="9525">
                   <a:solidFill>
                     <a:srgbClr val="000000"/>
                   </a:solidFill>
@@ -2483,7 +2534,7 @@
             </a:ln>
             <a:extLst>
               <a:ext uri="{91240B29-F687-4f45-9708-019B960494DF}">
-                <a14:hiddenLine xmlns:a14="http://schemas.microsoft.com/office/drawing/2010/main" xmlns="" w="9525">
+                <a14:hiddenLine xmlns="" xmlns:a14="http://schemas.microsoft.com/office/drawing/2010/main" w="9525">
                   <a:solidFill>
                     <a:srgbClr val="000000"/>
                   </a:solidFill>
@@ -2573,7 +2624,7 @@
             </a:ln>
             <a:extLst>
               <a:ext uri="{91240B29-F687-4f45-9708-019B960494DF}">
-                <a14:hiddenLine xmlns:a14="http://schemas.microsoft.com/office/drawing/2010/main" xmlns="" w="9525">
+                <a14:hiddenLine xmlns="" xmlns:a14="http://schemas.microsoft.com/office/drawing/2010/main" w="9525">
                   <a:solidFill>
                     <a:srgbClr val="000000"/>
                   </a:solidFill>
@@ -2641,7 +2692,7 @@
             </a:ln>
             <a:extLst>
               <a:ext uri="{91240B29-F687-4f45-9708-019B960494DF}">
-                <a14:hiddenLine xmlns:a14="http://schemas.microsoft.com/office/drawing/2010/main" xmlns="" w="9525">
+                <a14:hiddenLine xmlns="" xmlns:a14="http://schemas.microsoft.com/office/drawing/2010/main" w="9525">
                   <a:solidFill>
                     <a:srgbClr val="000000"/>
                   </a:solidFill>
@@ -2731,7 +2782,7 @@
             </a:ln>
             <a:extLst>
               <a:ext uri="{91240B29-F687-4f45-9708-019B960494DF}">
-                <a14:hiddenLine xmlns:a14="http://schemas.microsoft.com/office/drawing/2010/main" xmlns="" w="9525">
+                <a14:hiddenLine xmlns="" xmlns:a14="http://schemas.microsoft.com/office/drawing/2010/main" w="9525">
                   <a:solidFill>
                     <a:srgbClr val="000000"/>
                   </a:solidFill>
@@ -2765,7 +2816,7 @@
             </a:ln>
             <a:extLst>
               <a:ext uri="{91240B29-F687-4f45-9708-019B960494DF}">
-                <a14:hiddenLine xmlns:a14="http://schemas.microsoft.com/office/drawing/2010/main" xmlns="" w="9525">
+                <a14:hiddenLine xmlns="" xmlns:a14="http://schemas.microsoft.com/office/drawing/2010/main" w="9525">
                   <a:solidFill>
                     <a:srgbClr val="000000"/>
                   </a:solidFill>
@@ -2855,7 +2906,7 @@
             </a:ln>
             <a:extLst>
               <a:ext uri="{91240B29-F687-4f45-9708-019B960494DF}">
-                <a14:hiddenLine xmlns:a14="http://schemas.microsoft.com/office/drawing/2010/main" xmlns="" w="9525">
+                <a14:hiddenLine xmlns="" xmlns:a14="http://schemas.microsoft.com/office/drawing/2010/main" w="9525">
                   <a:solidFill>
                     <a:srgbClr val="000000"/>
                   </a:solidFill>
@@ -2917,7 +2968,7 @@
             </a:ln>
             <a:extLst>
               <a:ext uri="{91240B29-F687-4f45-9708-019B960494DF}">
-                <a14:hiddenLine xmlns:a14="http://schemas.microsoft.com/office/drawing/2010/main" xmlns="" w="9525">
+                <a14:hiddenLine xmlns="" xmlns:a14="http://schemas.microsoft.com/office/drawing/2010/main" w="9525">
                   <a:solidFill>
                     <a:srgbClr val="000000"/>
                   </a:solidFill>
@@ -2979,7 +3030,7 @@
             </a:ln>
             <a:extLst>
               <a:ext uri="{91240B29-F687-4f45-9708-019B960494DF}">
-                <a14:hiddenLine xmlns:a14="http://schemas.microsoft.com/office/drawing/2010/main" xmlns="" w="9525">
+                <a14:hiddenLine xmlns="" xmlns:a14="http://schemas.microsoft.com/office/drawing/2010/main" w="9525">
                   <a:solidFill>
                     <a:srgbClr val="000000"/>
                   </a:solidFill>
@@ -3069,7 +3120,7 @@
             </a:ln>
             <a:extLst>
               <a:ext uri="{91240B29-F687-4f45-9708-019B960494DF}">
-                <a14:hiddenLine xmlns:a14="http://schemas.microsoft.com/office/drawing/2010/main" xmlns="" w="9525">
+                <a14:hiddenLine xmlns="" xmlns:a14="http://schemas.microsoft.com/office/drawing/2010/main" w="9525">
                   <a:solidFill>
                     <a:srgbClr val="000000"/>
                   </a:solidFill>
@@ -3137,7 +3188,7 @@
             </a:ln>
             <a:extLst>
               <a:ext uri="{91240B29-F687-4f45-9708-019B960494DF}">
-                <a14:hiddenLine xmlns:a14="http://schemas.microsoft.com/office/drawing/2010/main" xmlns="" w="9525">
+                <a14:hiddenLine xmlns="" xmlns:a14="http://schemas.microsoft.com/office/drawing/2010/main" w="9525">
                   <a:solidFill>
                     <a:srgbClr val="000000"/>
                   </a:solidFill>
@@ -3199,7 +3250,7 @@
             </a:ln>
             <a:extLst>
               <a:ext uri="{91240B29-F687-4f45-9708-019B960494DF}">
-                <a14:hiddenLine xmlns:a14="http://schemas.microsoft.com/office/drawing/2010/main" xmlns="" w="9525">
+                <a14:hiddenLine xmlns="" xmlns:a14="http://schemas.microsoft.com/office/drawing/2010/main" w="9525">
                   <a:solidFill>
                     <a:srgbClr val="000000"/>
                   </a:solidFill>
@@ -3289,7 +3340,7 @@
             </a:ln>
             <a:extLst>
               <a:ext uri="{91240B29-F687-4f45-9708-019B960494DF}">
-                <a14:hiddenLine xmlns:a14="http://schemas.microsoft.com/office/drawing/2010/main" xmlns="" w="9525">
+                <a14:hiddenLine xmlns="" xmlns:a14="http://schemas.microsoft.com/office/drawing/2010/main" w="9525">
                   <a:solidFill>
                     <a:srgbClr val="000000"/>
                   </a:solidFill>
@@ -3351,7 +3402,7 @@
             </a:ln>
             <a:extLst>
               <a:ext uri="{91240B29-F687-4f45-9708-019B960494DF}">
-                <a14:hiddenLine xmlns:a14="http://schemas.microsoft.com/office/drawing/2010/main" xmlns="" w="9525">
+                <a14:hiddenLine xmlns="" xmlns:a14="http://schemas.microsoft.com/office/drawing/2010/main" w="9525">
                   <a:solidFill>
                     <a:srgbClr val="000000"/>
                   </a:solidFill>
@@ -3441,7 +3492,7 @@
             </a:ln>
             <a:extLst>
               <a:ext uri="{91240B29-F687-4f45-9708-019B960494DF}">
-                <a14:hiddenLine xmlns:a14="http://schemas.microsoft.com/office/drawing/2010/main" xmlns="" w="9525">
+                <a14:hiddenLine xmlns="" xmlns:a14="http://schemas.microsoft.com/office/drawing/2010/main" w="9525">
                   <a:solidFill>
                     <a:srgbClr val="000000"/>
                   </a:solidFill>
@@ -3503,7 +3554,7 @@
             </a:ln>
             <a:extLst>
               <a:ext uri="{91240B29-F687-4f45-9708-019B960494DF}">
-                <a14:hiddenLine xmlns:a14="http://schemas.microsoft.com/office/drawing/2010/main" xmlns="" w="9525">
+                <a14:hiddenLine xmlns="" xmlns:a14="http://schemas.microsoft.com/office/drawing/2010/main" w="9525">
                   <a:solidFill>
                     <a:srgbClr val="000000"/>
                   </a:solidFill>
@@ -3593,7 +3644,7 @@
             </a:ln>
             <a:extLst>
               <a:ext uri="{91240B29-F687-4f45-9708-019B960494DF}">
-                <a14:hiddenLine xmlns:a14="http://schemas.microsoft.com/office/drawing/2010/main" xmlns="" w="9525">
+                <a14:hiddenLine xmlns="" xmlns:a14="http://schemas.microsoft.com/office/drawing/2010/main" w="9525">
                   <a:solidFill>
                     <a:srgbClr val="000000"/>
                   </a:solidFill>
@@ -3627,7 +3678,7 @@
             </a:ln>
             <a:extLst>
               <a:ext uri="{91240B29-F687-4f45-9708-019B960494DF}">
-                <a14:hiddenLine xmlns:a14="http://schemas.microsoft.com/office/drawing/2010/main" xmlns="" w="9525">
+                <a14:hiddenLine xmlns="" xmlns:a14="http://schemas.microsoft.com/office/drawing/2010/main" w="9525">
                   <a:solidFill>
                     <a:srgbClr val="000000"/>
                   </a:solidFill>
@@ -3692,7 +3743,7 @@
             </a:ln>
             <a:extLst>
               <a:ext uri="{91240B29-F687-4f45-9708-019B960494DF}">
-                <a14:hiddenLine xmlns:a14="http://schemas.microsoft.com/office/drawing/2010/main" xmlns="" w="9525">
+                <a14:hiddenLine xmlns="" xmlns:a14="http://schemas.microsoft.com/office/drawing/2010/main" w="9525">
                   <a:solidFill>
                     <a:srgbClr val="000000"/>
                   </a:solidFill>
@@ -3782,7 +3833,7 @@
             </a:ln>
             <a:extLst>
               <a:ext uri="{91240B29-F687-4f45-9708-019B960494DF}">
-                <a14:hiddenLine xmlns:a14="http://schemas.microsoft.com/office/drawing/2010/main" xmlns="" w="9525">
+                <a14:hiddenLine xmlns="" xmlns:a14="http://schemas.microsoft.com/office/drawing/2010/main" w="9525">
                   <a:solidFill>
                     <a:srgbClr val="000000"/>
                   </a:solidFill>
@@ -3844,7 +3895,7 @@
             </a:ln>
             <a:extLst>
               <a:ext uri="{91240B29-F687-4f45-9708-019B960494DF}">
-                <a14:hiddenLine xmlns:a14="http://schemas.microsoft.com/office/drawing/2010/main" xmlns="" w="9525">
+                <a14:hiddenLine xmlns="" xmlns:a14="http://schemas.microsoft.com/office/drawing/2010/main" w="9525">
                   <a:solidFill>
                     <a:srgbClr val="000000"/>
                   </a:solidFill>
@@ -3934,7 +3985,7 @@
             </a:ln>
             <a:extLst>
               <a:ext uri="{91240B29-F687-4f45-9708-019B960494DF}">
-                <a14:hiddenLine xmlns:a14="http://schemas.microsoft.com/office/drawing/2010/main" xmlns="" w="9525">
+                <a14:hiddenLine xmlns="" xmlns:a14="http://schemas.microsoft.com/office/drawing/2010/main" w="9525">
                   <a:solidFill>
                     <a:srgbClr val="000000"/>
                   </a:solidFill>
@@ -4024,7 +4075,7 @@
             </a:ln>
             <a:extLst>
               <a:ext uri="{91240B29-F687-4f45-9708-019B960494DF}">
-                <a14:hiddenLine xmlns:a14="http://schemas.microsoft.com/office/drawing/2010/main" xmlns="" w="9525">
+                <a14:hiddenLine xmlns="" xmlns:a14="http://schemas.microsoft.com/office/drawing/2010/main" w="9525">
                   <a:solidFill>
                     <a:srgbClr val="000000"/>
                   </a:solidFill>
@@ -4089,7 +4140,7 @@
             </a:ln>
             <a:extLst>
               <a:ext uri="{91240B29-F687-4f45-9708-019B960494DF}">
-                <a14:hiddenLine xmlns:a14="http://schemas.microsoft.com/office/drawing/2010/main" xmlns="" w="9525">
+                <a14:hiddenLine xmlns="" xmlns:a14="http://schemas.microsoft.com/office/drawing/2010/main" w="9525">
                   <a:solidFill>
                     <a:srgbClr val="000000"/>
                   </a:solidFill>
@@ -4151,7 +4202,7 @@
             </a:ln>
             <a:extLst>
               <a:ext uri="{91240B29-F687-4f45-9708-019B960494DF}">
-                <a14:hiddenLine xmlns:a14="http://schemas.microsoft.com/office/drawing/2010/main" xmlns="" w="9525">
+                <a14:hiddenLine xmlns="" xmlns:a14="http://schemas.microsoft.com/office/drawing/2010/main" w="9525">
                   <a:solidFill>
                     <a:srgbClr val="000000"/>
                   </a:solidFill>
@@ -4241,7 +4292,7 @@
             </a:ln>
             <a:extLst>
               <a:ext uri="{91240B29-F687-4f45-9708-019B960494DF}">
-                <a14:hiddenLine xmlns:a14="http://schemas.microsoft.com/office/drawing/2010/main" xmlns="" w="9525">
+                <a14:hiddenLine xmlns="" xmlns:a14="http://schemas.microsoft.com/office/drawing/2010/main" w="9525">
                   <a:solidFill>
                     <a:srgbClr val="000000"/>
                   </a:solidFill>
@@ -4331,7 +4382,7 @@
             </a:ln>
             <a:extLst>
               <a:ext uri="{91240B29-F687-4f45-9708-019B960494DF}">
-                <a14:hiddenLine xmlns:a14="http://schemas.microsoft.com/office/drawing/2010/main" xmlns="" w="9525">
+                <a14:hiddenLine xmlns="" xmlns:a14="http://schemas.microsoft.com/office/drawing/2010/main" w="9525">
                   <a:solidFill>
                     <a:srgbClr val="000000"/>
                   </a:solidFill>
@@ -4393,7 +4444,7 @@
             </a:ln>
             <a:extLst>
               <a:ext uri="{91240B29-F687-4f45-9708-019B960494DF}">
-                <a14:hiddenLine xmlns:a14="http://schemas.microsoft.com/office/drawing/2010/main" xmlns="" w="9525">
+                <a14:hiddenLine xmlns="" xmlns:a14="http://schemas.microsoft.com/office/drawing/2010/main" w="9525">
                   <a:solidFill>
                     <a:srgbClr val="000000"/>
                   </a:solidFill>
@@ -4513,7 +4564,7 @@
             </a:ln>
             <a:extLst>
               <a:ext uri="{91240B29-F687-4f45-9708-019B960494DF}">
-                <a14:hiddenLine xmlns:a14="http://schemas.microsoft.com/office/drawing/2010/main" xmlns="" w="9525">
+                <a14:hiddenLine xmlns="" xmlns:a14="http://schemas.microsoft.com/office/drawing/2010/main" w="9525">
                   <a:solidFill>
                     <a:srgbClr val="000000"/>
                   </a:solidFill>
@@ -4581,7 +4632,7 @@
             </a:ln>
             <a:extLst>
               <a:ext uri="{91240B29-F687-4f45-9708-019B960494DF}">
-                <a14:hiddenLine xmlns:a14="http://schemas.microsoft.com/office/drawing/2010/main" xmlns="" w="9525">
+                <a14:hiddenLine xmlns="" xmlns:a14="http://schemas.microsoft.com/office/drawing/2010/main" w="9525">
                   <a:solidFill>
                     <a:srgbClr val="000000"/>
                   </a:solidFill>
@@ -4671,7 +4722,7 @@
             </a:ln>
             <a:extLst>
               <a:ext uri="{91240B29-F687-4f45-9708-019B960494DF}">
-                <a14:hiddenLine xmlns:a14="http://schemas.microsoft.com/office/drawing/2010/main" xmlns="" w="9525">
+                <a14:hiddenLine xmlns="" xmlns:a14="http://schemas.microsoft.com/office/drawing/2010/main" w="9525">
                   <a:solidFill>
                     <a:srgbClr val="000000"/>
                   </a:solidFill>
@@ -4811,7 +4862,7 @@
           <a:p>
             <a:fld id="{9184DA70-C731-4C70-880D-CCD4705E623C}" type="datetime1">
               <a:rPr lang="en-US" smtClean="0"/>
-              <a:t>8/28/2019</a:t>
+              <a:t>9/2/2019</a:t>
             </a:fld>
             <a:endParaRPr lang="en-US" dirty="0"/>
           </a:p>
@@ -5078,7 +5129,7 @@
           <a:p>
             <a:fld id="{62D6E202-B606-4609-B914-27C9371A1F6D}" type="datetime1">
               <a:rPr lang="en-US" smtClean="0"/>
-              <a:t>8/28/2019</a:t>
+              <a:t>9/2/2019</a:t>
             </a:fld>
             <a:endParaRPr lang="en-US" dirty="0"/>
           </a:p>
@@ -5275,7 +5326,7 @@
           <a:p>
             <a:fld id="{62D6E202-B606-4609-B914-27C9371A1F6D}" type="datetime1">
               <a:rPr lang="en-US" smtClean="0"/>
-              <a:t>8/28/2019</a:t>
+              <a:t>9/2/2019</a:t>
             </a:fld>
             <a:endParaRPr lang="en-US" dirty="0"/>
           </a:p>
@@ -5539,7 +5590,7 @@
           <a:p>
             <a:fld id="{62D6E202-B606-4609-B914-27C9371A1F6D}" type="datetime1">
               <a:rPr lang="en-US" smtClean="0"/>
-              <a:t>8/28/2019</a:t>
+              <a:t>9/2/2019</a:t>
             </a:fld>
             <a:endParaRPr lang="en-US" dirty="0"/>
           </a:p>
@@ -5974,7 +6025,7 @@
           <a:p>
             <a:fld id="{62D6E202-B606-4609-B914-27C9371A1F6D}" type="datetime1">
               <a:rPr lang="en-US" smtClean="0"/>
-              <a:t>8/28/2019</a:t>
+              <a:t>9/2/2019</a:t>
             </a:fld>
             <a:endParaRPr lang="en-US" dirty="0"/>
           </a:p>
@@ -6521,7 +6572,7 @@
           <a:p>
             <a:fld id="{62D6E202-B606-4609-B914-27C9371A1F6D}" type="datetime1">
               <a:rPr lang="en-US" smtClean="0"/>
-              <a:t>8/28/2019</a:t>
+              <a:t>9/2/2019</a:t>
             </a:fld>
             <a:endParaRPr lang="en-US" dirty="0"/>
           </a:p>
@@ -7242,7 +7293,7 @@
           <a:p>
             <a:fld id="{62D6E202-B606-4609-B914-27C9371A1F6D}" type="datetime1">
               <a:rPr lang="en-US" smtClean="0"/>
-              <a:t>8/28/2019</a:t>
+              <a:t>9/2/2019</a:t>
             </a:fld>
             <a:endParaRPr lang="en-US" dirty="0"/>
           </a:p>
@@ -7413,7 +7464,7 @@
           <a:p>
             <a:fld id="{62D6E202-B606-4609-B914-27C9371A1F6D}" type="datetime1">
               <a:rPr lang="en-US" smtClean="0"/>
-              <a:t>8/28/2019</a:t>
+              <a:t>9/2/2019</a:t>
             </a:fld>
             <a:endParaRPr lang="en-US" dirty="0"/>
           </a:p>
@@ -7594,7 +7645,7 @@
           <a:p>
             <a:fld id="{62D6E202-B606-4609-B914-27C9371A1F6D}" type="datetime1">
               <a:rPr lang="en-US" smtClean="0"/>
-              <a:t>8/28/2019</a:t>
+              <a:t>9/2/2019</a:t>
             </a:fld>
             <a:endParaRPr lang="en-US" dirty="0"/>
           </a:p>
@@ -7765,7 +7816,7 @@
           <a:p>
             <a:fld id="{62D6E202-B606-4609-B914-27C9371A1F6D}" type="datetime1">
               <a:rPr lang="en-US" smtClean="0"/>
-              <a:t>8/28/2019</a:t>
+              <a:t>9/2/2019</a:t>
             </a:fld>
             <a:endParaRPr lang="en-US" dirty="0"/>
           </a:p>
@@ -8016,7 +8067,7 @@
           <a:p>
             <a:fld id="{62D6E202-B606-4609-B914-27C9371A1F6D}" type="datetime1">
               <a:rPr lang="en-US" smtClean="0"/>
-              <a:t>8/28/2019</a:t>
+              <a:t>9/2/2019</a:t>
             </a:fld>
             <a:endParaRPr lang="en-US" dirty="0"/>
           </a:p>
@@ -8249,7 +8300,7 @@
           <a:p>
             <a:fld id="{62D6E202-B606-4609-B914-27C9371A1F6D}" type="datetime1">
               <a:rPr lang="en-US" smtClean="0"/>
-              <a:t>8/28/2019</a:t>
+              <a:t>9/2/2019</a:t>
             </a:fld>
             <a:endParaRPr lang="en-US" dirty="0"/>
           </a:p>
@@ -8631,7 +8682,7 @@
           <a:p>
             <a:fld id="{62D6E202-B606-4609-B914-27C9371A1F6D}" type="datetime1">
               <a:rPr lang="en-US" smtClean="0"/>
-              <a:t>8/28/2019</a:t>
+              <a:t>9/2/2019</a:t>
             </a:fld>
             <a:endParaRPr lang="en-US" dirty="0"/>
           </a:p>
@@ -8750,7 +8801,7 @@
           <a:p>
             <a:fld id="{62D6E202-B606-4609-B914-27C9371A1F6D}" type="datetime1">
               <a:rPr lang="en-US" smtClean="0"/>
-              <a:t>8/28/2019</a:t>
+              <a:t>9/2/2019</a:t>
             </a:fld>
             <a:endParaRPr lang="en-US" dirty="0"/>
           </a:p>
@@ -8846,7 +8897,7 @@
           <a:p>
             <a:fld id="{62D6E202-B606-4609-B914-27C9371A1F6D}" type="datetime1">
               <a:rPr lang="en-US" smtClean="0"/>
-              <a:t>8/28/2019</a:t>
+              <a:t>9/2/2019</a:t>
             </a:fld>
             <a:endParaRPr lang="en-US" dirty="0"/>
           </a:p>
@@ -9096,7 +9147,7 @@
           <a:p>
             <a:fld id="{62D6E202-B606-4609-B914-27C9371A1F6D}" type="datetime1">
               <a:rPr lang="en-US" smtClean="0"/>
-              <a:t>8/28/2019</a:t>
+              <a:t>9/2/2019</a:t>
             </a:fld>
             <a:endParaRPr lang="en-US" dirty="0"/>
           </a:p>
@@ -9377,7 +9428,7 @@
           <a:p>
             <a:fld id="{62D6E202-B606-4609-B914-27C9371A1F6D}" type="datetime1">
               <a:rPr lang="en-US" smtClean="0"/>
-              <a:t>8/28/2019</a:t>
+              <a:t>9/2/2019</a:t>
             </a:fld>
             <a:endParaRPr lang="en-US" dirty="0"/>
           </a:p>
@@ -9501,7 +9552,7 @@
           <a:noFill/>
           <a:extLst>
             <a:ext uri="{909E8E84-426E-40dd-AFC4-6F175D3DCCD1}">
-              <a14:hiddenFill xmlns:a14="http://schemas.microsoft.com/office/drawing/2010/main" xmlns="">
+              <a14:hiddenFill xmlns="" xmlns:a14="http://schemas.microsoft.com/office/drawing/2010/main">
                 <a:solidFill>
                   <a:srgbClr val="FFFFFF"/>
                 </a:solidFill>
@@ -9575,7 +9626,7 @@
               </a:ln>
               <a:extLst>
                 <a:ext uri="{91240B29-F687-4f45-9708-019B960494DF}">
-                  <a14:hiddenLine xmlns:a14="http://schemas.microsoft.com/office/drawing/2010/main" xmlns="" w="9525">
+                  <a14:hiddenLine xmlns="" xmlns:a14="http://schemas.microsoft.com/office/drawing/2010/main" w="9525">
                     <a:solidFill>
                       <a:srgbClr val="000000"/>
                     </a:solidFill>
@@ -9665,7 +9716,7 @@
               </a:ln>
               <a:extLst>
                 <a:ext uri="{91240B29-F687-4f45-9708-019B960494DF}">
-                  <a14:hiddenLine xmlns:a14="http://schemas.microsoft.com/office/drawing/2010/main" xmlns="" w="9525">
+                  <a14:hiddenLine xmlns="" xmlns:a14="http://schemas.microsoft.com/office/drawing/2010/main" w="9525">
                     <a:solidFill>
                       <a:srgbClr val="000000"/>
                     </a:solidFill>
@@ -9755,7 +9806,7 @@
               </a:ln>
               <a:extLst>
                 <a:ext uri="{91240B29-F687-4f45-9708-019B960494DF}">
-                  <a14:hiddenLine xmlns:a14="http://schemas.microsoft.com/office/drawing/2010/main" xmlns="" w="9525">
+                  <a14:hiddenLine xmlns="" xmlns:a14="http://schemas.microsoft.com/office/drawing/2010/main" w="9525">
                     <a:solidFill>
                       <a:srgbClr val="000000"/>
                     </a:solidFill>
@@ -9817,7 +9868,7 @@
               </a:ln>
               <a:extLst>
                 <a:ext uri="{91240B29-F687-4f45-9708-019B960494DF}">
-                  <a14:hiddenLine xmlns:a14="http://schemas.microsoft.com/office/drawing/2010/main" xmlns="" w="9525">
+                  <a14:hiddenLine xmlns="" xmlns:a14="http://schemas.microsoft.com/office/drawing/2010/main" w="9525">
                     <a:solidFill>
                       <a:srgbClr val="000000"/>
                     </a:solidFill>
@@ -9907,7 +9958,7 @@
               </a:ln>
               <a:extLst>
                 <a:ext uri="{91240B29-F687-4f45-9708-019B960494DF}">
-                  <a14:hiddenLine xmlns:a14="http://schemas.microsoft.com/office/drawing/2010/main" xmlns="" w="9525">
+                  <a14:hiddenLine xmlns="" xmlns:a14="http://schemas.microsoft.com/office/drawing/2010/main" w="9525">
                     <a:solidFill>
                       <a:srgbClr val="000000"/>
                     </a:solidFill>
@@ -9969,7 +10020,7 @@
               </a:ln>
               <a:extLst>
                 <a:ext uri="{91240B29-F687-4f45-9708-019B960494DF}">
-                  <a14:hiddenLine xmlns:a14="http://schemas.microsoft.com/office/drawing/2010/main" xmlns="" w="9525">
+                  <a14:hiddenLine xmlns="" xmlns:a14="http://schemas.microsoft.com/office/drawing/2010/main" w="9525">
                     <a:solidFill>
                       <a:srgbClr val="000000"/>
                     </a:solidFill>
@@ -10031,7 +10082,7 @@
               </a:ln>
               <a:extLst>
                 <a:ext uri="{91240B29-F687-4f45-9708-019B960494DF}">
-                  <a14:hiddenLine xmlns:a14="http://schemas.microsoft.com/office/drawing/2010/main" xmlns="" w="9525">
+                  <a14:hiddenLine xmlns="" xmlns:a14="http://schemas.microsoft.com/office/drawing/2010/main" w="9525">
                     <a:solidFill>
                       <a:srgbClr val="000000"/>
                     </a:solidFill>
@@ -10121,7 +10172,7 @@
               </a:ln>
               <a:extLst>
                 <a:ext uri="{91240B29-F687-4f45-9708-019B960494DF}">
-                  <a14:hiddenLine xmlns:a14="http://schemas.microsoft.com/office/drawing/2010/main" xmlns="" w="9525">
+                  <a14:hiddenLine xmlns="" xmlns:a14="http://schemas.microsoft.com/office/drawing/2010/main" w="9525">
                     <a:solidFill>
                       <a:srgbClr val="000000"/>
                     </a:solidFill>
@@ -10211,7 +10262,7 @@
               </a:ln>
               <a:extLst>
                 <a:ext uri="{91240B29-F687-4f45-9708-019B960494DF}">
-                  <a14:hiddenLine xmlns:a14="http://schemas.microsoft.com/office/drawing/2010/main" xmlns="" w="9525">
+                  <a14:hiddenLine xmlns="" xmlns:a14="http://schemas.microsoft.com/office/drawing/2010/main" w="9525">
                     <a:solidFill>
                       <a:srgbClr val="000000"/>
                     </a:solidFill>
@@ -10273,7 +10324,7 @@
               </a:ln>
               <a:extLst>
                 <a:ext uri="{91240B29-F687-4f45-9708-019B960494DF}">
-                  <a14:hiddenLine xmlns:a14="http://schemas.microsoft.com/office/drawing/2010/main" xmlns="" w="9525">
+                  <a14:hiddenLine xmlns="" xmlns:a14="http://schemas.microsoft.com/office/drawing/2010/main" w="9525">
                     <a:solidFill>
                       <a:srgbClr val="000000"/>
                     </a:solidFill>
@@ -10383,7 +10434,7 @@
               </a:ln>
               <a:extLst>
                 <a:ext uri="{91240B29-F687-4f45-9708-019B960494DF}">
-                  <a14:hiddenLine xmlns:a14="http://schemas.microsoft.com/office/drawing/2010/main" xmlns="" w="9525">
+                  <a14:hiddenLine xmlns="" xmlns:a14="http://schemas.microsoft.com/office/drawing/2010/main" w="9525">
                     <a:solidFill>
                       <a:srgbClr val="000000"/>
                     </a:solidFill>
@@ -10467,7 +10518,7 @@
               </a:ln>
               <a:extLst>
                 <a:ext uri="{91240B29-F687-4f45-9708-019B960494DF}">
-                  <a14:hiddenLine xmlns:a14="http://schemas.microsoft.com/office/drawing/2010/main" xmlns="" w="9525">
+                  <a14:hiddenLine xmlns="" xmlns:a14="http://schemas.microsoft.com/office/drawing/2010/main" w="9525">
                     <a:solidFill>
                       <a:srgbClr val="000000"/>
                     </a:solidFill>
@@ -10529,7 +10580,7 @@
               </a:ln>
               <a:extLst>
                 <a:ext uri="{91240B29-F687-4f45-9708-019B960494DF}">
-                  <a14:hiddenLine xmlns:a14="http://schemas.microsoft.com/office/drawing/2010/main" xmlns="" w="9525">
+                  <a14:hiddenLine xmlns="" xmlns:a14="http://schemas.microsoft.com/office/drawing/2010/main" w="9525">
                     <a:solidFill>
                       <a:srgbClr val="000000"/>
                     </a:solidFill>
@@ -10591,7 +10642,7 @@
               </a:ln>
               <a:extLst>
                 <a:ext uri="{91240B29-F687-4f45-9708-019B960494DF}">
-                  <a14:hiddenLine xmlns:a14="http://schemas.microsoft.com/office/drawing/2010/main" xmlns="" w="9525">
+                  <a14:hiddenLine xmlns="" xmlns:a14="http://schemas.microsoft.com/office/drawing/2010/main" w="9525">
                     <a:solidFill>
                       <a:srgbClr val="000000"/>
                     </a:solidFill>
@@ -10681,7 +10732,7 @@
               </a:ln>
               <a:extLst>
                 <a:ext uri="{91240B29-F687-4f45-9708-019B960494DF}">
-                  <a14:hiddenLine xmlns:a14="http://schemas.microsoft.com/office/drawing/2010/main" xmlns="" w="9525">
+                  <a14:hiddenLine xmlns="" xmlns:a14="http://schemas.microsoft.com/office/drawing/2010/main" w="9525">
                     <a:solidFill>
                       <a:srgbClr val="000000"/>
                     </a:solidFill>
@@ -10715,7 +10766,7 @@
               </a:ln>
               <a:extLst>
                 <a:ext uri="{91240B29-F687-4f45-9708-019B960494DF}">
-                  <a14:hiddenLine xmlns:a14="http://schemas.microsoft.com/office/drawing/2010/main" xmlns="" w="9525">
+                  <a14:hiddenLine xmlns="" xmlns:a14="http://schemas.microsoft.com/office/drawing/2010/main" w="9525">
                     <a:solidFill>
                       <a:srgbClr val="000000"/>
                     </a:solidFill>
@@ -10780,7 +10831,7 @@
               </a:ln>
               <a:extLst>
                 <a:ext uri="{91240B29-F687-4f45-9708-019B960494DF}">
-                  <a14:hiddenLine xmlns:a14="http://schemas.microsoft.com/office/drawing/2010/main" xmlns="" w="9525">
+                  <a14:hiddenLine xmlns="" xmlns:a14="http://schemas.microsoft.com/office/drawing/2010/main" w="9525">
                     <a:solidFill>
                       <a:srgbClr val="000000"/>
                     </a:solidFill>
@@ -10870,7 +10921,7 @@
               </a:ln>
               <a:extLst>
                 <a:ext uri="{91240B29-F687-4f45-9708-019B960494DF}">
-                  <a14:hiddenLine xmlns:a14="http://schemas.microsoft.com/office/drawing/2010/main" xmlns="" w="9525">
+                  <a14:hiddenLine xmlns="" xmlns:a14="http://schemas.microsoft.com/office/drawing/2010/main" w="9525">
                     <a:solidFill>
                       <a:srgbClr val="000000"/>
                     </a:solidFill>
@@ -10932,7 +10983,7 @@
               </a:ln>
               <a:extLst>
                 <a:ext uri="{91240B29-F687-4f45-9708-019B960494DF}">
-                  <a14:hiddenLine xmlns:a14="http://schemas.microsoft.com/office/drawing/2010/main" xmlns="" w="9525">
+                  <a14:hiddenLine xmlns="" xmlns:a14="http://schemas.microsoft.com/office/drawing/2010/main" w="9525">
                     <a:solidFill>
                       <a:srgbClr val="000000"/>
                     </a:solidFill>
@@ -11022,7 +11073,7 @@
               </a:ln>
               <a:extLst>
                 <a:ext uri="{91240B29-F687-4f45-9708-019B960494DF}">
-                  <a14:hiddenLine xmlns:a14="http://schemas.microsoft.com/office/drawing/2010/main" xmlns="" w="9525">
+                  <a14:hiddenLine xmlns="" xmlns:a14="http://schemas.microsoft.com/office/drawing/2010/main" w="9525">
                     <a:solidFill>
                       <a:srgbClr val="000000"/>
                     </a:solidFill>
@@ -11087,7 +11138,7 @@
               </a:ln>
               <a:extLst>
                 <a:ext uri="{91240B29-F687-4f45-9708-019B960494DF}">
-                  <a14:hiddenLine xmlns:a14="http://schemas.microsoft.com/office/drawing/2010/main" xmlns="" w="9525">
+                  <a14:hiddenLine xmlns="" xmlns:a14="http://schemas.microsoft.com/office/drawing/2010/main" w="9525">
                     <a:solidFill>
                       <a:srgbClr val="000000"/>
                     </a:solidFill>
@@ -11149,7 +11200,7 @@
               </a:ln>
               <a:extLst>
                 <a:ext uri="{91240B29-F687-4f45-9708-019B960494DF}">
-                  <a14:hiddenLine xmlns:a14="http://schemas.microsoft.com/office/drawing/2010/main" xmlns="" w="9525">
+                  <a14:hiddenLine xmlns="" xmlns:a14="http://schemas.microsoft.com/office/drawing/2010/main" w="9525">
                     <a:solidFill>
                       <a:srgbClr val="000000"/>
                     </a:solidFill>
@@ -11239,7 +11290,7 @@
               </a:ln>
               <a:extLst>
                 <a:ext uri="{91240B29-F687-4f45-9708-019B960494DF}">
-                  <a14:hiddenLine xmlns:a14="http://schemas.microsoft.com/office/drawing/2010/main" xmlns="" w="9525">
+                  <a14:hiddenLine xmlns="" xmlns:a14="http://schemas.microsoft.com/office/drawing/2010/main" w="9525">
                     <a:solidFill>
                       <a:srgbClr val="000000"/>
                     </a:solidFill>
@@ -11329,7 +11380,7 @@
               </a:ln>
               <a:extLst>
                 <a:ext uri="{91240B29-F687-4f45-9708-019B960494DF}">
-                  <a14:hiddenLine xmlns:a14="http://schemas.microsoft.com/office/drawing/2010/main" xmlns="" w="9525">
+                  <a14:hiddenLine xmlns="" xmlns:a14="http://schemas.microsoft.com/office/drawing/2010/main" w="9525">
                     <a:solidFill>
                       <a:srgbClr val="000000"/>
                     </a:solidFill>
@@ -11394,7 +11445,7 @@
               </a:ln>
               <a:extLst>
                 <a:ext uri="{91240B29-F687-4f45-9708-019B960494DF}">
-                  <a14:hiddenLine xmlns:a14="http://schemas.microsoft.com/office/drawing/2010/main" xmlns="" w="9525">
+                  <a14:hiddenLine xmlns="" xmlns:a14="http://schemas.microsoft.com/office/drawing/2010/main" w="9525">
                     <a:solidFill>
                       <a:srgbClr val="000000"/>
                     </a:solidFill>
@@ -11514,7 +11565,7 @@
               </a:ln>
               <a:extLst>
                 <a:ext uri="{91240B29-F687-4f45-9708-019B960494DF}">
-                  <a14:hiddenLine xmlns:a14="http://schemas.microsoft.com/office/drawing/2010/main" xmlns="" w="9525">
+                  <a14:hiddenLine xmlns="" xmlns:a14="http://schemas.microsoft.com/office/drawing/2010/main" w="9525">
                     <a:solidFill>
                       <a:srgbClr val="000000"/>
                     </a:solidFill>
@@ -11595,7 +11646,7 @@
               </a:ln>
               <a:extLst>
                 <a:ext uri="{91240B29-F687-4f45-9708-019B960494DF}">
-                  <a14:hiddenLine xmlns:a14="http://schemas.microsoft.com/office/drawing/2010/main" xmlns="" w="9525">
+                  <a14:hiddenLine xmlns="" xmlns:a14="http://schemas.microsoft.com/office/drawing/2010/main" w="9525">
                     <a:solidFill>
                       <a:srgbClr val="000000"/>
                     </a:solidFill>
@@ -11710,7 +11761,7 @@
               </a:ln>
               <a:extLst>
                 <a:ext uri="{91240B29-F687-4f45-9708-019B960494DF}">
-                  <a14:hiddenLine xmlns:a14="http://schemas.microsoft.com/office/drawing/2010/main" xmlns="" w="9525">
+                  <a14:hiddenLine xmlns="" xmlns:a14="http://schemas.microsoft.com/office/drawing/2010/main" w="9525">
                     <a:solidFill>
                       <a:srgbClr val="000000"/>
                     </a:solidFill>
@@ -11800,7 +11851,7 @@
               </a:ln>
               <a:extLst>
                 <a:ext uri="{91240B29-F687-4f45-9708-019B960494DF}">
-                  <a14:hiddenLine xmlns:a14="http://schemas.microsoft.com/office/drawing/2010/main" xmlns="" w="9525">
+                  <a14:hiddenLine xmlns="" xmlns:a14="http://schemas.microsoft.com/office/drawing/2010/main" w="9525">
                     <a:solidFill>
                       <a:srgbClr val="000000"/>
                     </a:solidFill>
@@ -11865,7 +11916,7 @@
               </a:ln>
               <a:extLst>
                 <a:ext uri="{91240B29-F687-4f45-9708-019B960494DF}">
-                  <a14:hiddenLine xmlns:a14="http://schemas.microsoft.com/office/drawing/2010/main" xmlns="" w="9525">
+                  <a14:hiddenLine xmlns="" xmlns:a14="http://schemas.microsoft.com/office/drawing/2010/main" w="9525">
                     <a:solidFill>
                       <a:srgbClr val="000000"/>
                     </a:solidFill>
@@ -11955,7 +12006,7 @@
               </a:ln>
               <a:extLst>
                 <a:ext uri="{91240B29-F687-4f45-9708-019B960494DF}">
-                  <a14:hiddenLine xmlns:a14="http://schemas.microsoft.com/office/drawing/2010/main" xmlns="" w="9525">
+                  <a14:hiddenLine xmlns="" xmlns:a14="http://schemas.microsoft.com/office/drawing/2010/main" w="9525">
                     <a:solidFill>
                       <a:srgbClr val="000000"/>
                     </a:solidFill>
@@ -12023,7 +12074,7 @@
               </a:ln>
               <a:extLst>
                 <a:ext uri="{91240B29-F687-4f45-9708-019B960494DF}">
-                  <a14:hiddenLine xmlns:a14="http://schemas.microsoft.com/office/drawing/2010/main" xmlns="" w="9525">
+                  <a14:hiddenLine xmlns="" xmlns:a14="http://schemas.microsoft.com/office/drawing/2010/main" w="9525">
                     <a:solidFill>
                       <a:srgbClr val="000000"/>
                     </a:solidFill>
@@ -12113,7 +12164,7 @@
               </a:ln>
               <a:extLst>
                 <a:ext uri="{91240B29-F687-4f45-9708-019B960494DF}">
-                  <a14:hiddenLine xmlns:a14="http://schemas.microsoft.com/office/drawing/2010/main" xmlns="" w="9525">
+                  <a14:hiddenLine xmlns="" xmlns:a14="http://schemas.microsoft.com/office/drawing/2010/main" w="9525">
                     <a:solidFill>
                       <a:srgbClr val="000000"/>
                     </a:solidFill>
@@ -12181,7 +12232,7 @@
               </a:ln>
               <a:extLst>
                 <a:ext uri="{91240B29-F687-4f45-9708-019B960494DF}">
-                  <a14:hiddenLine xmlns:a14="http://schemas.microsoft.com/office/drawing/2010/main" xmlns="" w="9525">
+                  <a14:hiddenLine xmlns="" xmlns:a14="http://schemas.microsoft.com/office/drawing/2010/main" w="9525">
                     <a:solidFill>
                       <a:srgbClr val="000000"/>
                     </a:solidFill>
@@ -12271,7 +12322,7 @@
               </a:ln>
               <a:extLst>
                 <a:ext uri="{91240B29-F687-4f45-9708-019B960494DF}">
-                  <a14:hiddenLine xmlns:a14="http://schemas.microsoft.com/office/drawing/2010/main" xmlns="" w="9525">
+                  <a14:hiddenLine xmlns="" xmlns:a14="http://schemas.microsoft.com/office/drawing/2010/main" w="9525">
                     <a:solidFill>
                       <a:srgbClr val="000000"/>
                     </a:solidFill>
@@ -12305,7 +12356,7 @@
               </a:ln>
               <a:extLst>
                 <a:ext uri="{91240B29-F687-4f45-9708-019B960494DF}">
-                  <a14:hiddenLine xmlns:a14="http://schemas.microsoft.com/office/drawing/2010/main" xmlns="" w="9525">
+                  <a14:hiddenLine xmlns="" xmlns:a14="http://schemas.microsoft.com/office/drawing/2010/main" w="9525">
                     <a:solidFill>
                       <a:srgbClr val="000000"/>
                     </a:solidFill>
@@ -12445,7 +12496,7 @@
           <a:p>
             <a:fld id="{62D6E202-B606-4609-B914-27C9371A1F6D}" type="datetime1">
               <a:rPr lang="en-US" smtClean="0"/>
-              <a:t>8/28/2019</a:t>
+              <a:t>9/2/2019</a:t>
             </a:fld>
             <a:endParaRPr lang="en-US" dirty="0"/>
           </a:p>
@@ -12915,12 +12966,46 @@
             <p:ph type="subTitle" idx="1"/>
           </p:nvPr>
         </p:nvSpPr>
-        <p:spPr/>
+        <p:spPr>
+          <a:xfrm>
+            <a:off x="180474" y="2870200"/>
+            <a:ext cx="11802979" cy="2387600"/>
+          </a:xfrm>
+        </p:spPr>
         <p:txBody>
-          <a:bodyPr/>
+          <a:bodyPr>
+            <a:normAutofit/>
+          </a:bodyPr>
           <a:lstStyle/>
           <a:p>
-            <a:endParaRPr lang="en-US" dirty="0"/>
+            <a:pPr algn="ctr"/>
+            <a:r>
+              <a:rPr lang="en-US" sz="2800" dirty="0">
+                <a:solidFill>
+                  <a:schemeClr val="tx1"/>
+                </a:solidFill>
+              </a:rPr>
+              <a:t>Authored by:</a:t>
+            </a:r>
+          </a:p>
+          <a:p>
+            <a:pPr algn="ctr"/>
+            <a:r>
+              <a:rPr lang="en-US" sz="2800" dirty="0">
+                <a:solidFill>
+                  <a:schemeClr val="tx1"/>
+                </a:solidFill>
+              </a:rPr>
+              <a:t>Jenn Brockman, Soumya murali, heather barker, Sebastian Munoz, and Chris Elliott</a:t>
+            </a:r>
+          </a:p>
+          <a:p>
+            <a:pPr algn="ctr"/>
+            <a:endParaRPr lang="en-US" sz="2800" dirty="0">
+              <a:solidFill>
+                <a:schemeClr val="tx1"/>
+              </a:solidFill>
+            </a:endParaRPr>
           </a:p>
         </p:txBody>
       </p:sp>
@@ -12938,6 +13023,1052 @@
 </file>
 
 <file path=ppt/slides/slide10.xml><?xml version="1.0" encoding="utf-8"?>
+<p:sld xmlns:a="http://schemas.openxmlformats.org/drawingml/2006/main" xmlns:r="http://schemas.openxmlformats.org/officeDocument/2006/relationships" xmlns:p="http://schemas.openxmlformats.org/presentationml/2006/main">
+  <p:cSld>
+    <p:spTree>
+      <p:nvGrpSpPr>
+        <p:cNvPr id="1" name=""/>
+        <p:cNvGrpSpPr/>
+        <p:nvPr/>
+      </p:nvGrpSpPr>
+      <p:grpSpPr>
+        <a:xfrm>
+          <a:off x="0" y="0"/>
+          <a:ext cx="0" cy="0"/>
+          <a:chOff x="0" y="0"/>
+          <a:chExt cx="0" cy="0"/>
+        </a:xfrm>
+      </p:grpSpPr>
+      <p:sp>
+        <p:nvSpPr>
+          <p:cNvPr id="2" name="Title 1">
+            <a:extLst>
+              <a:ext uri="{FF2B5EF4-FFF2-40B4-BE49-F238E27FC236}">
+                <a16:creationId xmlns:a16="http://schemas.microsoft.com/office/drawing/2014/main" id="{6CA728F6-FA17-44FF-8632-61E93F7B381E}"/>
+              </a:ext>
+            </a:extLst>
+          </p:cNvPr>
+          <p:cNvSpPr>
+            <a:spLocks noGrp="1"/>
+          </p:cNvSpPr>
+          <p:nvPr>
+            <p:ph type="title"/>
+          </p:nvPr>
+        </p:nvSpPr>
+        <p:spPr/>
+        <p:txBody>
+          <a:bodyPr/>
+          <a:lstStyle/>
+          <a:p>
+            <a:r>
+              <a:rPr lang="en-US" dirty="0"/>
+              <a:t>HEATHER reflection</a:t>
+            </a:r>
+          </a:p>
+        </p:txBody>
+      </p:sp>
+      <p:sp>
+        <p:nvSpPr>
+          <p:cNvPr id="3" name="Text Placeholder 2">
+            <a:extLst>
+              <a:ext uri="{FF2B5EF4-FFF2-40B4-BE49-F238E27FC236}">
+                <a16:creationId xmlns:a16="http://schemas.microsoft.com/office/drawing/2014/main" id="{96325002-E791-4E41-A8E1-19063BDEEA83}"/>
+              </a:ext>
+            </a:extLst>
+          </p:cNvPr>
+          <p:cNvSpPr>
+            <a:spLocks noGrp="1"/>
+          </p:cNvSpPr>
+          <p:nvPr>
+            <p:ph type="body" idx="1"/>
+          </p:nvPr>
+        </p:nvSpPr>
+        <p:spPr/>
+        <p:txBody>
+          <a:bodyPr/>
+          <a:lstStyle/>
+          <a:p>
+            <a:endParaRPr lang="en-US" dirty="0"/>
+          </a:p>
+        </p:txBody>
+      </p:sp>
+      <p:sp>
+        <p:nvSpPr>
+          <p:cNvPr id="4" name="Content Placeholder 3">
+            <a:extLst>
+              <a:ext uri="{FF2B5EF4-FFF2-40B4-BE49-F238E27FC236}">
+                <a16:creationId xmlns:a16="http://schemas.microsoft.com/office/drawing/2014/main" id="{EB09CFB2-F90E-4606-B3DF-25E50653922E}"/>
+              </a:ext>
+            </a:extLst>
+          </p:cNvPr>
+          <p:cNvSpPr>
+            <a:spLocks noGrp="1"/>
+          </p:cNvSpPr>
+          <p:nvPr>
+            <p:ph sz="half" idx="2"/>
+          </p:nvPr>
+        </p:nvSpPr>
+        <p:spPr/>
+        <p:txBody>
+          <a:bodyPr/>
+          <a:lstStyle/>
+          <a:p>
+            <a:endParaRPr lang="en-US"/>
+          </a:p>
+        </p:txBody>
+      </p:sp>
+      <p:sp>
+        <p:nvSpPr>
+          <p:cNvPr id="5" name="Text Placeholder 4">
+            <a:extLst>
+              <a:ext uri="{FF2B5EF4-FFF2-40B4-BE49-F238E27FC236}">
+                <a16:creationId xmlns:a16="http://schemas.microsoft.com/office/drawing/2014/main" id="{5943E6CD-B442-4024-97C8-44F1AA13C621}"/>
+              </a:ext>
+            </a:extLst>
+          </p:cNvPr>
+          <p:cNvSpPr>
+            <a:spLocks noGrp="1"/>
+          </p:cNvSpPr>
+          <p:nvPr>
+            <p:ph type="body" sz="quarter" idx="3"/>
+          </p:nvPr>
+        </p:nvSpPr>
+        <p:spPr/>
+        <p:txBody>
+          <a:bodyPr/>
+          <a:lstStyle/>
+          <a:p>
+            <a:endParaRPr lang="en-US"/>
+          </a:p>
+        </p:txBody>
+      </p:sp>
+      <p:sp>
+        <p:nvSpPr>
+          <p:cNvPr id="6" name="Content Placeholder 5">
+            <a:extLst>
+              <a:ext uri="{FF2B5EF4-FFF2-40B4-BE49-F238E27FC236}">
+                <a16:creationId xmlns:a16="http://schemas.microsoft.com/office/drawing/2014/main" id="{6CA0E85A-74BA-4D47-BBB7-72DFB79CF2BC}"/>
+              </a:ext>
+            </a:extLst>
+          </p:cNvPr>
+          <p:cNvSpPr>
+            <a:spLocks noGrp="1"/>
+          </p:cNvSpPr>
+          <p:nvPr>
+            <p:ph sz="quarter" idx="4"/>
+          </p:nvPr>
+        </p:nvSpPr>
+        <p:spPr/>
+        <p:txBody>
+          <a:bodyPr/>
+          <a:lstStyle/>
+          <a:p>
+            <a:endParaRPr lang="en-US"/>
+          </a:p>
+        </p:txBody>
+      </p:sp>
+    </p:spTree>
+    <p:extLst>
+      <p:ext uri="{BB962C8B-B14F-4D97-AF65-F5344CB8AC3E}">
+        <p14:creationId xmlns:p14="http://schemas.microsoft.com/office/powerpoint/2010/main" val="435858797"/>
+      </p:ext>
+    </p:extLst>
+  </p:cSld>
+  <p:clrMapOvr>
+    <a:masterClrMapping/>
+  </p:clrMapOvr>
+</p:sld>
+</file>
+
+<file path=ppt/slides/slide2.xml><?xml version="1.0" encoding="utf-8"?>
+<p:sld xmlns:a="http://schemas.openxmlformats.org/drawingml/2006/main" xmlns:r="http://schemas.openxmlformats.org/officeDocument/2006/relationships" xmlns:p="http://schemas.openxmlformats.org/presentationml/2006/main">
+  <p:cSld>
+    <p:spTree>
+      <p:nvGrpSpPr>
+        <p:cNvPr id="1" name=""/>
+        <p:cNvGrpSpPr/>
+        <p:nvPr/>
+      </p:nvGrpSpPr>
+      <p:grpSpPr>
+        <a:xfrm>
+          <a:off x="0" y="0"/>
+          <a:ext cx="0" cy="0"/>
+          <a:chOff x="0" y="0"/>
+          <a:chExt cx="0" cy="0"/>
+        </a:xfrm>
+      </p:grpSpPr>
+      <p:sp>
+        <p:nvSpPr>
+          <p:cNvPr id="2" name="Title 1">
+            <a:extLst>
+              <a:ext uri="{FF2B5EF4-FFF2-40B4-BE49-F238E27FC236}">
+                <a16:creationId xmlns:a16="http://schemas.microsoft.com/office/drawing/2014/main" id="{D6AC7423-B87C-49F8-8806-E842D4CE926D}"/>
+              </a:ext>
+            </a:extLst>
+          </p:cNvPr>
+          <p:cNvSpPr>
+            <a:spLocks noGrp="1"/>
+          </p:cNvSpPr>
+          <p:nvPr>
+            <p:ph type="title"/>
+          </p:nvPr>
+        </p:nvSpPr>
+        <p:spPr>
+          <a:xfrm>
+            <a:off x="1127919" y="385762"/>
+            <a:ext cx="9905998" cy="923925"/>
+          </a:xfrm>
+        </p:spPr>
+        <p:txBody>
+          <a:bodyPr>
+            <a:normAutofit/>
+          </a:bodyPr>
+          <a:lstStyle/>
+          <a:p>
+            <a:pPr algn="ctr"/>
+            <a:r>
+              <a:rPr lang="en-US" dirty="0">
+                <a:latin typeface="+mn-lt"/>
+                <a:ea typeface="+mn-ea"/>
+                <a:cs typeface="+mn-cs"/>
+              </a:rPr>
+              <a:t>World Happiness report</a:t>
+            </a:r>
+          </a:p>
+        </p:txBody>
+      </p:sp>
+      <p:sp>
+        <p:nvSpPr>
+          <p:cNvPr id="4" name="Text Placeholder 3">
+            <a:extLst>
+              <a:ext uri="{FF2B5EF4-FFF2-40B4-BE49-F238E27FC236}">
+                <a16:creationId xmlns:a16="http://schemas.microsoft.com/office/drawing/2014/main" id="{E19AA43A-06EC-4F69-B696-B04E0778ACF5}"/>
+              </a:ext>
+            </a:extLst>
+          </p:cNvPr>
+          <p:cNvSpPr>
+            <a:spLocks noGrp="1"/>
+          </p:cNvSpPr>
+          <p:nvPr>
+            <p:ph type="body" sz="half" idx="15"/>
+          </p:nvPr>
+        </p:nvSpPr>
+        <p:spPr>
+          <a:xfrm>
+            <a:off x="1127919" y="1067910"/>
+            <a:ext cx="10368756" cy="3185862"/>
+          </a:xfrm>
+        </p:spPr>
+        <p:txBody>
+          <a:bodyPr>
+            <a:normAutofit/>
+          </a:bodyPr>
+          <a:lstStyle/>
+          <a:p>
+            <a:r>
+              <a:rPr lang="en-US" sz="2000" dirty="0"/>
+              <a:t>The World Happiness Report is a landmark survey of the state of global happiness. was released at the United Nations at an event celebrating International Day of Happiness on March 20th. The report continues to gain global recognition as governments, organizations and civil society increasingly use happiness indicators to inform their policy-making decisions. Leading experts across fields – economics, psychology, survey analysis, national statistics, health, public policy and more – describe how measurements of well-being can be used effectively to assess the progress of nations. The reports review the state of happiness in the world today and show how the new science of happiness explains personal and national variations in happiness.</a:t>
+            </a:r>
+          </a:p>
+        </p:txBody>
+      </p:sp>
+      <p:sp>
+        <p:nvSpPr>
+          <p:cNvPr id="5" name="Text Placeholder 4">
+            <a:extLst>
+              <a:ext uri="{FF2B5EF4-FFF2-40B4-BE49-F238E27FC236}">
+                <a16:creationId xmlns:a16="http://schemas.microsoft.com/office/drawing/2014/main" id="{CA377FBE-E6E1-418B-9A8B-B9B6DB1A790D}"/>
+              </a:ext>
+            </a:extLst>
+          </p:cNvPr>
+          <p:cNvSpPr>
+            <a:spLocks noGrp="1"/>
+          </p:cNvSpPr>
+          <p:nvPr>
+            <p:ph type="body" sz="quarter" idx="3"/>
+          </p:nvPr>
+        </p:nvSpPr>
+        <p:spPr>
+          <a:xfrm>
+            <a:off x="3356811" y="4253772"/>
+            <a:ext cx="5269832" cy="604622"/>
+          </a:xfrm>
+        </p:spPr>
+        <p:txBody>
+          <a:bodyPr/>
+          <a:lstStyle/>
+          <a:p>
+            <a:pPr algn="ctr"/>
+            <a:r>
+              <a:rPr lang="en-US" dirty="0"/>
+              <a:t>Our project – hap-</a:t>
+            </a:r>
+            <a:r>
+              <a:rPr lang="en-US" dirty="0" err="1"/>
+              <a:t>py</a:t>
+            </a:r>
+            <a:endParaRPr lang="en-US" dirty="0"/>
+          </a:p>
+        </p:txBody>
+      </p:sp>
+      <p:sp>
+        <p:nvSpPr>
+          <p:cNvPr id="6" name="Text Placeholder 5">
+            <a:extLst>
+              <a:ext uri="{FF2B5EF4-FFF2-40B4-BE49-F238E27FC236}">
+                <a16:creationId xmlns:a16="http://schemas.microsoft.com/office/drawing/2014/main" id="{BAF498BF-15FD-4ED7-A6E6-94A79F2ECAD6}"/>
+              </a:ext>
+            </a:extLst>
+          </p:cNvPr>
+          <p:cNvSpPr>
+            <a:spLocks noGrp="1"/>
+          </p:cNvSpPr>
+          <p:nvPr>
+            <p:ph type="body" sz="half" idx="16"/>
+          </p:nvPr>
+        </p:nvSpPr>
+        <p:spPr>
+          <a:xfrm>
+            <a:off x="1776412" y="4993105"/>
+            <a:ext cx="8639175" cy="1413102"/>
+          </a:xfrm>
+        </p:spPr>
+        <p:txBody>
+          <a:bodyPr/>
+          <a:lstStyle/>
+          <a:p>
+            <a:pPr algn="ctr"/>
+            <a:r>
+              <a:rPr lang="en-US" sz="2800" dirty="0"/>
+              <a:t>Our project focused on why are countries happy? What types of things do they have in common, if anything?</a:t>
+            </a:r>
+          </a:p>
+          <a:p>
+            <a:endParaRPr lang="en-US" dirty="0"/>
+          </a:p>
+        </p:txBody>
+      </p:sp>
+    </p:spTree>
+    <p:extLst>
+      <p:ext uri="{BB962C8B-B14F-4D97-AF65-F5344CB8AC3E}">
+        <p14:creationId xmlns:p14="http://schemas.microsoft.com/office/powerpoint/2010/main" val="4225626867"/>
+      </p:ext>
+    </p:extLst>
+  </p:cSld>
+  <p:clrMapOvr>
+    <a:masterClrMapping/>
+  </p:clrMapOvr>
+</p:sld>
+</file>
+
+<file path=ppt/slides/slide3.xml><?xml version="1.0" encoding="utf-8"?>
+<p:sld xmlns:a="http://schemas.openxmlformats.org/drawingml/2006/main" xmlns:r="http://schemas.openxmlformats.org/officeDocument/2006/relationships" xmlns:p="http://schemas.openxmlformats.org/presentationml/2006/main">
+  <p:cSld>
+    <p:spTree>
+      <p:nvGrpSpPr>
+        <p:cNvPr id="1" name=""/>
+        <p:cNvGrpSpPr/>
+        <p:nvPr/>
+      </p:nvGrpSpPr>
+      <p:grpSpPr>
+        <a:xfrm>
+          <a:off x="0" y="0"/>
+          <a:ext cx="0" cy="0"/>
+          <a:chOff x="0" y="0"/>
+          <a:chExt cx="0" cy="0"/>
+        </a:xfrm>
+      </p:grpSpPr>
+      <p:sp>
+        <p:nvSpPr>
+          <p:cNvPr id="2" name="Title 1">
+            <a:extLst>
+              <a:ext uri="{FF2B5EF4-FFF2-40B4-BE49-F238E27FC236}">
+                <a16:creationId xmlns:a16="http://schemas.microsoft.com/office/drawing/2014/main" id="{1C7AF5F3-4DDB-487F-86B3-74FB5BD16CAE}"/>
+              </a:ext>
+            </a:extLst>
+          </p:cNvPr>
+          <p:cNvSpPr>
+            <a:spLocks noGrp="1"/>
+          </p:cNvSpPr>
+          <p:nvPr>
+            <p:ph type="ctrTitle"/>
+          </p:nvPr>
+        </p:nvSpPr>
+        <p:spPr/>
+        <p:txBody>
+          <a:bodyPr/>
+          <a:lstStyle/>
+          <a:p>
+            <a:r>
+              <a:rPr lang="en-US" dirty="0"/>
+              <a:t>HEATHER</a:t>
+            </a:r>
+          </a:p>
+        </p:txBody>
+      </p:sp>
+      <p:sp>
+        <p:nvSpPr>
+          <p:cNvPr id="3" name="Subtitle 2">
+            <a:extLst>
+              <a:ext uri="{FF2B5EF4-FFF2-40B4-BE49-F238E27FC236}">
+                <a16:creationId xmlns:a16="http://schemas.microsoft.com/office/drawing/2014/main" id="{6D6E8565-A67F-4D78-A619-9375B4AD1091}"/>
+              </a:ext>
+            </a:extLst>
+          </p:cNvPr>
+          <p:cNvSpPr>
+            <a:spLocks noGrp="1"/>
+          </p:cNvSpPr>
+          <p:nvPr>
+            <p:ph type="subTitle" idx="1"/>
+          </p:nvPr>
+        </p:nvSpPr>
+        <p:spPr/>
+        <p:txBody>
+          <a:bodyPr/>
+          <a:lstStyle/>
+          <a:p>
+            <a:endParaRPr lang="en-US" dirty="0"/>
+          </a:p>
+        </p:txBody>
+      </p:sp>
+    </p:spTree>
+    <p:extLst>
+      <p:ext uri="{BB962C8B-B14F-4D97-AF65-F5344CB8AC3E}">
+        <p14:creationId xmlns:p14="http://schemas.microsoft.com/office/powerpoint/2010/main" val="869344389"/>
+      </p:ext>
+    </p:extLst>
+  </p:cSld>
+  <p:clrMapOvr>
+    <a:masterClrMapping/>
+  </p:clrMapOvr>
+</p:sld>
+</file>
+
+<file path=ppt/slides/slide4.xml><?xml version="1.0" encoding="utf-8"?>
+<p:sld xmlns:a="http://schemas.openxmlformats.org/drawingml/2006/main" xmlns:r="http://schemas.openxmlformats.org/officeDocument/2006/relationships" xmlns:p="http://schemas.openxmlformats.org/presentationml/2006/main">
+  <p:cSld>
+    <p:spTree>
+      <p:nvGrpSpPr>
+        <p:cNvPr id="1" name=""/>
+        <p:cNvGrpSpPr/>
+        <p:nvPr/>
+      </p:nvGrpSpPr>
+      <p:grpSpPr>
+        <a:xfrm>
+          <a:off x="0" y="0"/>
+          <a:ext cx="0" cy="0"/>
+          <a:chOff x="0" y="0"/>
+          <a:chExt cx="0" cy="0"/>
+        </a:xfrm>
+      </p:grpSpPr>
+      <p:sp>
+        <p:nvSpPr>
+          <p:cNvPr id="2" name="Title 1">
+            <a:extLst>
+              <a:ext uri="{FF2B5EF4-FFF2-40B4-BE49-F238E27FC236}">
+                <a16:creationId xmlns:a16="http://schemas.microsoft.com/office/drawing/2014/main" id="{67B21CDB-84F8-4370-A552-16A6F33D31BA}"/>
+              </a:ext>
+            </a:extLst>
+          </p:cNvPr>
+          <p:cNvSpPr>
+            <a:spLocks noGrp="1"/>
+          </p:cNvSpPr>
+          <p:nvPr>
+            <p:ph type="title"/>
+          </p:nvPr>
+        </p:nvSpPr>
+        <p:spPr/>
+        <p:txBody>
+          <a:bodyPr/>
+          <a:lstStyle/>
+          <a:p>
+            <a:r>
+              <a:rPr lang="en-US" dirty="0"/>
+              <a:t>Country Statistics - </a:t>
+            </a:r>
+            <a:r>
+              <a:rPr lang="en-US" dirty="0" err="1"/>
+              <a:t>UNData</a:t>
+            </a:r>
+            <a:br>
+              <a:rPr lang="en-US" dirty="0"/>
+            </a:br>
+            <a:endParaRPr lang="en-US" dirty="0"/>
+          </a:p>
+        </p:txBody>
+      </p:sp>
+      <p:sp>
+        <p:nvSpPr>
+          <p:cNvPr id="3" name="Content Placeholder 2">
+            <a:extLst>
+              <a:ext uri="{FF2B5EF4-FFF2-40B4-BE49-F238E27FC236}">
+                <a16:creationId xmlns:a16="http://schemas.microsoft.com/office/drawing/2014/main" id="{D0EE0116-8571-4C3D-84DC-C2787EBD6DC3}"/>
+              </a:ext>
+            </a:extLst>
+          </p:cNvPr>
+          <p:cNvSpPr>
+            <a:spLocks noGrp="1"/>
+          </p:cNvSpPr>
+          <p:nvPr>
+            <p:ph idx="1"/>
+          </p:nvPr>
+        </p:nvSpPr>
+        <p:spPr>
+          <a:xfrm>
+            <a:off x="1141412" y="1581150"/>
+            <a:ext cx="9905999" cy="4210051"/>
+          </a:xfrm>
+        </p:spPr>
+        <p:txBody>
+          <a:bodyPr>
+            <a:normAutofit/>
+          </a:bodyPr>
+          <a:lstStyle/>
+          <a:p>
+            <a:r>
+              <a:rPr lang="en-US" dirty="0"/>
+              <a:t>The United Nations Statistics Division (UNSD) of the Department of Economic and Social Affairs (DESA) launched a new internet based data service for the global user community. It brings UN statistical databases within easy reach of users through a single entry point (</a:t>
+            </a:r>
+            <a:r>
+              <a:rPr lang="en-US" dirty="0">
+                <a:hlinkClick r:id="rId2"/>
+              </a:rPr>
+              <a:t>http://data.un.org/</a:t>
+            </a:r>
+            <a:r>
+              <a:rPr lang="en-US" dirty="0"/>
+              <a:t>). This dataset contains key statistical indicators of the countries. It covers 4 major sections</a:t>
+            </a:r>
+          </a:p>
+          <a:p>
+            <a:pPr lvl="1" fontAlgn="base"/>
+            <a:r>
+              <a:rPr lang="en-US" dirty="0"/>
+              <a:t>General Information</a:t>
+            </a:r>
+          </a:p>
+          <a:p>
+            <a:pPr lvl="1" fontAlgn="base"/>
+            <a:r>
+              <a:rPr lang="en-US" dirty="0"/>
+              <a:t>Economic Indicators</a:t>
+            </a:r>
+          </a:p>
+          <a:p>
+            <a:pPr lvl="1" fontAlgn="base"/>
+            <a:r>
+              <a:rPr lang="en-US" dirty="0"/>
+              <a:t>Social Indicators</a:t>
+            </a:r>
+          </a:p>
+          <a:p>
+            <a:pPr lvl="1" fontAlgn="base"/>
+            <a:r>
+              <a:rPr lang="en-US" dirty="0"/>
+              <a:t>Environmental &amp; Infrastructure Indicators</a:t>
+            </a:r>
+          </a:p>
+        </p:txBody>
+      </p:sp>
+    </p:spTree>
+    <p:extLst>
+      <p:ext uri="{BB962C8B-B14F-4D97-AF65-F5344CB8AC3E}">
+        <p14:creationId xmlns:p14="http://schemas.microsoft.com/office/powerpoint/2010/main" val="4133199783"/>
+      </p:ext>
+    </p:extLst>
+  </p:cSld>
+  <p:clrMapOvr>
+    <a:masterClrMapping/>
+  </p:clrMapOvr>
+</p:sld>
+</file>
+
+<file path=ppt/slides/slide5.xml><?xml version="1.0" encoding="utf-8"?>
+<p:sld xmlns:a="http://schemas.openxmlformats.org/drawingml/2006/main" xmlns:r="http://schemas.openxmlformats.org/officeDocument/2006/relationships" xmlns:p="http://schemas.openxmlformats.org/presentationml/2006/main">
+  <p:cSld>
+    <p:spTree>
+      <p:nvGrpSpPr>
+        <p:cNvPr id="1" name=""/>
+        <p:cNvGrpSpPr/>
+        <p:nvPr/>
+      </p:nvGrpSpPr>
+      <p:grpSpPr>
+        <a:xfrm>
+          <a:off x="0" y="0"/>
+          <a:ext cx="0" cy="0"/>
+          <a:chOff x="0" y="0"/>
+          <a:chExt cx="0" cy="0"/>
+        </a:xfrm>
+      </p:grpSpPr>
+      <p:sp>
+        <p:nvSpPr>
+          <p:cNvPr id="2" name="Title 1">
+            <a:extLst>
+              <a:ext uri="{FF2B5EF4-FFF2-40B4-BE49-F238E27FC236}">
+                <a16:creationId xmlns:a16="http://schemas.microsoft.com/office/drawing/2014/main" id="{96DB83A9-5DEA-4E22-B30B-171D30AB1021}"/>
+              </a:ext>
+            </a:extLst>
+          </p:cNvPr>
+          <p:cNvSpPr>
+            <a:spLocks noGrp="1"/>
+          </p:cNvSpPr>
+          <p:nvPr>
+            <p:ph type="title"/>
+          </p:nvPr>
+        </p:nvSpPr>
+        <p:spPr/>
+        <p:txBody>
+          <a:bodyPr/>
+          <a:lstStyle/>
+          <a:p>
+            <a:endParaRPr lang="en-US" dirty="0"/>
+          </a:p>
+        </p:txBody>
+      </p:sp>
+      <p:sp>
+        <p:nvSpPr>
+          <p:cNvPr id="3" name="Content Placeholder 2">
+            <a:extLst>
+              <a:ext uri="{FF2B5EF4-FFF2-40B4-BE49-F238E27FC236}">
+                <a16:creationId xmlns:a16="http://schemas.microsoft.com/office/drawing/2014/main" id="{A6A15335-A7C7-4F1D-8D9A-EA3F65CAA7E2}"/>
+              </a:ext>
+            </a:extLst>
+          </p:cNvPr>
+          <p:cNvSpPr>
+            <a:spLocks noGrp="1"/>
+          </p:cNvSpPr>
+          <p:nvPr>
+            <p:ph idx="1"/>
+          </p:nvPr>
+        </p:nvSpPr>
+        <p:spPr/>
+        <p:txBody>
+          <a:bodyPr/>
+          <a:lstStyle/>
+          <a:p>
+            <a:r>
+              <a:rPr lang="en-US" dirty="0"/>
+              <a:t>Urban Population does have an effect on the happiness of countries, the more urban areas a country has the happier the population seems. </a:t>
+            </a:r>
+          </a:p>
+          <a:p>
+            <a:endParaRPr lang="en-US" dirty="0"/>
+          </a:p>
+          <a:p>
+            <a:r>
+              <a:rPr lang="en-US" dirty="0"/>
+              <a:t>Population using improved drinking water facilities makes countries happier. </a:t>
+            </a:r>
+          </a:p>
+          <a:p>
+            <a:endParaRPr lang="en-US" dirty="0"/>
+          </a:p>
+        </p:txBody>
+      </p:sp>
+    </p:spTree>
+    <p:extLst>
+      <p:ext uri="{BB962C8B-B14F-4D97-AF65-F5344CB8AC3E}">
+        <p14:creationId xmlns:p14="http://schemas.microsoft.com/office/powerpoint/2010/main" val="3795639364"/>
+      </p:ext>
+    </p:extLst>
+  </p:cSld>
+  <p:clrMapOvr>
+    <a:masterClrMapping/>
+  </p:clrMapOvr>
+</p:sld>
+</file>
+
+<file path=ppt/slides/slide6.xml><?xml version="1.0" encoding="utf-8"?>
+<p:sld xmlns:a="http://schemas.openxmlformats.org/drawingml/2006/main" xmlns:r="http://schemas.openxmlformats.org/officeDocument/2006/relationships" xmlns:p="http://schemas.openxmlformats.org/presentationml/2006/main">
+  <p:cSld>
+    <p:spTree>
+      <p:nvGrpSpPr>
+        <p:cNvPr id="1" name=""/>
+        <p:cNvGrpSpPr/>
+        <p:nvPr/>
+      </p:nvGrpSpPr>
+      <p:grpSpPr>
+        <a:xfrm>
+          <a:off x="0" y="0"/>
+          <a:ext cx="0" cy="0"/>
+          <a:chOff x="0" y="0"/>
+          <a:chExt cx="0" cy="0"/>
+        </a:xfrm>
+      </p:grpSpPr>
+      <p:sp>
+        <p:nvSpPr>
+          <p:cNvPr id="4" name="Content Placeholder 3">
+            <a:extLst>
+              <a:ext uri="{FF2B5EF4-FFF2-40B4-BE49-F238E27FC236}">
+                <a16:creationId xmlns:a16="http://schemas.microsoft.com/office/drawing/2014/main" id="{B4AF996A-3FBC-40B4-A987-98BCEC44639A}"/>
+              </a:ext>
+            </a:extLst>
+          </p:cNvPr>
+          <p:cNvSpPr>
+            <a:spLocks noGrp="1"/>
+          </p:cNvSpPr>
+          <p:nvPr>
+            <p:ph sz="half" idx="2"/>
+          </p:nvPr>
+        </p:nvSpPr>
+        <p:spPr>
+          <a:xfrm>
+            <a:off x="903287" y="5715000"/>
+            <a:ext cx="10123488" cy="987425"/>
+          </a:xfrm>
+        </p:spPr>
+        <p:txBody>
+          <a:bodyPr>
+            <a:normAutofit/>
+          </a:bodyPr>
+          <a:lstStyle/>
+          <a:p>
+            <a:r>
+              <a:rPr lang="en-US" dirty="0"/>
+              <a:t>In the top 20 happiest countries the urban population is 83% of the total, while in the bottom 20 it only makes up 34%.</a:t>
+            </a:r>
+          </a:p>
+        </p:txBody>
+      </p:sp>
+      <p:sp>
+        <p:nvSpPr>
+          <p:cNvPr id="12" name="Title 1">
+            <a:extLst>
+              <a:ext uri="{FF2B5EF4-FFF2-40B4-BE49-F238E27FC236}">
+                <a16:creationId xmlns:a16="http://schemas.microsoft.com/office/drawing/2014/main" id="{80C2DF57-A5DB-4FCD-AAA5-4D24D94CEA0E}"/>
+              </a:ext>
+            </a:extLst>
+          </p:cNvPr>
+          <p:cNvSpPr txBox="1">
+            <a:spLocks/>
+          </p:cNvSpPr>
+          <p:nvPr/>
+        </p:nvSpPr>
+        <p:spPr>
+          <a:xfrm>
+            <a:off x="1700212" y="141462"/>
+            <a:ext cx="8791575" cy="668163"/>
+          </a:xfrm>
+          <a:prstGeom prst="rect">
+            <a:avLst/>
+          </a:prstGeom>
+        </p:spPr>
+        <p:txBody>
+          <a:bodyPr vert="horz" lIns="91440" tIns="45720" rIns="91440" bIns="45720" rtlCol="0" anchor="ctr">
+            <a:normAutofit/>
+          </a:bodyPr>
+          <a:lstStyle>
+            <a:lvl1pPr algn="l" defTabSz="914400" rtl="0" eaLnBrk="1" latinLnBrk="0" hangingPunct="1">
+              <a:lnSpc>
+                <a:spcPct val="90000"/>
+              </a:lnSpc>
+              <a:spcBef>
+                <a:spcPct val="0"/>
+              </a:spcBef>
+              <a:buNone/>
+              <a:defRPr sz="3600" kern="1200" cap="all" baseline="0">
+                <a:solidFill>
+                  <a:schemeClr val="tx1"/>
+                </a:solidFill>
+                <a:latin typeface="+mj-lt"/>
+                <a:ea typeface="+mj-ea"/>
+                <a:cs typeface="+mj-cs"/>
+              </a:defRPr>
+            </a:lvl1pPr>
+          </a:lstStyle>
+          <a:p>
+            <a:r>
+              <a:rPr lang="en-US" dirty="0"/>
+              <a:t>Urban populations tend to be happier</a:t>
+            </a:r>
+          </a:p>
+        </p:txBody>
+      </p:sp>
+      <p:pic>
+        <p:nvPicPr>
+          <p:cNvPr id="13" name="Picture 12">
+            <a:extLst>
+              <a:ext uri="{FF2B5EF4-FFF2-40B4-BE49-F238E27FC236}">
+                <a16:creationId xmlns:a16="http://schemas.microsoft.com/office/drawing/2014/main" id="{A1C80960-643A-492C-A462-3606000CC0D7}"/>
+              </a:ext>
+            </a:extLst>
+          </p:cNvPr>
+          <p:cNvPicPr>
+            <a:picLocks noChangeAspect="1"/>
+          </p:cNvPicPr>
+          <p:nvPr/>
+        </p:nvPicPr>
+        <p:blipFill>
+          <a:blip r:embed="rId2"/>
+          <a:stretch>
+            <a:fillRect/>
+          </a:stretch>
+        </p:blipFill>
+        <p:spPr>
+          <a:xfrm>
+            <a:off x="1238250" y="1014625"/>
+            <a:ext cx="9253537" cy="4599146"/>
+          </a:xfrm>
+          <a:prstGeom prst="rect">
+            <a:avLst/>
+          </a:prstGeom>
+        </p:spPr>
+      </p:pic>
+    </p:spTree>
+    <p:extLst>
+      <p:ext uri="{BB962C8B-B14F-4D97-AF65-F5344CB8AC3E}">
+        <p14:creationId xmlns:p14="http://schemas.microsoft.com/office/powerpoint/2010/main" val="2251345826"/>
+      </p:ext>
+    </p:extLst>
+  </p:cSld>
+  <p:clrMapOvr>
+    <a:masterClrMapping/>
+  </p:clrMapOvr>
+</p:sld>
+</file>
+
+<file path=ppt/slides/slide7.xml><?xml version="1.0" encoding="utf-8"?>
+<p:sld xmlns:a="http://schemas.openxmlformats.org/drawingml/2006/main" xmlns:r="http://schemas.openxmlformats.org/officeDocument/2006/relationships" xmlns:p="http://schemas.openxmlformats.org/presentationml/2006/main">
+  <p:cSld>
+    <p:spTree>
+      <p:nvGrpSpPr>
+        <p:cNvPr id="1" name=""/>
+        <p:cNvGrpSpPr/>
+        <p:nvPr/>
+      </p:nvGrpSpPr>
+      <p:grpSpPr>
+        <a:xfrm>
+          <a:off x="0" y="0"/>
+          <a:ext cx="0" cy="0"/>
+          <a:chOff x="0" y="0"/>
+          <a:chExt cx="0" cy="0"/>
+        </a:xfrm>
+      </p:grpSpPr>
+      <p:sp>
+        <p:nvSpPr>
+          <p:cNvPr id="2" name="Title 1">
+            <a:extLst>
+              <a:ext uri="{FF2B5EF4-FFF2-40B4-BE49-F238E27FC236}">
+                <a16:creationId xmlns:a16="http://schemas.microsoft.com/office/drawing/2014/main" id="{F6EE92AB-DC98-46B4-AF77-A2E544438ED3}"/>
+              </a:ext>
+            </a:extLst>
+          </p:cNvPr>
+          <p:cNvSpPr>
+            <a:spLocks noGrp="1"/>
+          </p:cNvSpPr>
+          <p:nvPr>
+            <p:ph type="title"/>
+          </p:nvPr>
+        </p:nvSpPr>
+        <p:spPr/>
+        <p:txBody>
+          <a:bodyPr/>
+          <a:lstStyle/>
+          <a:p>
+            <a:r>
+              <a:rPr lang="en-US" dirty="0"/>
+              <a:t>Urban populations outliers</a:t>
+            </a:r>
+          </a:p>
+        </p:txBody>
+      </p:sp>
+      <p:sp>
+        <p:nvSpPr>
+          <p:cNvPr id="3" name="Content Placeholder 2">
+            <a:extLst>
+              <a:ext uri="{FF2B5EF4-FFF2-40B4-BE49-F238E27FC236}">
+                <a16:creationId xmlns:a16="http://schemas.microsoft.com/office/drawing/2014/main" id="{76017ECC-425B-43AD-9BBA-0B802A1BE366}"/>
+              </a:ext>
+            </a:extLst>
+          </p:cNvPr>
+          <p:cNvSpPr>
+            <a:spLocks noGrp="1"/>
+          </p:cNvSpPr>
+          <p:nvPr>
+            <p:ph sz="half" idx="1"/>
+          </p:nvPr>
+        </p:nvSpPr>
+        <p:spPr/>
+        <p:txBody>
+          <a:bodyPr/>
+          <a:lstStyle/>
+          <a:p>
+            <a:r>
+              <a:rPr lang="en-US" dirty="0"/>
+              <a:t>Trinidad and Tobago, are the lower point on the Urban Population chart, they are the 38</a:t>
+            </a:r>
+            <a:r>
+              <a:rPr lang="en-US" baseline="30000" dirty="0"/>
+              <a:t>th</a:t>
+            </a:r>
+            <a:r>
+              <a:rPr lang="en-US" dirty="0"/>
+              <a:t> happiest country with only 8.4% Urban Population</a:t>
+            </a:r>
+          </a:p>
+          <a:p>
+            <a:endParaRPr lang="en-US" dirty="0"/>
+          </a:p>
+        </p:txBody>
+      </p:sp>
+      <p:pic>
+        <p:nvPicPr>
+          <p:cNvPr id="5" name="Content Placeholder 4">
+            <a:extLst>
+              <a:ext uri="{FF2B5EF4-FFF2-40B4-BE49-F238E27FC236}">
+                <a16:creationId xmlns:a16="http://schemas.microsoft.com/office/drawing/2014/main" id="{6A0D0D15-AB48-433D-B375-066880EDCC95}"/>
+              </a:ext>
+            </a:extLst>
+          </p:cNvPr>
+          <p:cNvPicPr>
+            <a:picLocks noGrp="1" noChangeAspect="1"/>
+          </p:cNvPicPr>
+          <p:nvPr>
+            <p:ph sz="half" idx="2"/>
+          </p:nvPr>
+        </p:nvPicPr>
+        <p:blipFill>
+          <a:blip r:embed="rId2"/>
+          <a:stretch>
+            <a:fillRect/>
+          </a:stretch>
+        </p:blipFill>
+        <p:spPr>
+          <a:xfrm>
+            <a:off x="6657976" y="2249486"/>
+            <a:ext cx="4029074" cy="2831570"/>
+          </a:xfrm>
+          <a:prstGeom prst="rect">
+            <a:avLst/>
+          </a:prstGeom>
+        </p:spPr>
+      </p:pic>
+    </p:spTree>
+    <p:extLst>
+      <p:ext uri="{BB962C8B-B14F-4D97-AF65-F5344CB8AC3E}">
+        <p14:creationId xmlns:p14="http://schemas.microsoft.com/office/powerpoint/2010/main" val="484608949"/>
+      </p:ext>
+    </p:extLst>
+  </p:cSld>
+  <p:clrMapOvr>
+    <a:masterClrMapping/>
+  </p:clrMapOvr>
+</p:sld>
+</file>
+
+<file path=ppt/slides/slide8.xml><?xml version="1.0" encoding="utf-8"?>
+<p:sld xmlns:a="http://schemas.openxmlformats.org/drawingml/2006/main" xmlns:r="http://schemas.openxmlformats.org/officeDocument/2006/relationships" xmlns:p="http://schemas.openxmlformats.org/presentationml/2006/main">
+  <p:cSld>
+    <p:spTree>
+      <p:nvGrpSpPr>
+        <p:cNvPr id="1" name=""/>
+        <p:cNvGrpSpPr/>
+        <p:nvPr/>
+      </p:nvGrpSpPr>
+      <p:grpSpPr>
+        <a:xfrm>
+          <a:off x="0" y="0"/>
+          <a:ext cx="0" cy="0"/>
+          <a:chOff x="0" y="0"/>
+          <a:chExt cx="0" cy="0"/>
+        </a:xfrm>
+      </p:grpSpPr>
+      <p:sp>
+        <p:nvSpPr>
+          <p:cNvPr id="2" name="Title 1">
+            <a:extLst>
+              <a:ext uri="{FF2B5EF4-FFF2-40B4-BE49-F238E27FC236}">
+                <a16:creationId xmlns:a16="http://schemas.microsoft.com/office/drawing/2014/main" id="{C6704418-2570-4B67-84B0-F52CBAE66A21}"/>
+              </a:ext>
+            </a:extLst>
+          </p:cNvPr>
+          <p:cNvSpPr>
+            <a:spLocks noGrp="1"/>
+          </p:cNvSpPr>
+          <p:nvPr>
+            <p:ph type="title"/>
+          </p:nvPr>
+        </p:nvSpPr>
+        <p:spPr/>
+        <p:txBody>
+          <a:bodyPr/>
+          <a:lstStyle/>
+          <a:p>
+            <a:endParaRPr lang="en-US" dirty="0"/>
+          </a:p>
+        </p:txBody>
+      </p:sp>
+      <p:sp>
+        <p:nvSpPr>
+          <p:cNvPr id="4" name="Content Placeholder 3">
+            <a:extLst>
+              <a:ext uri="{FF2B5EF4-FFF2-40B4-BE49-F238E27FC236}">
+                <a16:creationId xmlns:a16="http://schemas.microsoft.com/office/drawing/2014/main" id="{B4AF996A-3FBC-40B4-A987-98BCEC44639A}"/>
+              </a:ext>
+            </a:extLst>
+          </p:cNvPr>
+          <p:cNvSpPr>
+            <a:spLocks noGrp="1"/>
+          </p:cNvSpPr>
+          <p:nvPr>
+            <p:ph sz="half" idx="2"/>
+          </p:nvPr>
+        </p:nvSpPr>
+        <p:spPr/>
+        <p:txBody>
+          <a:bodyPr/>
+          <a:lstStyle/>
+          <a:p>
+            <a:endParaRPr lang="en-US" dirty="0"/>
+          </a:p>
+        </p:txBody>
+      </p:sp>
+      <p:pic>
+        <p:nvPicPr>
+          <p:cNvPr id="8" name="Content Placeholder 7">
+            <a:extLst>
+              <a:ext uri="{FF2B5EF4-FFF2-40B4-BE49-F238E27FC236}">
+                <a16:creationId xmlns:a16="http://schemas.microsoft.com/office/drawing/2014/main" id="{73A291C5-E546-4D77-99BB-ED20E2A56241}"/>
+              </a:ext>
+            </a:extLst>
+          </p:cNvPr>
+          <p:cNvPicPr>
+            <a:picLocks noGrp="1" noChangeAspect="1"/>
+          </p:cNvPicPr>
+          <p:nvPr>
+            <p:ph sz="half" idx="1"/>
+          </p:nvPr>
+        </p:nvPicPr>
+        <p:blipFill>
+          <a:blip r:embed="rId2"/>
+          <a:stretch>
+            <a:fillRect/>
+          </a:stretch>
+        </p:blipFill>
+        <p:spPr>
+          <a:xfrm>
+            <a:off x="355601" y="2249488"/>
+            <a:ext cx="5652068" cy="4430712"/>
+          </a:xfrm>
+          <a:prstGeom prst="rect">
+            <a:avLst/>
+          </a:prstGeom>
+        </p:spPr>
+      </p:pic>
+    </p:spTree>
+    <p:extLst>
+      <p:ext uri="{BB962C8B-B14F-4D97-AF65-F5344CB8AC3E}">
+        <p14:creationId xmlns:p14="http://schemas.microsoft.com/office/powerpoint/2010/main" val="2660347163"/>
+      </p:ext>
+    </p:extLst>
+  </p:cSld>
+  <p:clrMapOvr>
+    <a:masterClrMapping/>
+  </p:clrMapOvr>
+</p:sld>
+</file>
+
+<file path=ppt/slides/slide9.xml><?xml version="1.0" encoding="utf-8"?>
 <p:sld xmlns:a="http://schemas.openxmlformats.org/drawingml/2006/main" xmlns:r="http://schemas.openxmlformats.org/officeDocument/2006/relationships" xmlns:p="http://schemas.openxmlformats.org/presentationml/2006/main">
   <p:cSld>
     <p:spTree>
@@ -13266,1123 +14397,6 @@
     <p:extLst>
       <p:ext uri="{BB962C8B-B14F-4D97-AF65-F5344CB8AC3E}">
         <p14:creationId xmlns:p14="http://schemas.microsoft.com/office/powerpoint/2010/main" val="2493025139"/>
-      </p:ext>
-    </p:extLst>
-  </p:cSld>
-  <p:clrMapOvr>
-    <a:masterClrMapping/>
-  </p:clrMapOvr>
-</p:sld>
-</file>
-
-<file path=ppt/slides/slide11.xml><?xml version="1.0" encoding="utf-8"?>
-<p:sld xmlns:a="http://schemas.openxmlformats.org/drawingml/2006/main" xmlns:r="http://schemas.openxmlformats.org/officeDocument/2006/relationships" xmlns:p="http://schemas.openxmlformats.org/presentationml/2006/main">
-  <p:cSld>
-    <p:spTree>
-      <p:nvGrpSpPr>
-        <p:cNvPr id="1" name=""/>
-        <p:cNvGrpSpPr/>
-        <p:nvPr/>
-      </p:nvGrpSpPr>
-      <p:grpSpPr>
-        <a:xfrm>
-          <a:off x="0" y="0"/>
-          <a:ext cx="0" cy="0"/>
-          <a:chOff x="0" y="0"/>
-          <a:chExt cx="0" cy="0"/>
-        </a:xfrm>
-      </p:grpSpPr>
-      <p:sp>
-        <p:nvSpPr>
-          <p:cNvPr id="2" name="Title 1">
-            <a:extLst>
-              <a:ext uri="{FF2B5EF4-FFF2-40B4-BE49-F238E27FC236}">
-                <a16:creationId xmlns:a16="http://schemas.microsoft.com/office/drawing/2014/main" id="{6CA728F6-FA17-44FF-8632-61E93F7B381E}"/>
-              </a:ext>
-            </a:extLst>
-          </p:cNvPr>
-          <p:cNvSpPr>
-            <a:spLocks noGrp="1"/>
-          </p:cNvSpPr>
-          <p:nvPr>
-            <p:ph type="title"/>
-          </p:nvPr>
-        </p:nvSpPr>
-        <p:spPr/>
-        <p:txBody>
-          <a:bodyPr/>
-          <a:lstStyle/>
-          <a:p>
-            <a:r>
-              <a:rPr lang="en-US" dirty="0"/>
-              <a:t>reflection</a:t>
-            </a:r>
-          </a:p>
-        </p:txBody>
-      </p:sp>
-      <p:sp>
-        <p:nvSpPr>
-          <p:cNvPr id="3" name="Text Placeholder 2">
-            <a:extLst>
-              <a:ext uri="{FF2B5EF4-FFF2-40B4-BE49-F238E27FC236}">
-                <a16:creationId xmlns:a16="http://schemas.microsoft.com/office/drawing/2014/main" id="{96325002-E791-4E41-A8E1-19063BDEEA83}"/>
-              </a:ext>
-            </a:extLst>
-          </p:cNvPr>
-          <p:cNvSpPr>
-            <a:spLocks noGrp="1"/>
-          </p:cNvSpPr>
-          <p:nvPr>
-            <p:ph type="body" idx="1"/>
-          </p:nvPr>
-        </p:nvSpPr>
-        <p:spPr/>
-        <p:txBody>
-          <a:bodyPr/>
-          <a:lstStyle/>
-          <a:p>
-            <a:endParaRPr lang="en-US" dirty="0"/>
-          </a:p>
-        </p:txBody>
-      </p:sp>
-      <p:sp>
-        <p:nvSpPr>
-          <p:cNvPr id="4" name="Content Placeholder 3">
-            <a:extLst>
-              <a:ext uri="{FF2B5EF4-FFF2-40B4-BE49-F238E27FC236}">
-                <a16:creationId xmlns:a16="http://schemas.microsoft.com/office/drawing/2014/main" id="{EB09CFB2-F90E-4606-B3DF-25E50653922E}"/>
-              </a:ext>
-            </a:extLst>
-          </p:cNvPr>
-          <p:cNvSpPr>
-            <a:spLocks noGrp="1"/>
-          </p:cNvSpPr>
-          <p:nvPr>
-            <p:ph sz="half" idx="2"/>
-          </p:nvPr>
-        </p:nvSpPr>
-        <p:spPr/>
-        <p:txBody>
-          <a:bodyPr/>
-          <a:lstStyle/>
-          <a:p>
-            <a:endParaRPr lang="en-US"/>
-          </a:p>
-        </p:txBody>
-      </p:sp>
-      <p:sp>
-        <p:nvSpPr>
-          <p:cNvPr id="5" name="Text Placeholder 4">
-            <a:extLst>
-              <a:ext uri="{FF2B5EF4-FFF2-40B4-BE49-F238E27FC236}">
-                <a16:creationId xmlns:a16="http://schemas.microsoft.com/office/drawing/2014/main" id="{5943E6CD-B442-4024-97C8-44F1AA13C621}"/>
-              </a:ext>
-            </a:extLst>
-          </p:cNvPr>
-          <p:cNvSpPr>
-            <a:spLocks noGrp="1"/>
-          </p:cNvSpPr>
-          <p:nvPr>
-            <p:ph type="body" sz="quarter" idx="3"/>
-          </p:nvPr>
-        </p:nvSpPr>
-        <p:spPr/>
-        <p:txBody>
-          <a:bodyPr/>
-          <a:lstStyle/>
-          <a:p>
-            <a:endParaRPr lang="en-US"/>
-          </a:p>
-        </p:txBody>
-      </p:sp>
-      <p:sp>
-        <p:nvSpPr>
-          <p:cNvPr id="6" name="Content Placeholder 5">
-            <a:extLst>
-              <a:ext uri="{FF2B5EF4-FFF2-40B4-BE49-F238E27FC236}">
-                <a16:creationId xmlns:a16="http://schemas.microsoft.com/office/drawing/2014/main" id="{6CA0E85A-74BA-4D47-BBB7-72DFB79CF2BC}"/>
-              </a:ext>
-            </a:extLst>
-          </p:cNvPr>
-          <p:cNvSpPr>
-            <a:spLocks noGrp="1"/>
-          </p:cNvSpPr>
-          <p:nvPr>
-            <p:ph sz="quarter" idx="4"/>
-          </p:nvPr>
-        </p:nvSpPr>
-        <p:spPr/>
-        <p:txBody>
-          <a:bodyPr/>
-          <a:lstStyle/>
-          <a:p>
-            <a:endParaRPr lang="en-US"/>
-          </a:p>
-        </p:txBody>
-      </p:sp>
-    </p:spTree>
-    <p:extLst>
-      <p:ext uri="{BB962C8B-B14F-4D97-AF65-F5344CB8AC3E}">
-        <p14:creationId xmlns:p14="http://schemas.microsoft.com/office/powerpoint/2010/main" val="435858797"/>
-      </p:ext>
-    </p:extLst>
-  </p:cSld>
-  <p:clrMapOvr>
-    <a:masterClrMapping/>
-  </p:clrMapOvr>
-</p:sld>
-</file>
-
-<file path=ppt/slides/slide2.xml><?xml version="1.0" encoding="utf-8"?>
-<p:sld xmlns:a="http://schemas.openxmlformats.org/drawingml/2006/main" xmlns:r="http://schemas.openxmlformats.org/officeDocument/2006/relationships" xmlns:p="http://schemas.openxmlformats.org/presentationml/2006/main">
-  <p:cSld>
-    <p:spTree>
-      <p:nvGrpSpPr>
-        <p:cNvPr id="1" name=""/>
-        <p:cNvGrpSpPr/>
-        <p:nvPr/>
-      </p:nvGrpSpPr>
-      <p:grpSpPr>
-        <a:xfrm>
-          <a:off x="0" y="0"/>
-          <a:ext cx="0" cy="0"/>
-          <a:chOff x="0" y="0"/>
-          <a:chExt cx="0" cy="0"/>
-        </a:xfrm>
-      </p:grpSpPr>
-      <p:sp>
-        <p:nvSpPr>
-          <p:cNvPr id="2" name="Title 1">
-            <a:extLst>
-              <a:ext uri="{FF2B5EF4-FFF2-40B4-BE49-F238E27FC236}">
-                <a16:creationId xmlns:a16="http://schemas.microsoft.com/office/drawing/2014/main" id="{D6AC7423-B87C-49F8-8806-E842D4CE926D}"/>
-              </a:ext>
-            </a:extLst>
-          </p:cNvPr>
-          <p:cNvSpPr>
-            <a:spLocks noGrp="1"/>
-          </p:cNvSpPr>
-          <p:nvPr>
-            <p:ph type="title"/>
-          </p:nvPr>
-        </p:nvSpPr>
-        <p:spPr/>
-        <p:txBody>
-          <a:bodyPr>
-            <a:normAutofit/>
-          </a:bodyPr>
-          <a:lstStyle/>
-          <a:p>
-            <a:r>
-              <a:rPr lang="en-US" sz="1400" dirty="0">
-                <a:latin typeface="Castellar" panose="020A0402060406010301" pitchFamily="18" charset="0"/>
-                <a:ea typeface="+mn-ea"/>
-                <a:cs typeface="+mn-cs"/>
-              </a:rPr>
-              <a:t>World Happiness report</a:t>
-            </a:r>
-          </a:p>
-        </p:txBody>
-      </p:sp>
-      <p:sp>
-        <p:nvSpPr>
-          <p:cNvPr id="3" name="Text Placeholder 2">
-            <a:extLst>
-              <a:ext uri="{FF2B5EF4-FFF2-40B4-BE49-F238E27FC236}">
-                <a16:creationId xmlns:a16="http://schemas.microsoft.com/office/drawing/2014/main" id="{81417D4C-D934-41FE-961F-CB0D6578C3E6}"/>
-              </a:ext>
-            </a:extLst>
-          </p:cNvPr>
-          <p:cNvSpPr>
-            <a:spLocks noGrp="1"/>
-          </p:cNvSpPr>
-          <p:nvPr>
-            <p:ph type="body" idx="1"/>
-          </p:nvPr>
-        </p:nvSpPr>
-        <p:spPr/>
-        <p:txBody>
-          <a:bodyPr/>
-          <a:lstStyle/>
-          <a:p>
-            <a:endParaRPr lang="en-US" dirty="0"/>
-          </a:p>
-        </p:txBody>
-      </p:sp>
-      <p:sp>
-        <p:nvSpPr>
-          <p:cNvPr id="4" name="Text Placeholder 3">
-            <a:extLst>
-              <a:ext uri="{FF2B5EF4-FFF2-40B4-BE49-F238E27FC236}">
-                <a16:creationId xmlns:a16="http://schemas.microsoft.com/office/drawing/2014/main" id="{E19AA43A-06EC-4F69-B696-B04E0778ACF5}"/>
-              </a:ext>
-            </a:extLst>
-          </p:cNvPr>
-          <p:cNvSpPr>
-            <a:spLocks noGrp="1"/>
-          </p:cNvSpPr>
-          <p:nvPr>
-            <p:ph type="body" sz="half" idx="15"/>
-          </p:nvPr>
-        </p:nvSpPr>
-        <p:spPr/>
-        <p:txBody>
-          <a:bodyPr>
-            <a:normAutofit fontScale="70000" lnSpcReduction="20000"/>
-          </a:bodyPr>
-          <a:lstStyle/>
-          <a:p>
-            <a:r>
-              <a:rPr lang="en-US" dirty="0"/>
-              <a:t>The World Happiness Report is a landmark survey of the state of global happiness. was released at the United Nations at an event celebrating International Day of Happiness on March 20th. The report continues to gain global recognition as governments, organizations and civil society increasingly use happiness indicators to inform their policy-making decisions. Leading experts across fields – economics, psychology, survey analysis, national statistics, health, public policy and more – describe how measurements of well-being can be used effectively to assess the progress of nations. The reports review the state of happiness in the world today and show how the new science of happiness explains personal and national variations in happiness.</a:t>
-            </a:r>
-          </a:p>
-        </p:txBody>
-      </p:sp>
-      <p:sp>
-        <p:nvSpPr>
-          <p:cNvPr id="5" name="Text Placeholder 4">
-            <a:extLst>
-              <a:ext uri="{FF2B5EF4-FFF2-40B4-BE49-F238E27FC236}">
-                <a16:creationId xmlns:a16="http://schemas.microsoft.com/office/drawing/2014/main" id="{CA377FBE-E6E1-418B-9A8B-B9B6DB1A790D}"/>
-              </a:ext>
-            </a:extLst>
-          </p:cNvPr>
-          <p:cNvSpPr>
-            <a:spLocks noGrp="1"/>
-          </p:cNvSpPr>
-          <p:nvPr>
-            <p:ph type="body" sz="quarter" idx="3"/>
-          </p:nvPr>
-        </p:nvSpPr>
-        <p:spPr/>
-        <p:txBody>
-          <a:bodyPr/>
-          <a:lstStyle/>
-          <a:p>
-            <a:endParaRPr lang="en-US"/>
-          </a:p>
-        </p:txBody>
-      </p:sp>
-      <p:sp>
-        <p:nvSpPr>
-          <p:cNvPr id="6" name="Text Placeholder 5">
-            <a:extLst>
-              <a:ext uri="{FF2B5EF4-FFF2-40B4-BE49-F238E27FC236}">
-                <a16:creationId xmlns:a16="http://schemas.microsoft.com/office/drawing/2014/main" id="{BAF498BF-15FD-4ED7-A6E6-94A79F2ECAD6}"/>
-              </a:ext>
-            </a:extLst>
-          </p:cNvPr>
-          <p:cNvSpPr>
-            <a:spLocks noGrp="1"/>
-          </p:cNvSpPr>
-          <p:nvPr>
-            <p:ph type="body" sz="half" idx="16"/>
-          </p:nvPr>
-        </p:nvSpPr>
-        <p:spPr/>
-        <p:txBody>
-          <a:bodyPr/>
-          <a:lstStyle/>
-          <a:p>
-            <a:r>
-              <a:rPr lang="en-US" dirty="0"/>
-              <a:t>Finding the common themes in the happiest countries, characteristics that define a “Happy” Country.</a:t>
-            </a:r>
-          </a:p>
-          <a:p>
-            <a:endParaRPr lang="en-US" dirty="0"/>
-          </a:p>
-        </p:txBody>
-      </p:sp>
-    </p:spTree>
-    <p:extLst>
-      <p:ext uri="{BB962C8B-B14F-4D97-AF65-F5344CB8AC3E}">
-        <p14:creationId xmlns:p14="http://schemas.microsoft.com/office/powerpoint/2010/main" val="4225626867"/>
-      </p:ext>
-    </p:extLst>
-  </p:cSld>
-  <p:clrMapOvr>
-    <a:masterClrMapping/>
-  </p:clrMapOvr>
-</p:sld>
-</file>
-
-<file path=ppt/slides/slide3.xml><?xml version="1.0" encoding="utf-8"?>
-<p:sld xmlns:a="http://schemas.openxmlformats.org/drawingml/2006/main" xmlns:r="http://schemas.openxmlformats.org/officeDocument/2006/relationships" xmlns:p="http://schemas.openxmlformats.org/presentationml/2006/main">
-  <p:cSld>
-    <p:spTree>
-      <p:nvGrpSpPr>
-        <p:cNvPr id="1" name=""/>
-        <p:cNvGrpSpPr/>
-        <p:nvPr/>
-      </p:nvGrpSpPr>
-      <p:grpSpPr>
-        <a:xfrm>
-          <a:off x="0" y="0"/>
-          <a:ext cx="0" cy="0"/>
-          <a:chOff x="0" y="0"/>
-          <a:chExt cx="0" cy="0"/>
-        </a:xfrm>
-      </p:grpSpPr>
-      <p:sp>
-        <p:nvSpPr>
-          <p:cNvPr id="2" name="Title 1">
-            <a:extLst>
-              <a:ext uri="{FF2B5EF4-FFF2-40B4-BE49-F238E27FC236}">
-                <a16:creationId xmlns:a16="http://schemas.microsoft.com/office/drawing/2014/main" id="{22CEF45E-098A-4FA9-95B3-7148DC05EC32}"/>
-              </a:ext>
-            </a:extLst>
-          </p:cNvPr>
-          <p:cNvSpPr>
-            <a:spLocks noGrp="1"/>
-          </p:cNvSpPr>
-          <p:nvPr>
-            <p:ph type="title"/>
-          </p:nvPr>
-        </p:nvSpPr>
-        <p:spPr/>
-        <p:txBody>
-          <a:bodyPr/>
-          <a:lstStyle/>
-          <a:p>
-            <a:endParaRPr lang="en-US"/>
-          </a:p>
-        </p:txBody>
-      </p:sp>
-      <p:sp>
-        <p:nvSpPr>
-          <p:cNvPr id="3" name="Content Placeholder 2">
-            <a:extLst>
-              <a:ext uri="{FF2B5EF4-FFF2-40B4-BE49-F238E27FC236}">
-                <a16:creationId xmlns:a16="http://schemas.microsoft.com/office/drawing/2014/main" id="{926C1940-5EA0-45BE-92F1-CCDB70045E2A}"/>
-              </a:ext>
-            </a:extLst>
-          </p:cNvPr>
-          <p:cNvSpPr>
-            <a:spLocks noGrp="1"/>
-          </p:cNvSpPr>
-          <p:nvPr>
-            <p:ph idx="1"/>
-          </p:nvPr>
-        </p:nvSpPr>
-        <p:spPr/>
-        <p:txBody>
-          <a:bodyPr/>
-          <a:lstStyle/>
-          <a:p>
-            <a:endParaRPr lang="en-US"/>
-          </a:p>
-        </p:txBody>
-      </p:sp>
-    </p:spTree>
-    <p:extLst>
-      <p:ext uri="{BB962C8B-B14F-4D97-AF65-F5344CB8AC3E}">
-        <p14:creationId xmlns:p14="http://schemas.microsoft.com/office/powerpoint/2010/main" val="2741289497"/>
-      </p:ext>
-    </p:extLst>
-  </p:cSld>
-  <p:clrMapOvr>
-    <a:masterClrMapping/>
-  </p:clrMapOvr>
-</p:sld>
-</file>
-
-<file path=ppt/slides/slide4.xml><?xml version="1.0" encoding="utf-8"?>
-<p:sld xmlns:a="http://schemas.openxmlformats.org/drawingml/2006/main" xmlns:r="http://schemas.openxmlformats.org/officeDocument/2006/relationships" xmlns:p="http://schemas.openxmlformats.org/presentationml/2006/main">
-  <p:cSld>
-    <p:spTree>
-      <p:nvGrpSpPr>
-        <p:cNvPr id="1" name=""/>
-        <p:cNvGrpSpPr/>
-        <p:nvPr/>
-      </p:nvGrpSpPr>
-      <p:grpSpPr>
-        <a:xfrm>
-          <a:off x="0" y="0"/>
-          <a:ext cx="0" cy="0"/>
-          <a:chOff x="0" y="0"/>
-          <a:chExt cx="0" cy="0"/>
-        </a:xfrm>
-      </p:grpSpPr>
-      <p:sp>
-        <p:nvSpPr>
-          <p:cNvPr id="2" name="Title 1">
-            <a:extLst>
-              <a:ext uri="{FF2B5EF4-FFF2-40B4-BE49-F238E27FC236}">
-                <a16:creationId xmlns:a16="http://schemas.microsoft.com/office/drawing/2014/main" id="{1C7AF5F3-4DDB-487F-86B3-74FB5BD16CAE}"/>
-              </a:ext>
-            </a:extLst>
-          </p:cNvPr>
-          <p:cNvSpPr>
-            <a:spLocks noGrp="1"/>
-          </p:cNvSpPr>
-          <p:nvPr>
-            <p:ph type="ctrTitle"/>
-          </p:nvPr>
-        </p:nvSpPr>
-        <p:spPr/>
-        <p:txBody>
-          <a:bodyPr/>
-          <a:lstStyle/>
-          <a:p>
-            <a:r>
-              <a:rPr lang="en-US" dirty="0"/>
-              <a:t>Un DATA TOOK </a:t>
-            </a:r>
-          </a:p>
-        </p:txBody>
-      </p:sp>
-      <p:sp>
-        <p:nvSpPr>
-          <p:cNvPr id="3" name="Subtitle 2">
-            <a:extLst>
-              <a:ext uri="{FF2B5EF4-FFF2-40B4-BE49-F238E27FC236}">
-                <a16:creationId xmlns:a16="http://schemas.microsoft.com/office/drawing/2014/main" id="{6D6E8565-A67F-4D78-A619-9375B4AD1091}"/>
-              </a:ext>
-            </a:extLst>
-          </p:cNvPr>
-          <p:cNvSpPr>
-            <a:spLocks noGrp="1"/>
-          </p:cNvSpPr>
-          <p:nvPr>
-            <p:ph type="subTitle" idx="1"/>
-          </p:nvPr>
-        </p:nvSpPr>
-        <p:spPr/>
-        <p:txBody>
-          <a:bodyPr/>
-          <a:lstStyle/>
-          <a:p>
-            <a:endParaRPr lang="en-US" dirty="0"/>
-          </a:p>
-        </p:txBody>
-      </p:sp>
-    </p:spTree>
-    <p:extLst>
-      <p:ext uri="{BB962C8B-B14F-4D97-AF65-F5344CB8AC3E}">
-        <p14:creationId xmlns:p14="http://schemas.microsoft.com/office/powerpoint/2010/main" val="869344389"/>
-      </p:ext>
-    </p:extLst>
-  </p:cSld>
-  <p:clrMapOvr>
-    <a:masterClrMapping/>
-  </p:clrMapOvr>
-</p:sld>
-</file>
-
-<file path=ppt/slides/slide5.xml><?xml version="1.0" encoding="utf-8"?>
-<p:sld xmlns:a="http://schemas.openxmlformats.org/drawingml/2006/main" xmlns:r="http://schemas.openxmlformats.org/officeDocument/2006/relationships" xmlns:p="http://schemas.openxmlformats.org/presentationml/2006/main">
-  <p:cSld>
-    <p:spTree>
-      <p:nvGrpSpPr>
-        <p:cNvPr id="1" name=""/>
-        <p:cNvGrpSpPr/>
-        <p:nvPr/>
-      </p:nvGrpSpPr>
-      <p:grpSpPr>
-        <a:xfrm>
-          <a:off x="0" y="0"/>
-          <a:ext cx="0" cy="0"/>
-          <a:chOff x="0" y="0"/>
-          <a:chExt cx="0" cy="0"/>
-        </a:xfrm>
-      </p:grpSpPr>
-      <p:sp>
-        <p:nvSpPr>
-          <p:cNvPr id="2" name="Title 1">
-            <a:extLst>
-              <a:ext uri="{FF2B5EF4-FFF2-40B4-BE49-F238E27FC236}">
-                <a16:creationId xmlns:a16="http://schemas.microsoft.com/office/drawing/2014/main" id="{67B21CDB-84F8-4370-A552-16A6F33D31BA}"/>
-              </a:ext>
-            </a:extLst>
-          </p:cNvPr>
-          <p:cNvSpPr>
-            <a:spLocks noGrp="1"/>
-          </p:cNvSpPr>
-          <p:nvPr>
-            <p:ph type="title"/>
-          </p:nvPr>
-        </p:nvSpPr>
-        <p:spPr/>
-        <p:txBody>
-          <a:bodyPr/>
-          <a:lstStyle/>
-          <a:p>
-            <a:r>
-              <a:rPr lang="en-US" dirty="0"/>
-              <a:t>Country Statistics - </a:t>
-            </a:r>
-            <a:r>
-              <a:rPr lang="en-US" dirty="0" err="1"/>
-              <a:t>UNData</a:t>
-            </a:r>
-            <a:br>
-              <a:rPr lang="en-US" dirty="0"/>
-            </a:br>
-            <a:endParaRPr lang="en-US" dirty="0"/>
-          </a:p>
-        </p:txBody>
-      </p:sp>
-      <p:sp>
-        <p:nvSpPr>
-          <p:cNvPr id="3" name="Content Placeholder 2">
-            <a:extLst>
-              <a:ext uri="{FF2B5EF4-FFF2-40B4-BE49-F238E27FC236}">
-                <a16:creationId xmlns:a16="http://schemas.microsoft.com/office/drawing/2014/main" id="{D0EE0116-8571-4C3D-84DC-C2787EBD6DC3}"/>
-              </a:ext>
-            </a:extLst>
-          </p:cNvPr>
-          <p:cNvSpPr>
-            <a:spLocks noGrp="1"/>
-          </p:cNvSpPr>
-          <p:nvPr>
-            <p:ph idx="1"/>
-          </p:nvPr>
-        </p:nvSpPr>
-        <p:spPr>
-          <a:xfrm>
-            <a:off x="1141412" y="1581150"/>
-            <a:ext cx="9905999" cy="4210051"/>
-          </a:xfrm>
-        </p:spPr>
-        <p:txBody>
-          <a:bodyPr>
-            <a:normAutofit/>
-          </a:bodyPr>
-          <a:lstStyle/>
-          <a:p>
-            <a:r>
-              <a:rPr lang="en-US" dirty="0"/>
-              <a:t>The United Nations Statistics Division (UNSD) of the Department of Economic and Social Affairs (DESA) launched a new internet based data service for the global user community. It brings UN statistical databases within easy reach of users through a single entry point (</a:t>
-            </a:r>
-            <a:r>
-              <a:rPr lang="en-US" dirty="0">
-                <a:hlinkClick r:id="rId2"/>
-              </a:rPr>
-              <a:t>http://data.un.org/</a:t>
-            </a:r>
-            <a:r>
-              <a:rPr lang="en-US" dirty="0"/>
-              <a:t>). This dataset contains key statistical indicators of the countries. It covers 4 major sections</a:t>
-            </a:r>
-          </a:p>
-          <a:p>
-            <a:pPr lvl="1" fontAlgn="base"/>
-            <a:r>
-              <a:rPr lang="en-US" dirty="0"/>
-              <a:t>General Information</a:t>
-            </a:r>
-          </a:p>
-          <a:p>
-            <a:pPr lvl="1" fontAlgn="base"/>
-            <a:r>
-              <a:rPr lang="en-US" dirty="0"/>
-              <a:t>Economic Indicators</a:t>
-            </a:r>
-          </a:p>
-          <a:p>
-            <a:pPr lvl="1" fontAlgn="base"/>
-            <a:r>
-              <a:rPr lang="en-US" dirty="0"/>
-              <a:t>Social Indicators</a:t>
-            </a:r>
-          </a:p>
-          <a:p>
-            <a:pPr lvl="1" fontAlgn="base"/>
-            <a:r>
-              <a:rPr lang="en-US" dirty="0"/>
-              <a:t>Environmental &amp; Infrastructure Indicators</a:t>
-            </a:r>
-          </a:p>
-        </p:txBody>
-      </p:sp>
-    </p:spTree>
-    <p:extLst>
-      <p:ext uri="{BB962C8B-B14F-4D97-AF65-F5344CB8AC3E}">
-        <p14:creationId xmlns:p14="http://schemas.microsoft.com/office/powerpoint/2010/main" val="4133199783"/>
-      </p:ext>
-    </p:extLst>
-  </p:cSld>
-  <p:clrMapOvr>
-    <a:masterClrMapping/>
-  </p:clrMapOvr>
-</p:sld>
-</file>
-
-<file path=ppt/slides/slide6.xml><?xml version="1.0" encoding="utf-8"?>
-<p:sld xmlns:a="http://schemas.openxmlformats.org/drawingml/2006/main" xmlns:r="http://schemas.openxmlformats.org/officeDocument/2006/relationships" xmlns:p="http://schemas.openxmlformats.org/presentationml/2006/main">
-  <p:cSld>
-    <p:spTree>
-      <p:nvGrpSpPr>
-        <p:cNvPr id="1" name=""/>
-        <p:cNvGrpSpPr/>
-        <p:nvPr/>
-      </p:nvGrpSpPr>
-      <p:grpSpPr>
-        <a:xfrm>
-          <a:off x="0" y="0"/>
-          <a:ext cx="0" cy="0"/>
-          <a:chOff x="0" y="0"/>
-          <a:chExt cx="0" cy="0"/>
-        </a:xfrm>
-      </p:grpSpPr>
-      <p:sp>
-        <p:nvSpPr>
-          <p:cNvPr id="2" name="Title 1">
-            <a:extLst>
-              <a:ext uri="{FF2B5EF4-FFF2-40B4-BE49-F238E27FC236}">
-                <a16:creationId xmlns:a16="http://schemas.microsoft.com/office/drawing/2014/main" id="{96DB83A9-5DEA-4E22-B30B-171D30AB1021}"/>
-              </a:ext>
-            </a:extLst>
-          </p:cNvPr>
-          <p:cNvSpPr>
-            <a:spLocks noGrp="1"/>
-          </p:cNvSpPr>
-          <p:nvPr>
-            <p:ph type="title"/>
-          </p:nvPr>
-        </p:nvSpPr>
-        <p:spPr/>
-        <p:txBody>
-          <a:bodyPr/>
-          <a:lstStyle/>
-          <a:p>
-            <a:endParaRPr lang="en-US" dirty="0"/>
-          </a:p>
-        </p:txBody>
-      </p:sp>
-      <p:sp>
-        <p:nvSpPr>
-          <p:cNvPr id="3" name="Content Placeholder 2">
-            <a:extLst>
-              <a:ext uri="{FF2B5EF4-FFF2-40B4-BE49-F238E27FC236}">
-                <a16:creationId xmlns:a16="http://schemas.microsoft.com/office/drawing/2014/main" id="{A6A15335-A7C7-4F1D-8D9A-EA3F65CAA7E2}"/>
-              </a:ext>
-            </a:extLst>
-          </p:cNvPr>
-          <p:cNvSpPr>
-            <a:spLocks noGrp="1"/>
-          </p:cNvSpPr>
-          <p:nvPr>
-            <p:ph idx="1"/>
-          </p:nvPr>
-        </p:nvSpPr>
-        <p:spPr/>
-        <p:txBody>
-          <a:bodyPr/>
-          <a:lstStyle/>
-          <a:p>
-            <a:r>
-              <a:rPr lang="en-US" dirty="0"/>
-              <a:t>Urban Population percentage of total population</a:t>
-            </a:r>
-          </a:p>
-          <a:p>
-            <a:r>
-              <a:rPr lang="en-US" dirty="0"/>
-              <a:t>Population using improved drinking water facilities </a:t>
-            </a:r>
-          </a:p>
-          <a:p>
-            <a:endParaRPr lang="en-US" dirty="0"/>
-          </a:p>
-        </p:txBody>
-      </p:sp>
-    </p:spTree>
-    <p:extLst>
-      <p:ext uri="{BB962C8B-B14F-4D97-AF65-F5344CB8AC3E}">
-        <p14:creationId xmlns:p14="http://schemas.microsoft.com/office/powerpoint/2010/main" val="3795639364"/>
-      </p:ext>
-    </p:extLst>
-  </p:cSld>
-  <p:clrMapOvr>
-    <a:masterClrMapping/>
-  </p:clrMapOvr>
-</p:sld>
-</file>
-
-<file path=ppt/slides/slide7.xml><?xml version="1.0" encoding="utf-8"?>
-<p:sld xmlns:a="http://schemas.openxmlformats.org/drawingml/2006/main" xmlns:r="http://schemas.openxmlformats.org/officeDocument/2006/relationships" xmlns:p="http://schemas.openxmlformats.org/presentationml/2006/main">
-  <p:cSld>
-    <p:spTree>
-      <p:nvGrpSpPr>
-        <p:cNvPr id="1" name=""/>
-        <p:cNvGrpSpPr/>
-        <p:nvPr/>
-      </p:nvGrpSpPr>
-      <p:grpSpPr>
-        <a:xfrm>
-          <a:off x="0" y="0"/>
-          <a:ext cx="0" cy="0"/>
-          <a:chOff x="0" y="0"/>
-          <a:chExt cx="0" cy="0"/>
-        </a:xfrm>
-      </p:grpSpPr>
-      <p:sp>
-        <p:nvSpPr>
-          <p:cNvPr id="4" name="Content Placeholder 3">
-            <a:extLst>
-              <a:ext uri="{FF2B5EF4-FFF2-40B4-BE49-F238E27FC236}">
-                <a16:creationId xmlns:a16="http://schemas.microsoft.com/office/drawing/2014/main" id="{B4AF996A-3FBC-40B4-A987-98BCEC44639A}"/>
-              </a:ext>
-            </a:extLst>
-          </p:cNvPr>
-          <p:cNvSpPr>
-            <a:spLocks noGrp="1"/>
-          </p:cNvSpPr>
-          <p:nvPr>
-            <p:ph sz="half" idx="2"/>
-          </p:nvPr>
-        </p:nvSpPr>
-        <p:spPr>
-          <a:xfrm>
-            <a:off x="903287" y="5715000"/>
-            <a:ext cx="10123488" cy="987425"/>
-          </a:xfrm>
-        </p:spPr>
-        <p:txBody>
-          <a:bodyPr>
-            <a:normAutofit/>
-          </a:bodyPr>
-          <a:lstStyle/>
-          <a:p>
-            <a:r>
-              <a:rPr lang="en-US" dirty="0"/>
-              <a:t>In the top 20 happiest countries the urban population is 83% of the total, while in the bottom 20 it only makes up 34%.</a:t>
-            </a:r>
-          </a:p>
-        </p:txBody>
-      </p:sp>
-      <p:sp>
-        <p:nvSpPr>
-          <p:cNvPr id="12" name="Title 1">
-            <a:extLst>
-              <a:ext uri="{FF2B5EF4-FFF2-40B4-BE49-F238E27FC236}">
-                <a16:creationId xmlns:a16="http://schemas.microsoft.com/office/drawing/2014/main" id="{80C2DF57-A5DB-4FCD-AAA5-4D24D94CEA0E}"/>
-              </a:ext>
-            </a:extLst>
-          </p:cNvPr>
-          <p:cNvSpPr txBox="1">
-            <a:spLocks/>
-          </p:cNvSpPr>
-          <p:nvPr/>
-        </p:nvSpPr>
-        <p:spPr>
-          <a:xfrm>
-            <a:off x="1700212" y="141462"/>
-            <a:ext cx="8791575" cy="668163"/>
-          </a:xfrm>
-          <a:prstGeom prst="rect">
-            <a:avLst/>
-          </a:prstGeom>
-        </p:spPr>
-        <p:txBody>
-          <a:bodyPr vert="horz" lIns="91440" tIns="45720" rIns="91440" bIns="45720" rtlCol="0" anchor="ctr">
-            <a:normAutofit/>
-          </a:bodyPr>
-          <a:lstStyle>
-            <a:lvl1pPr algn="l" defTabSz="914400" rtl="0" eaLnBrk="1" latinLnBrk="0" hangingPunct="1">
-              <a:lnSpc>
-                <a:spcPct val="90000"/>
-              </a:lnSpc>
-              <a:spcBef>
-                <a:spcPct val="0"/>
-              </a:spcBef>
-              <a:buNone/>
-              <a:defRPr sz="3600" kern="1200" cap="all" baseline="0">
-                <a:solidFill>
-                  <a:schemeClr val="tx1"/>
-                </a:solidFill>
-                <a:latin typeface="+mj-lt"/>
-                <a:ea typeface="+mj-ea"/>
-                <a:cs typeface="+mj-cs"/>
-              </a:defRPr>
-            </a:lvl1pPr>
-          </a:lstStyle>
-          <a:p>
-            <a:r>
-              <a:rPr lang="en-US" dirty="0"/>
-              <a:t>Urban populations tend to be happier</a:t>
-            </a:r>
-          </a:p>
-        </p:txBody>
-      </p:sp>
-      <p:pic>
-        <p:nvPicPr>
-          <p:cNvPr id="13" name="Picture 12">
-            <a:extLst>
-              <a:ext uri="{FF2B5EF4-FFF2-40B4-BE49-F238E27FC236}">
-                <a16:creationId xmlns:a16="http://schemas.microsoft.com/office/drawing/2014/main" id="{A1C80960-643A-492C-A462-3606000CC0D7}"/>
-              </a:ext>
-            </a:extLst>
-          </p:cNvPr>
-          <p:cNvPicPr>
-            <a:picLocks noChangeAspect="1"/>
-          </p:cNvPicPr>
-          <p:nvPr/>
-        </p:nvPicPr>
-        <p:blipFill>
-          <a:blip r:embed="rId2"/>
-          <a:stretch>
-            <a:fillRect/>
-          </a:stretch>
-        </p:blipFill>
-        <p:spPr>
-          <a:xfrm>
-            <a:off x="1238250" y="1014625"/>
-            <a:ext cx="9253537" cy="4599146"/>
-          </a:xfrm>
-          <a:prstGeom prst="rect">
-            <a:avLst/>
-          </a:prstGeom>
-        </p:spPr>
-      </p:pic>
-    </p:spTree>
-    <p:extLst>
-      <p:ext uri="{BB962C8B-B14F-4D97-AF65-F5344CB8AC3E}">
-        <p14:creationId xmlns:p14="http://schemas.microsoft.com/office/powerpoint/2010/main" val="2251345826"/>
-      </p:ext>
-    </p:extLst>
-  </p:cSld>
-  <p:clrMapOvr>
-    <a:masterClrMapping/>
-  </p:clrMapOvr>
-</p:sld>
-</file>
-
-<file path=ppt/slides/slide8.xml><?xml version="1.0" encoding="utf-8"?>
-<p:sld xmlns:a="http://schemas.openxmlformats.org/drawingml/2006/main" xmlns:r="http://schemas.openxmlformats.org/officeDocument/2006/relationships" xmlns:p="http://schemas.openxmlformats.org/presentationml/2006/main">
-  <p:cSld>
-    <p:spTree>
-      <p:nvGrpSpPr>
-        <p:cNvPr id="1" name=""/>
-        <p:cNvGrpSpPr/>
-        <p:nvPr/>
-      </p:nvGrpSpPr>
-      <p:grpSpPr>
-        <a:xfrm>
-          <a:off x="0" y="0"/>
-          <a:ext cx="0" cy="0"/>
-          <a:chOff x="0" y="0"/>
-          <a:chExt cx="0" cy="0"/>
-        </a:xfrm>
-      </p:grpSpPr>
-      <p:sp>
-        <p:nvSpPr>
-          <p:cNvPr id="2" name="Title 1">
-            <a:extLst>
-              <a:ext uri="{FF2B5EF4-FFF2-40B4-BE49-F238E27FC236}">
-                <a16:creationId xmlns:a16="http://schemas.microsoft.com/office/drawing/2014/main" id="{F6EE92AB-DC98-46B4-AF77-A2E544438ED3}"/>
-              </a:ext>
-            </a:extLst>
-          </p:cNvPr>
-          <p:cNvSpPr>
-            <a:spLocks noGrp="1"/>
-          </p:cNvSpPr>
-          <p:nvPr>
-            <p:ph type="title"/>
-          </p:nvPr>
-        </p:nvSpPr>
-        <p:spPr/>
-        <p:txBody>
-          <a:bodyPr/>
-          <a:lstStyle/>
-          <a:p>
-            <a:r>
-              <a:rPr lang="en-US" dirty="0"/>
-              <a:t>Urban populations outliers</a:t>
-            </a:r>
-          </a:p>
-        </p:txBody>
-      </p:sp>
-      <p:sp>
-        <p:nvSpPr>
-          <p:cNvPr id="3" name="Content Placeholder 2">
-            <a:extLst>
-              <a:ext uri="{FF2B5EF4-FFF2-40B4-BE49-F238E27FC236}">
-                <a16:creationId xmlns:a16="http://schemas.microsoft.com/office/drawing/2014/main" id="{76017ECC-425B-43AD-9BBA-0B802A1BE366}"/>
-              </a:ext>
-            </a:extLst>
-          </p:cNvPr>
-          <p:cNvSpPr>
-            <a:spLocks noGrp="1"/>
-          </p:cNvSpPr>
-          <p:nvPr>
-            <p:ph sz="half" idx="1"/>
-          </p:nvPr>
-        </p:nvSpPr>
-        <p:spPr/>
-        <p:txBody>
-          <a:bodyPr/>
-          <a:lstStyle/>
-          <a:p>
-            <a:r>
-              <a:rPr lang="en-US" dirty="0"/>
-              <a:t>Trinidad and Tobago, are the lower point on the Urban Population chart, they are the 38</a:t>
-            </a:r>
-            <a:r>
-              <a:rPr lang="en-US" baseline="30000" dirty="0"/>
-              <a:t>th</a:t>
-            </a:r>
-            <a:r>
-              <a:rPr lang="en-US" dirty="0"/>
-              <a:t> happiest country with only 8.4% Urban Population</a:t>
-            </a:r>
-          </a:p>
-          <a:p>
-            <a:endParaRPr lang="en-US" dirty="0"/>
-          </a:p>
-        </p:txBody>
-      </p:sp>
-      <p:pic>
-        <p:nvPicPr>
-          <p:cNvPr id="5" name="Content Placeholder 4">
-            <a:extLst>
-              <a:ext uri="{FF2B5EF4-FFF2-40B4-BE49-F238E27FC236}">
-                <a16:creationId xmlns:a16="http://schemas.microsoft.com/office/drawing/2014/main" id="{6A0D0D15-AB48-433D-B375-066880EDCC95}"/>
-              </a:ext>
-            </a:extLst>
-          </p:cNvPr>
-          <p:cNvPicPr>
-            <a:picLocks noGrp="1" noChangeAspect="1"/>
-          </p:cNvPicPr>
-          <p:nvPr>
-            <p:ph sz="half" idx="2"/>
-          </p:nvPr>
-        </p:nvPicPr>
-        <p:blipFill>
-          <a:blip r:embed="rId2"/>
-          <a:stretch>
-            <a:fillRect/>
-          </a:stretch>
-        </p:blipFill>
-        <p:spPr>
-          <a:xfrm>
-            <a:off x="6657976" y="2249486"/>
-            <a:ext cx="4029074" cy="2831570"/>
-          </a:xfrm>
-          <a:prstGeom prst="rect">
-            <a:avLst/>
-          </a:prstGeom>
-        </p:spPr>
-      </p:pic>
-    </p:spTree>
-    <p:extLst>
-      <p:ext uri="{BB962C8B-B14F-4D97-AF65-F5344CB8AC3E}">
-        <p14:creationId xmlns:p14="http://schemas.microsoft.com/office/powerpoint/2010/main" val="484608949"/>
-      </p:ext>
-    </p:extLst>
-  </p:cSld>
-  <p:clrMapOvr>
-    <a:masterClrMapping/>
-  </p:clrMapOvr>
-</p:sld>
-</file>
-
-<file path=ppt/slides/slide9.xml><?xml version="1.0" encoding="utf-8"?>
-<p:sld xmlns:a="http://schemas.openxmlformats.org/drawingml/2006/main" xmlns:r="http://schemas.openxmlformats.org/officeDocument/2006/relationships" xmlns:p="http://schemas.openxmlformats.org/presentationml/2006/main">
-  <p:cSld>
-    <p:spTree>
-      <p:nvGrpSpPr>
-        <p:cNvPr id="1" name=""/>
-        <p:cNvGrpSpPr/>
-        <p:nvPr/>
-      </p:nvGrpSpPr>
-      <p:grpSpPr>
-        <a:xfrm>
-          <a:off x="0" y="0"/>
-          <a:ext cx="0" cy="0"/>
-          <a:chOff x="0" y="0"/>
-          <a:chExt cx="0" cy="0"/>
-        </a:xfrm>
-      </p:grpSpPr>
-      <p:sp>
-        <p:nvSpPr>
-          <p:cNvPr id="2" name="Title 1">
-            <a:extLst>
-              <a:ext uri="{FF2B5EF4-FFF2-40B4-BE49-F238E27FC236}">
-                <a16:creationId xmlns:a16="http://schemas.microsoft.com/office/drawing/2014/main" id="{C6704418-2570-4B67-84B0-F52CBAE66A21}"/>
-              </a:ext>
-            </a:extLst>
-          </p:cNvPr>
-          <p:cNvSpPr>
-            <a:spLocks noGrp="1"/>
-          </p:cNvSpPr>
-          <p:nvPr>
-            <p:ph type="title"/>
-          </p:nvPr>
-        </p:nvSpPr>
-        <p:spPr/>
-        <p:txBody>
-          <a:bodyPr/>
-          <a:lstStyle/>
-          <a:p>
-            <a:endParaRPr lang="en-US" dirty="0"/>
-          </a:p>
-        </p:txBody>
-      </p:sp>
-      <p:sp>
-        <p:nvSpPr>
-          <p:cNvPr id="4" name="Content Placeholder 3">
-            <a:extLst>
-              <a:ext uri="{FF2B5EF4-FFF2-40B4-BE49-F238E27FC236}">
-                <a16:creationId xmlns:a16="http://schemas.microsoft.com/office/drawing/2014/main" id="{B4AF996A-3FBC-40B4-A987-98BCEC44639A}"/>
-              </a:ext>
-            </a:extLst>
-          </p:cNvPr>
-          <p:cNvSpPr>
-            <a:spLocks noGrp="1"/>
-          </p:cNvSpPr>
-          <p:nvPr>
-            <p:ph sz="half" idx="2"/>
-          </p:nvPr>
-        </p:nvSpPr>
-        <p:spPr/>
-        <p:txBody>
-          <a:bodyPr/>
-          <a:lstStyle/>
-          <a:p>
-            <a:endParaRPr lang="en-US" dirty="0"/>
-          </a:p>
-        </p:txBody>
-      </p:sp>
-      <p:pic>
-        <p:nvPicPr>
-          <p:cNvPr id="8" name="Content Placeholder 7">
-            <a:extLst>
-              <a:ext uri="{FF2B5EF4-FFF2-40B4-BE49-F238E27FC236}">
-                <a16:creationId xmlns:a16="http://schemas.microsoft.com/office/drawing/2014/main" id="{73A291C5-E546-4D77-99BB-ED20E2A56241}"/>
-              </a:ext>
-            </a:extLst>
-          </p:cNvPr>
-          <p:cNvPicPr>
-            <a:picLocks noGrp="1" noChangeAspect="1"/>
-          </p:cNvPicPr>
-          <p:nvPr>
-            <p:ph sz="half" idx="1"/>
-          </p:nvPr>
-        </p:nvPicPr>
-        <p:blipFill>
-          <a:blip r:embed="rId2"/>
-          <a:stretch>
-            <a:fillRect/>
-          </a:stretch>
-        </p:blipFill>
-        <p:spPr>
-          <a:xfrm>
-            <a:off x="355601" y="2249488"/>
-            <a:ext cx="5652068" cy="4430712"/>
-          </a:xfrm>
-          <a:prstGeom prst="rect">
-            <a:avLst/>
-          </a:prstGeom>
-        </p:spPr>
-      </p:pic>
-    </p:spTree>
-    <p:extLst>
-      <p:ext uri="{BB962C8B-B14F-4D97-AF65-F5344CB8AC3E}">
-        <p14:creationId xmlns:p14="http://schemas.microsoft.com/office/powerpoint/2010/main" val="2660347163"/>
       </p:ext>
     </p:extLst>
   </p:cSld>

--- a/The Dimensions of Happiness.pptx
+++ b/The Dimensions of Happiness.pptx
@@ -15,6 +15,17 @@
     <p:sldId id="262" r:id="rId9"/>
     <p:sldId id="266" r:id="rId10"/>
     <p:sldId id="260" r:id="rId11"/>
+    <p:sldId id="269" r:id="rId12"/>
+    <p:sldId id="270" r:id="rId13"/>
+    <p:sldId id="271" r:id="rId14"/>
+    <p:sldId id="272" r:id="rId15"/>
+    <p:sldId id="273" r:id="rId16"/>
+    <p:sldId id="274" r:id="rId17"/>
+    <p:sldId id="263" r:id="rId18"/>
+    <p:sldId id="275" r:id="rId19"/>
+    <p:sldId id="276" r:id="rId20"/>
+    <p:sldId id="277" r:id="rId21"/>
+    <p:sldId id="265" r:id="rId22"/>
   </p:sldIdLst>
   <p:sldSz cx="12192000" cy="6858000"/>
   <p:notesSz cx="6858000" cy="9144000"/>
@@ -637,7 +648,7 @@
           <a:noFill/>
           <a:extLst>
             <a:ext uri="{909E8E84-426E-40dd-AFC4-6F175D3DCCD1}">
-              <a14:hiddenFill xmlns="" xmlns:a14="http://schemas.microsoft.com/office/drawing/2010/main">
+              <a14:hiddenFill xmlns:a14="http://schemas.microsoft.com/office/drawing/2010/main" xmlns="">
                 <a:solidFill>
                   <a:srgbClr val="FFFFFF"/>
                 </a:solidFill>
@@ -696,7 +707,7 @@
             </a:ln>
             <a:extLst>
               <a:ext uri="{91240B29-F687-4f45-9708-019B960494DF}">
-                <a14:hiddenLine xmlns="" xmlns:a14="http://schemas.microsoft.com/office/drawing/2010/main" w="9525">
+                <a14:hiddenLine xmlns:a14="http://schemas.microsoft.com/office/drawing/2010/main" xmlns="" w="9525">
                   <a:solidFill>
                     <a:srgbClr val="000000"/>
                   </a:solidFill>
@@ -786,7 +797,7 @@
             </a:ln>
             <a:extLst>
               <a:ext uri="{91240B29-F687-4f45-9708-019B960494DF}">
-                <a14:hiddenLine xmlns="" xmlns:a14="http://schemas.microsoft.com/office/drawing/2010/main" w="9525">
+                <a14:hiddenLine xmlns:a14="http://schemas.microsoft.com/office/drawing/2010/main" xmlns="" w="9525">
                   <a:solidFill>
                     <a:srgbClr val="000000"/>
                   </a:solidFill>
@@ -876,7 +887,7 @@
             </a:ln>
             <a:extLst>
               <a:ext uri="{91240B29-F687-4f45-9708-019B960494DF}">
-                <a14:hiddenLine xmlns="" xmlns:a14="http://schemas.microsoft.com/office/drawing/2010/main" w="9525">
+                <a14:hiddenLine xmlns:a14="http://schemas.microsoft.com/office/drawing/2010/main" xmlns="" w="9525">
                   <a:solidFill>
                     <a:srgbClr val="000000"/>
                   </a:solidFill>
@@ -910,7 +921,7 @@
             </a:ln>
             <a:extLst>
               <a:ext uri="{91240B29-F687-4f45-9708-019B960494DF}">
-                <a14:hiddenLine xmlns="" xmlns:a14="http://schemas.microsoft.com/office/drawing/2010/main" w="9525">
+                <a14:hiddenLine xmlns:a14="http://schemas.microsoft.com/office/drawing/2010/main" xmlns="" w="9525">
                   <a:solidFill>
                     <a:srgbClr val="000000"/>
                   </a:solidFill>
@@ -1000,7 +1011,7 @@
             </a:ln>
             <a:extLst>
               <a:ext uri="{91240B29-F687-4f45-9708-019B960494DF}">
-                <a14:hiddenLine xmlns="" xmlns:a14="http://schemas.microsoft.com/office/drawing/2010/main" w="9525">
+                <a14:hiddenLine xmlns:a14="http://schemas.microsoft.com/office/drawing/2010/main" xmlns="" w="9525">
                   <a:solidFill>
                     <a:srgbClr val="000000"/>
                   </a:solidFill>
@@ -1062,7 +1073,7 @@
             </a:ln>
             <a:extLst>
               <a:ext uri="{91240B29-F687-4f45-9708-019B960494DF}">
-                <a14:hiddenLine xmlns="" xmlns:a14="http://schemas.microsoft.com/office/drawing/2010/main" w="9525">
+                <a14:hiddenLine xmlns:a14="http://schemas.microsoft.com/office/drawing/2010/main" xmlns="" w="9525">
                   <a:solidFill>
                     <a:srgbClr val="000000"/>
                   </a:solidFill>
@@ -1124,7 +1135,7 @@
             </a:ln>
             <a:extLst>
               <a:ext uri="{91240B29-F687-4f45-9708-019B960494DF}">
-                <a14:hiddenLine xmlns="" xmlns:a14="http://schemas.microsoft.com/office/drawing/2010/main" w="9525">
+                <a14:hiddenLine xmlns:a14="http://schemas.microsoft.com/office/drawing/2010/main" xmlns="" w="9525">
                   <a:solidFill>
                     <a:srgbClr val="000000"/>
                   </a:solidFill>
@@ -1214,7 +1225,7 @@
             </a:ln>
             <a:extLst>
               <a:ext uri="{91240B29-F687-4f45-9708-019B960494DF}">
-                <a14:hiddenLine xmlns="" xmlns:a14="http://schemas.microsoft.com/office/drawing/2010/main" w="9525">
+                <a14:hiddenLine xmlns:a14="http://schemas.microsoft.com/office/drawing/2010/main" xmlns="" w="9525">
                   <a:solidFill>
                     <a:srgbClr val="000000"/>
                   </a:solidFill>
@@ -1276,7 +1287,7 @@
             </a:ln>
             <a:extLst>
               <a:ext uri="{91240B29-F687-4f45-9708-019B960494DF}">
-                <a14:hiddenLine xmlns="" xmlns:a14="http://schemas.microsoft.com/office/drawing/2010/main" w="9525">
+                <a14:hiddenLine xmlns:a14="http://schemas.microsoft.com/office/drawing/2010/main" xmlns="" w="9525">
                   <a:solidFill>
                     <a:srgbClr val="000000"/>
                   </a:solidFill>
@@ -1338,7 +1349,7 @@
             </a:ln>
             <a:extLst>
               <a:ext uri="{91240B29-F687-4f45-9708-019B960494DF}">
-                <a14:hiddenLine xmlns="" xmlns:a14="http://schemas.microsoft.com/office/drawing/2010/main" w="9525">
+                <a14:hiddenLine xmlns:a14="http://schemas.microsoft.com/office/drawing/2010/main" xmlns="" w="9525">
                   <a:solidFill>
                     <a:srgbClr val="000000"/>
                   </a:solidFill>
@@ -1428,7 +1439,7 @@
             </a:ln>
             <a:extLst>
               <a:ext uri="{91240B29-F687-4f45-9708-019B960494DF}">
-                <a14:hiddenLine xmlns="" xmlns:a14="http://schemas.microsoft.com/office/drawing/2010/main" w="9525">
+                <a14:hiddenLine xmlns:a14="http://schemas.microsoft.com/office/drawing/2010/main" xmlns="" w="9525">
                   <a:solidFill>
                     <a:srgbClr val="000000"/>
                   </a:solidFill>
@@ -1518,7 +1529,7 @@
             </a:ln>
             <a:extLst>
               <a:ext uri="{91240B29-F687-4f45-9708-019B960494DF}">
-                <a14:hiddenLine xmlns="" xmlns:a14="http://schemas.microsoft.com/office/drawing/2010/main" w="9525">
+                <a14:hiddenLine xmlns:a14="http://schemas.microsoft.com/office/drawing/2010/main" xmlns="" w="9525">
                   <a:solidFill>
                     <a:srgbClr val="000000"/>
                   </a:solidFill>
@@ -1580,7 +1591,7 @@
             </a:ln>
             <a:extLst>
               <a:ext uri="{91240B29-F687-4f45-9708-019B960494DF}">
-                <a14:hiddenLine xmlns="" xmlns:a14="http://schemas.microsoft.com/office/drawing/2010/main" w="9525">
+                <a14:hiddenLine xmlns:a14="http://schemas.microsoft.com/office/drawing/2010/main" xmlns="" w="9525">
                   <a:solidFill>
                     <a:srgbClr val="000000"/>
                   </a:solidFill>
@@ -1690,7 +1701,7 @@
             </a:ln>
             <a:extLst>
               <a:ext uri="{91240B29-F687-4f45-9708-019B960494DF}">
-                <a14:hiddenLine xmlns="" xmlns:a14="http://schemas.microsoft.com/office/drawing/2010/main" w="9525">
+                <a14:hiddenLine xmlns:a14="http://schemas.microsoft.com/office/drawing/2010/main" xmlns="" w="9525">
                   <a:solidFill>
                     <a:srgbClr val="000000"/>
                   </a:solidFill>
@@ -1752,7 +1763,7 @@
             </a:ln>
             <a:extLst>
               <a:ext uri="{91240B29-F687-4f45-9708-019B960494DF}">
-                <a14:hiddenLine xmlns="" xmlns:a14="http://schemas.microsoft.com/office/drawing/2010/main" w="9525">
+                <a14:hiddenLine xmlns:a14="http://schemas.microsoft.com/office/drawing/2010/main" xmlns="" w="9525">
                   <a:solidFill>
                     <a:srgbClr val="000000"/>
                   </a:solidFill>
@@ -1842,7 +1853,7 @@
             </a:ln>
             <a:extLst>
               <a:ext uri="{91240B29-F687-4f45-9708-019B960494DF}">
-                <a14:hiddenLine xmlns="" xmlns:a14="http://schemas.microsoft.com/office/drawing/2010/main" w="9525">
+                <a14:hiddenLine xmlns:a14="http://schemas.microsoft.com/office/drawing/2010/main" xmlns="" w="9525">
                   <a:solidFill>
                     <a:srgbClr val="000000"/>
                   </a:solidFill>
@@ -1932,7 +1943,7 @@
             </a:ln>
             <a:extLst>
               <a:ext uri="{91240B29-F687-4f45-9708-019B960494DF}">
-                <a14:hiddenLine xmlns="" xmlns:a14="http://schemas.microsoft.com/office/drawing/2010/main" w="9525">
+                <a14:hiddenLine xmlns:a14="http://schemas.microsoft.com/office/drawing/2010/main" xmlns="" w="9525">
                   <a:solidFill>
                     <a:srgbClr val="000000"/>
                   </a:solidFill>
@@ -1994,7 +2005,7 @@
             </a:ln>
             <a:extLst>
               <a:ext uri="{91240B29-F687-4f45-9708-019B960494DF}">
-                <a14:hiddenLine xmlns="" xmlns:a14="http://schemas.microsoft.com/office/drawing/2010/main" w="9525">
+                <a14:hiddenLine xmlns:a14="http://schemas.microsoft.com/office/drawing/2010/main" xmlns="" w="9525">
                   <a:solidFill>
                     <a:srgbClr val="000000"/>
                   </a:solidFill>
@@ -2084,7 +2095,7 @@
             </a:ln>
             <a:extLst>
               <a:ext uri="{91240B29-F687-4f45-9708-019B960494DF}">
-                <a14:hiddenLine xmlns="" xmlns:a14="http://schemas.microsoft.com/office/drawing/2010/main" w="9525">
+                <a14:hiddenLine xmlns:a14="http://schemas.microsoft.com/office/drawing/2010/main" xmlns="" w="9525">
                   <a:solidFill>
                     <a:srgbClr val="000000"/>
                   </a:solidFill>
@@ -2174,7 +2185,7 @@
             </a:ln>
             <a:extLst>
               <a:ext uri="{91240B29-F687-4f45-9708-019B960494DF}">
-                <a14:hiddenLine xmlns="" xmlns:a14="http://schemas.microsoft.com/office/drawing/2010/main" w="9525">
+                <a14:hiddenLine xmlns:a14="http://schemas.microsoft.com/office/drawing/2010/main" xmlns="" w="9525">
                   <a:solidFill>
                     <a:srgbClr val="000000"/>
                   </a:solidFill>
@@ -2230,7 +2241,7 @@
             </a:ln>
             <a:extLst>
               <a:ext uri="{91240B29-F687-4f45-9708-019B960494DF}">
-                <a14:hiddenLine xmlns="" xmlns:a14="http://schemas.microsoft.com/office/drawing/2010/main" w="9525">
+                <a14:hiddenLine xmlns:a14="http://schemas.microsoft.com/office/drawing/2010/main" xmlns="" w="9525">
                   <a:solidFill>
                     <a:srgbClr val="000000"/>
                   </a:solidFill>
@@ -2320,7 +2331,7 @@
             </a:ln>
             <a:extLst>
               <a:ext uri="{91240B29-F687-4f45-9708-019B960494DF}">
-                <a14:hiddenLine xmlns="" xmlns:a14="http://schemas.microsoft.com/office/drawing/2010/main" w="9525">
+                <a14:hiddenLine xmlns:a14="http://schemas.microsoft.com/office/drawing/2010/main" xmlns="" w="9525">
                   <a:solidFill>
                     <a:srgbClr val="000000"/>
                   </a:solidFill>
@@ -2376,7 +2387,7 @@
             </a:ln>
             <a:extLst>
               <a:ext uri="{91240B29-F687-4f45-9708-019B960494DF}">
-                <a14:hiddenLine xmlns="" xmlns:a14="http://schemas.microsoft.com/office/drawing/2010/main" w="9525">
+                <a14:hiddenLine xmlns:a14="http://schemas.microsoft.com/office/drawing/2010/main" xmlns="" w="9525">
                   <a:solidFill>
                     <a:srgbClr val="000000"/>
                   </a:solidFill>
@@ -2466,7 +2477,7 @@
             </a:ln>
             <a:extLst>
               <a:ext uri="{91240B29-F687-4f45-9708-019B960494DF}">
-                <a14:hiddenLine xmlns="" xmlns:a14="http://schemas.microsoft.com/office/drawing/2010/main" w="9525">
+                <a14:hiddenLine xmlns:a14="http://schemas.microsoft.com/office/drawing/2010/main" xmlns="" w="9525">
                   <a:solidFill>
                     <a:srgbClr val="000000"/>
                   </a:solidFill>
@@ -2534,7 +2545,7 @@
             </a:ln>
             <a:extLst>
               <a:ext uri="{91240B29-F687-4f45-9708-019B960494DF}">
-                <a14:hiddenLine xmlns="" xmlns:a14="http://schemas.microsoft.com/office/drawing/2010/main" w="9525">
+                <a14:hiddenLine xmlns:a14="http://schemas.microsoft.com/office/drawing/2010/main" xmlns="" w="9525">
                   <a:solidFill>
                     <a:srgbClr val="000000"/>
                   </a:solidFill>
@@ -2624,7 +2635,7 @@
             </a:ln>
             <a:extLst>
               <a:ext uri="{91240B29-F687-4f45-9708-019B960494DF}">
-                <a14:hiddenLine xmlns="" xmlns:a14="http://schemas.microsoft.com/office/drawing/2010/main" w="9525">
+                <a14:hiddenLine xmlns:a14="http://schemas.microsoft.com/office/drawing/2010/main" xmlns="" w="9525">
                   <a:solidFill>
                     <a:srgbClr val="000000"/>
                   </a:solidFill>
@@ -2692,7 +2703,7 @@
             </a:ln>
             <a:extLst>
               <a:ext uri="{91240B29-F687-4f45-9708-019B960494DF}">
-                <a14:hiddenLine xmlns="" xmlns:a14="http://schemas.microsoft.com/office/drawing/2010/main" w="9525">
+                <a14:hiddenLine xmlns:a14="http://schemas.microsoft.com/office/drawing/2010/main" xmlns="" w="9525">
                   <a:solidFill>
                     <a:srgbClr val="000000"/>
                   </a:solidFill>
@@ -2782,7 +2793,7 @@
             </a:ln>
             <a:extLst>
               <a:ext uri="{91240B29-F687-4f45-9708-019B960494DF}">
-                <a14:hiddenLine xmlns="" xmlns:a14="http://schemas.microsoft.com/office/drawing/2010/main" w="9525">
+                <a14:hiddenLine xmlns:a14="http://schemas.microsoft.com/office/drawing/2010/main" xmlns="" w="9525">
                   <a:solidFill>
                     <a:srgbClr val="000000"/>
                   </a:solidFill>
@@ -2816,7 +2827,7 @@
             </a:ln>
             <a:extLst>
               <a:ext uri="{91240B29-F687-4f45-9708-019B960494DF}">
-                <a14:hiddenLine xmlns="" xmlns:a14="http://schemas.microsoft.com/office/drawing/2010/main" w="9525">
+                <a14:hiddenLine xmlns:a14="http://schemas.microsoft.com/office/drawing/2010/main" xmlns="" w="9525">
                   <a:solidFill>
                     <a:srgbClr val="000000"/>
                   </a:solidFill>
@@ -2906,7 +2917,7 @@
             </a:ln>
             <a:extLst>
               <a:ext uri="{91240B29-F687-4f45-9708-019B960494DF}">
-                <a14:hiddenLine xmlns="" xmlns:a14="http://schemas.microsoft.com/office/drawing/2010/main" w="9525">
+                <a14:hiddenLine xmlns:a14="http://schemas.microsoft.com/office/drawing/2010/main" xmlns="" w="9525">
                   <a:solidFill>
                     <a:srgbClr val="000000"/>
                   </a:solidFill>
@@ -2968,7 +2979,7 @@
             </a:ln>
             <a:extLst>
               <a:ext uri="{91240B29-F687-4f45-9708-019B960494DF}">
-                <a14:hiddenLine xmlns="" xmlns:a14="http://schemas.microsoft.com/office/drawing/2010/main" w="9525">
+                <a14:hiddenLine xmlns:a14="http://schemas.microsoft.com/office/drawing/2010/main" xmlns="" w="9525">
                   <a:solidFill>
                     <a:srgbClr val="000000"/>
                   </a:solidFill>
@@ -3030,7 +3041,7 @@
             </a:ln>
             <a:extLst>
               <a:ext uri="{91240B29-F687-4f45-9708-019B960494DF}">
-                <a14:hiddenLine xmlns="" xmlns:a14="http://schemas.microsoft.com/office/drawing/2010/main" w="9525">
+                <a14:hiddenLine xmlns:a14="http://schemas.microsoft.com/office/drawing/2010/main" xmlns="" w="9525">
                   <a:solidFill>
                     <a:srgbClr val="000000"/>
                   </a:solidFill>
@@ -3120,7 +3131,7 @@
             </a:ln>
             <a:extLst>
               <a:ext uri="{91240B29-F687-4f45-9708-019B960494DF}">
-                <a14:hiddenLine xmlns="" xmlns:a14="http://schemas.microsoft.com/office/drawing/2010/main" w="9525">
+                <a14:hiddenLine xmlns:a14="http://schemas.microsoft.com/office/drawing/2010/main" xmlns="" w="9525">
                   <a:solidFill>
                     <a:srgbClr val="000000"/>
                   </a:solidFill>
@@ -3188,7 +3199,7 @@
             </a:ln>
             <a:extLst>
               <a:ext uri="{91240B29-F687-4f45-9708-019B960494DF}">
-                <a14:hiddenLine xmlns="" xmlns:a14="http://schemas.microsoft.com/office/drawing/2010/main" w="9525">
+                <a14:hiddenLine xmlns:a14="http://schemas.microsoft.com/office/drawing/2010/main" xmlns="" w="9525">
                   <a:solidFill>
                     <a:srgbClr val="000000"/>
                   </a:solidFill>
@@ -3250,7 +3261,7 @@
             </a:ln>
             <a:extLst>
               <a:ext uri="{91240B29-F687-4f45-9708-019B960494DF}">
-                <a14:hiddenLine xmlns="" xmlns:a14="http://schemas.microsoft.com/office/drawing/2010/main" w="9525">
+                <a14:hiddenLine xmlns:a14="http://schemas.microsoft.com/office/drawing/2010/main" xmlns="" w="9525">
                   <a:solidFill>
                     <a:srgbClr val="000000"/>
                   </a:solidFill>
@@ -3340,7 +3351,7 @@
             </a:ln>
             <a:extLst>
               <a:ext uri="{91240B29-F687-4f45-9708-019B960494DF}">
-                <a14:hiddenLine xmlns="" xmlns:a14="http://schemas.microsoft.com/office/drawing/2010/main" w="9525">
+                <a14:hiddenLine xmlns:a14="http://schemas.microsoft.com/office/drawing/2010/main" xmlns="" w="9525">
                   <a:solidFill>
                     <a:srgbClr val="000000"/>
                   </a:solidFill>
@@ -3402,7 +3413,7 @@
             </a:ln>
             <a:extLst>
               <a:ext uri="{91240B29-F687-4f45-9708-019B960494DF}">
-                <a14:hiddenLine xmlns="" xmlns:a14="http://schemas.microsoft.com/office/drawing/2010/main" w="9525">
+                <a14:hiddenLine xmlns:a14="http://schemas.microsoft.com/office/drawing/2010/main" xmlns="" w="9525">
                   <a:solidFill>
                     <a:srgbClr val="000000"/>
                   </a:solidFill>
@@ -3492,7 +3503,7 @@
             </a:ln>
             <a:extLst>
               <a:ext uri="{91240B29-F687-4f45-9708-019B960494DF}">
-                <a14:hiddenLine xmlns="" xmlns:a14="http://schemas.microsoft.com/office/drawing/2010/main" w="9525">
+                <a14:hiddenLine xmlns:a14="http://schemas.microsoft.com/office/drawing/2010/main" xmlns="" w="9525">
                   <a:solidFill>
                     <a:srgbClr val="000000"/>
                   </a:solidFill>
@@ -3554,7 +3565,7 @@
             </a:ln>
             <a:extLst>
               <a:ext uri="{91240B29-F687-4f45-9708-019B960494DF}">
-                <a14:hiddenLine xmlns="" xmlns:a14="http://schemas.microsoft.com/office/drawing/2010/main" w="9525">
+                <a14:hiddenLine xmlns:a14="http://schemas.microsoft.com/office/drawing/2010/main" xmlns="" w="9525">
                   <a:solidFill>
                     <a:srgbClr val="000000"/>
                   </a:solidFill>
@@ -3644,7 +3655,7 @@
             </a:ln>
             <a:extLst>
               <a:ext uri="{91240B29-F687-4f45-9708-019B960494DF}">
-                <a14:hiddenLine xmlns="" xmlns:a14="http://schemas.microsoft.com/office/drawing/2010/main" w="9525">
+                <a14:hiddenLine xmlns:a14="http://schemas.microsoft.com/office/drawing/2010/main" xmlns="" w="9525">
                   <a:solidFill>
                     <a:srgbClr val="000000"/>
                   </a:solidFill>
@@ -3678,7 +3689,7 @@
             </a:ln>
             <a:extLst>
               <a:ext uri="{91240B29-F687-4f45-9708-019B960494DF}">
-                <a14:hiddenLine xmlns="" xmlns:a14="http://schemas.microsoft.com/office/drawing/2010/main" w="9525">
+                <a14:hiddenLine xmlns:a14="http://schemas.microsoft.com/office/drawing/2010/main" xmlns="" w="9525">
                   <a:solidFill>
                     <a:srgbClr val="000000"/>
                   </a:solidFill>
@@ -3743,7 +3754,7 @@
             </a:ln>
             <a:extLst>
               <a:ext uri="{91240B29-F687-4f45-9708-019B960494DF}">
-                <a14:hiddenLine xmlns="" xmlns:a14="http://schemas.microsoft.com/office/drawing/2010/main" w="9525">
+                <a14:hiddenLine xmlns:a14="http://schemas.microsoft.com/office/drawing/2010/main" xmlns="" w="9525">
                   <a:solidFill>
                     <a:srgbClr val="000000"/>
                   </a:solidFill>
@@ -3833,7 +3844,7 @@
             </a:ln>
             <a:extLst>
               <a:ext uri="{91240B29-F687-4f45-9708-019B960494DF}">
-                <a14:hiddenLine xmlns="" xmlns:a14="http://schemas.microsoft.com/office/drawing/2010/main" w="9525">
+                <a14:hiddenLine xmlns:a14="http://schemas.microsoft.com/office/drawing/2010/main" xmlns="" w="9525">
                   <a:solidFill>
                     <a:srgbClr val="000000"/>
                   </a:solidFill>
@@ -3895,7 +3906,7 @@
             </a:ln>
             <a:extLst>
               <a:ext uri="{91240B29-F687-4f45-9708-019B960494DF}">
-                <a14:hiddenLine xmlns="" xmlns:a14="http://schemas.microsoft.com/office/drawing/2010/main" w="9525">
+                <a14:hiddenLine xmlns:a14="http://schemas.microsoft.com/office/drawing/2010/main" xmlns="" w="9525">
                   <a:solidFill>
                     <a:srgbClr val="000000"/>
                   </a:solidFill>
@@ -3985,7 +3996,7 @@
             </a:ln>
             <a:extLst>
               <a:ext uri="{91240B29-F687-4f45-9708-019B960494DF}">
-                <a14:hiddenLine xmlns="" xmlns:a14="http://schemas.microsoft.com/office/drawing/2010/main" w="9525">
+                <a14:hiddenLine xmlns:a14="http://schemas.microsoft.com/office/drawing/2010/main" xmlns="" w="9525">
                   <a:solidFill>
                     <a:srgbClr val="000000"/>
                   </a:solidFill>
@@ -4075,7 +4086,7 @@
             </a:ln>
             <a:extLst>
               <a:ext uri="{91240B29-F687-4f45-9708-019B960494DF}">
-                <a14:hiddenLine xmlns="" xmlns:a14="http://schemas.microsoft.com/office/drawing/2010/main" w="9525">
+                <a14:hiddenLine xmlns:a14="http://schemas.microsoft.com/office/drawing/2010/main" xmlns="" w="9525">
                   <a:solidFill>
                     <a:srgbClr val="000000"/>
                   </a:solidFill>
@@ -4140,7 +4151,7 @@
             </a:ln>
             <a:extLst>
               <a:ext uri="{91240B29-F687-4f45-9708-019B960494DF}">
-                <a14:hiddenLine xmlns="" xmlns:a14="http://schemas.microsoft.com/office/drawing/2010/main" w="9525">
+                <a14:hiddenLine xmlns:a14="http://schemas.microsoft.com/office/drawing/2010/main" xmlns="" w="9525">
                   <a:solidFill>
                     <a:srgbClr val="000000"/>
                   </a:solidFill>
@@ -4202,7 +4213,7 @@
             </a:ln>
             <a:extLst>
               <a:ext uri="{91240B29-F687-4f45-9708-019B960494DF}">
-                <a14:hiddenLine xmlns="" xmlns:a14="http://schemas.microsoft.com/office/drawing/2010/main" w="9525">
+                <a14:hiddenLine xmlns:a14="http://schemas.microsoft.com/office/drawing/2010/main" xmlns="" w="9525">
                   <a:solidFill>
                     <a:srgbClr val="000000"/>
                   </a:solidFill>
@@ -4292,7 +4303,7 @@
             </a:ln>
             <a:extLst>
               <a:ext uri="{91240B29-F687-4f45-9708-019B960494DF}">
-                <a14:hiddenLine xmlns="" xmlns:a14="http://schemas.microsoft.com/office/drawing/2010/main" w="9525">
+                <a14:hiddenLine xmlns:a14="http://schemas.microsoft.com/office/drawing/2010/main" xmlns="" w="9525">
                   <a:solidFill>
                     <a:srgbClr val="000000"/>
                   </a:solidFill>
@@ -4382,7 +4393,7 @@
             </a:ln>
             <a:extLst>
               <a:ext uri="{91240B29-F687-4f45-9708-019B960494DF}">
-                <a14:hiddenLine xmlns="" xmlns:a14="http://schemas.microsoft.com/office/drawing/2010/main" w="9525">
+                <a14:hiddenLine xmlns:a14="http://schemas.microsoft.com/office/drawing/2010/main" xmlns="" w="9525">
                   <a:solidFill>
                     <a:srgbClr val="000000"/>
                   </a:solidFill>
@@ -4444,7 +4455,7 @@
             </a:ln>
             <a:extLst>
               <a:ext uri="{91240B29-F687-4f45-9708-019B960494DF}">
-                <a14:hiddenLine xmlns="" xmlns:a14="http://schemas.microsoft.com/office/drawing/2010/main" w="9525">
+                <a14:hiddenLine xmlns:a14="http://schemas.microsoft.com/office/drawing/2010/main" xmlns="" w="9525">
                   <a:solidFill>
                     <a:srgbClr val="000000"/>
                   </a:solidFill>
@@ -4564,7 +4575,7 @@
             </a:ln>
             <a:extLst>
               <a:ext uri="{91240B29-F687-4f45-9708-019B960494DF}">
-                <a14:hiddenLine xmlns="" xmlns:a14="http://schemas.microsoft.com/office/drawing/2010/main" w="9525">
+                <a14:hiddenLine xmlns:a14="http://schemas.microsoft.com/office/drawing/2010/main" xmlns="" w="9525">
                   <a:solidFill>
                     <a:srgbClr val="000000"/>
                   </a:solidFill>
@@ -4632,7 +4643,7 @@
             </a:ln>
             <a:extLst>
               <a:ext uri="{91240B29-F687-4f45-9708-019B960494DF}">
-                <a14:hiddenLine xmlns="" xmlns:a14="http://schemas.microsoft.com/office/drawing/2010/main" w="9525">
+                <a14:hiddenLine xmlns:a14="http://schemas.microsoft.com/office/drawing/2010/main" xmlns="" w="9525">
                   <a:solidFill>
                     <a:srgbClr val="000000"/>
                   </a:solidFill>
@@ -4722,7 +4733,7 @@
             </a:ln>
             <a:extLst>
               <a:ext uri="{91240B29-F687-4f45-9708-019B960494DF}">
-                <a14:hiddenLine xmlns="" xmlns:a14="http://schemas.microsoft.com/office/drawing/2010/main" w="9525">
+                <a14:hiddenLine xmlns:a14="http://schemas.microsoft.com/office/drawing/2010/main" xmlns="" w="9525">
                   <a:solidFill>
                     <a:srgbClr val="000000"/>
                   </a:solidFill>
@@ -9552,7 +9563,7 @@
           <a:noFill/>
           <a:extLst>
             <a:ext uri="{909E8E84-426E-40dd-AFC4-6F175D3DCCD1}">
-              <a14:hiddenFill xmlns="" xmlns:a14="http://schemas.microsoft.com/office/drawing/2010/main">
+              <a14:hiddenFill xmlns:a14="http://schemas.microsoft.com/office/drawing/2010/main" xmlns="">
                 <a:solidFill>
                   <a:srgbClr val="FFFFFF"/>
                 </a:solidFill>
@@ -9626,7 +9637,7 @@
               </a:ln>
               <a:extLst>
                 <a:ext uri="{91240B29-F687-4f45-9708-019B960494DF}">
-                  <a14:hiddenLine xmlns="" xmlns:a14="http://schemas.microsoft.com/office/drawing/2010/main" w="9525">
+                  <a14:hiddenLine xmlns:a14="http://schemas.microsoft.com/office/drawing/2010/main" xmlns="" w="9525">
                     <a:solidFill>
                       <a:srgbClr val="000000"/>
                     </a:solidFill>
@@ -9716,7 +9727,7 @@
               </a:ln>
               <a:extLst>
                 <a:ext uri="{91240B29-F687-4f45-9708-019B960494DF}">
-                  <a14:hiddenLine xmlns="" xmlns:a14="http://schemas.microsoft.com/office/drawing/2010/main" w="9525">
+                  <a14:hiddenLine xmlns:a14="http://schemas.microsoft.com/office/drawing/2010/main" xmlns="" w="9525">
                     <a:solidFill>
                       <a:srgbClr val="000000"/>
                     </a:solidFill>
@@ -9806,7 +9817,7 @@
               </a:ln>
               <a:extLst>
                 <a:ext uri="{91240B29-F687-4f45-9708-019B960494DF}">
-                  <a14:hiddenLine xmlns="" xmlns:a14="http://schemas.microsoft.com/office/drawing/2010/main" w="9525">
+                  <a14:hiddenLine xmlns:a14="http://schemas.microsoft.com/office/drawing/2010/main" xmlns="" w="9525">
                     <a:solidFill>
                       <a:srgbClr val="000000"/>
                     </a:solidFill>
@@ -9868,7 +9879,7 @@
               </a:ln>
               <a:extLst>
                 <a:ext uri="{91240B29-F687-4f45-9708-019B960494DF}">
-                  <a14:hiddenLine xmlns="" xmlns:a14="http://schemas.microsoft.com/office/drawing/2010/main" w="9525">
+                  <a14:hiddenLine xmlns:a14="http://schemas.microsoft.com/office/drawing/2010/main" xmlns="" w="9525">
                     <a:solidFill>
                       <a:srgbClr val="000000"/>
                     </a:solidFill>
@@ -9958,7 +9969,7 @@
               </a:ln>
               <a:extLst>
                 <a:ext uri="{91240B29-F687-4f45-9708-019B960494DF}">
-                  <a14:hiddenLine xmlns="" xmlns:a14="http://schemas.microsoft.com/office/drawing/2010/main" w="9525">
+                  <a14:hiddenLine xmlns:a14="http://schemas.microsoft.com/office/drawing/2010/main" xmlns="" w="9525">
                     <a:solidFill>
                       <a:srgbClr val="000000"/>
                     </a:solidFill>
@@ -10020,7 +10031,7 @@
               </a:ln>
               <a:extLst>
                 <a:ext uri="{91240B29-F687-4f45-9708-019B960494DF}">
-                  <a14:hiddenLine xmlns="" xmlns:a14="http://schemas.microsoft.com/office/drawing/2010/main" w="9525">
+                  <a14:hiddenLine xmlns:a14="http://schemas.microsoft.com/office/drawing/2010/main" xmlns="" w="9525">
                     <a:solidFill>
                       <a:srgbClr val="000000"/>
                     </a:solidFill>
@@ -10082,7 +10093,7 @@
               </a:ln>
               <a:extLst>
                 <a:ext uri="{91240B29-F687-4f45-9708-019B960494DF}">
-                  <a14:hiddenLine xmlns="" xmlns:a14="http://schemas.microsoft.com/office/drawing/2010/main" w="9525">
+                  <a14:hiddenLine xmlns:a14="http://schemas.microsoft.com/office/drawing/2010/main" xmlns="" w="9525">
                     <a:solidFill>
                       <a:srgbClr val="000000"/>
                     </a:solidFill>
@@ -10172,7 +10183,7 @@
               </a:ln>
               <a:extLst>
                 <a:ext uri="{91240B29-F687-4f45-9708-019B960494DF}">
-                  <a14:hiddenLine xmlns="" xmlns:a14="http://schemas.microsoft.com/office/drawing/2010/main" w="9525">
+                  <a14:hiddenLine xmlns:a14="http://schemas.microsoft.com/office/drawing/2010/main" xmlns="" w="9525">
                     <a:solidFill>
                       <a:srgbClr val="000000"/>
                     </a:solidFill>
@@ -10262,7 +10273,7 @@
               </a:ln>
               <a:extLst>
                 <a:ext uri="{91240B29-F687-4f45-9708-019B960494DF}">
-                  <a14:hiddenLine xmlns="" xmlns:a14="http://schemas.microsoft.com/office/drawing/2010/main" w="9525">
+                  <a14:hiddenLine xmlns:a14="http://schemas.microsoft.com/office/drawing/2010/main" xmlns="" w="9525">
                     <a:solidFill>
                       <a:srgbClr val="000000"/>
                     </a:solidFill>
@@ -10324,7 +10335,7 @@
               </a:ln>
               <a:extLst>
                 <a:ext uri="{91240B29-F687-4f45-9708-019B960494DF}">
-                  <a14:hiddenLine xmlns="" xmlns:a14="http://schemas.microsoft.com/office/drawing/2010/main" w="9525">
+                  <a14:hiddenLine xmlns:a14="http://schemas.microsoft.com/office/drawing/2010/main" xmlns="" w="9525">
                     <a:solidFill>
                       <a:srgbClr val="000000"/>
                     </a:solidFill>
@@ -10434,7 +10445,7 @@
               </a:ln>
               <a:extLst>
                 <a:ext uri="{91240B29-F687-4f45-9708-019B960494DF}">
-                  <a14:hiddenLine xmlns="" xmlns:a14="http://schemas.microsoft.com/office/drawing/2010/main" w="9525">
+                  <a14:hiddenLine xmlns:a14="http://schemas.microsoft.com/office/drawing/2010/main" xmlns="" w="9525">
                     <a:solidFill>
                       <a:srgbClr val="000000"/>
                     </a:solidFill>
@@ -10518,7 +10529,7 @@
               </a:ln>
               <a:extLst>
                 <a:ext uri="{91240B29-F687-4f45-9708-019B960494DF}">
-                  <a14:hiddenLine xmlns="" xmlns:a14="http://schemas.microsoft.com/office/drawing/2010/main" w="9525">
+                  <a14:hiddenLine xmlns:a14="http://schemas.microsoft.com/office/drawing/2010/main" xmlns="" w="9525">
                     <a:solidFill>
                       <a:srgbClr val="000000"/>
                     </a:solidFill>
@@ -10580,7 +10591,7 @@
               </a:ln>
               <a:extLst>
                 <a:ext uri="{91240B29-F687-4f45-9708-019B960494DF}">
-                  <a14:hiddenLine xmlns="" xmlns:a14="http://schemas.microsoft.com/office/drawing/2010/main" w="9525">
+                  <a14:hiddenLine xmlns:a14="http://schemas.microsoft.com/office/drawing/2010/main" xmlns="" w="9525">
                     <a:solidFill>
                       <a:srgbClr val="000000"/>
                     </a:solidFill>
@@ -10642,7 +10653,7 @@
               </a:ln>
               <a:extLst>
                 <a:ext uri="{91240B29-F687-4f45-9708-019B960494DF}">
-                  <a14:hiddenLine xmlns="" xmlns:a14="http://schemas.microsoft.com/office/drawing/2010/main" w="9525">
+                  <a14:hiddenLine xmlns:a14="http://schemas.microsoft.com/office/drawing/2010/main" xmlns="" w="9525">
                     <a:solidFill>
                       <a:srgbClr val="000000"/>
                     </a:solidFill>
@@ -10732,7 +10743,7 @@
               </a:ln>
               <a:extLst>
                 <a:ext uri="{91240B29-F687-4f45-9708-019B960494DF}">
-                  <a14:hiddenLine xmlns="" xmlns:a14="http://schemas.microsoft.com/office/drawing/2010/main" w="9525">
+                  <a14:hiddenLine xmlns:a14="http://schemas.microsoft.com/office/drawing/2010/main" xmlns="" w="9525">
                     <a:solidFill>
                       <a:srgbClr val="000000"/>
                     </a:solidFill>
@@ -10766,7 +10777,7 @@
               </a:ln>
               <a:extLst>
                 <a:ext uri="{91240B29-F687-4f45-9708-019B960494DF}">
-                  <a14:hiddenLine xmlns="" xmlns:a14="http://schemas.microsoft.com/office/drawing/2010/main" w="9525">
+                  <a14:hiddenLine xmlns:a14="http://schemas.microsoft.com/office/drawing/2010/main" xmlns="" w="9525">
                     <a:solidFill>
                       <a:srgbClr val="000000"/>
                     </a:solidFill>
@@ -10831,7 +10842,7 @@
               </a:ln>
               <a:extLst>
                 <a:ext uri="{91240B29-F687-4f45-9708-019B960494DF}">
-                  <a14:hiddenLine xmlns="" xmlns:a14="http://schemas.microsoft.com/office/drawing/2010/main" w="9525">
+                  <a14:hiddenLine xmlns:a14="http://schemas.microsoft.com/office/drawing/2010/main" xmlns="" w="9525">
                     <a:solidFill>
                       <a:srgbClr val="000000"/>
                     </a:solidFill>
@@ -10921,7 +10932,7 @@
               </a:ln>
               <a:extLst>
                 <a:ext uri="{91240B29-F687-4f45-9708-019B960494DF}">
-                  <a14:hiddenLine xmlns="" xmlns:a14="http://schemas.microsoft.com/office/drawing/2010/main" w="9525">
+                  <a14:hiddenLine xmlns:a14="http://schemas.microsoft.com/office/drawing/2010/main" xmlns="" w="9525">
                     <a:solidFill>
                       <a:srgbClr val="000000"/>
                     </a:solidFill>
@@ -10983,7 +10994,7 @@
               </a:ln>
               <a:extLst>
                 <a:ext uri="{91240B29-F687-4f45-9708-019B960494DF}">
-                  <a14:hiddenLine xmlns="" xmlns:a14="http://schemas.microsoft.com/office/drawing/2010/main" w="9525">
+                  <a14:hiddenLine xmlns:a14="http://schemas.microsoft.com/office/drawing/2010/main" xmlns="" w="9525">
                     <a:solidFill>
                       <a:srgbClr val="000000"/>
                     </a:solidFill>
@@ -11073,7 +11084,7 @@
               </a:ln>
               <a:extLst>
                 <a:ext uri="{91240B29-F687-4f45-9708-019B960494DF}">
-                  <a14:hiddenLine xmlns="" xmlns:a14="http://schemas.microsoft.com/office/drawing/2010/main" w="9525">
+                  <a14:hiddenLine xmlns:a14="http://schemas.microsoft.com/office/drawing/2010/main" xmlns="" w="9525">
                     <a:solidFill>
                       <a:srgbClr val="000000"/>
                     </a:solidFill>
@@ -11138,7 +11149,7 @@
               </a:ln>
               <a:extLst>
                 <a:ext uri="{91240B29-F687-4f45-9708-019B960494DF}">
-                  <a14:hiddenLine xmlns="" xmlns:a14="http://schemas.microsoft.com/office/drawing/2010/main" w="9525">
+                  <a14:hiddenLine xmlns:a14="http://schemas.microsoft.com/office/drawing/2010/main" xmlns="" w="9525">
                     <a:solidFill>
                       <a:srgbClr val="000000"/>
                     </a:solidFill>
@@ -11200,7 +11211,7 @@
               </a:ln>
               <a:extLst>
                 <a:ext uri="{91240B29-F687-4f45-9708-019B960494DF}">
-                  <a14:hiddenLine xmlns="" xmlns:a14="http://schemas.microsoft.com/office/drawing/2010/main" w="9525">
+                  <a14:hiddenLine xmlns:a14="http://schemas.microsoft.com/office/drawing/2010/main" xmlns="" w="9525">
                     <a:solidFill>
                       <a:srgbClr val="000000"/>
                     </a:solidFill>
@@ -11290,7 +11301,7 @@
               </a:ln>
               <a:extLst>
                 <a:ext uri="{91240B29-F687-4f45-9708-019B960494DF}">
-                  <a14:hiddenLine xmlns="" xmlns:a14="http://schemas.microsoft.com/office/drawing/2010/main" w="9525">
+                  <a14:hiddenLine xmlns:a14="http://schemas.microsoft.com/office/drawing/2010/main" xmlns="" w="9525">
                     <a:solidFill>
                       <a:srgbClr val="000000"/>
                     </a:solidFill>
@@ -11380,7 +11391,7 @@
               </a:ln>
               <a:extLst>
                 <a:ext uri="{91240B29-F687-4f45-9708-019B960494DF}">
-                  <a14:hiddenLine xmlns="" xmlns:a14="http://schemas.microsoft.com/office/drawing/2010/main" w="9525">
+                  <a14:hiddenLine xmlns:a14="http://schemas.microsoft.com/office/drawing/2010/main" xmlns="" w="9525">
                     <a:solidFill>
                       <a:srgbClr val="000000"/>
                     </a:solidFill>
@@ -11445,7 +11456,7 @@
               </a:ln>
               <a:extLst>
                 <a:ext uri="{91240B29-F687-4f45-9708-019B960494DF}">
-                  <a14:hiddenLine xmlns="" xmlns:a14="http://schemas.microsoft.com/office/drawing/2010/main" w="9525">
+                  <a14:hiddenLine xmlns:a14="http://schemas.microsoft.com/office/drawing/2010/main" xmlns="" w="9525">
                     <a:solidFill>
                       <a:srgbClr val="000000"/>
                     </a:solidFill>
@@ -11565,7 +11576,7 @@
               </a:ln>
               <a:extLst>
                 <a:ext uri="{91240B29-F687-4f45-9708-019B960494DF}">
-                  <a14:hiddenLine xmlns="" xmlns:a14="http://schemas.microsoft.com/office/drawing/2010/main" w="9525">
+                  <a14:hiddenLine xmlns:a14="http://schemas.microsoft.com/office/drawing/2010/main" xmlns="" w="9525">
                     <a:solidFill>
                       <a:srgbClr val="000000"/>
                     </a:solidFill>
@@ -11646,7 +11657,7 @@
               </a:ln>
               <a:extLst>
                 <a:ext uri="{91240B29-F687-4f45-9708-019B960494DF}">
-                  <a14:hiddenLine xmlns="" xmlns:a14="http://schemas.microsoft.com/office/drawing/2010/main" w="9525">
+                  <a14:hiddenLine xmlns:a14="http://schemas.microsoft.com/office/drawing/2010/main" xmlns="" w="9525">
                     <a:solidFill>
                       <a:srgbClr val="000000"/>
                     </a:solidFill>
@@ -11761,7 +11772,7 @@
               </a:ln>
               <a:extLst>
                 <a:ext uri="{91240B29-F687-4f45-9708-019B960494DF}">
-                  <a14:hiddenLine xmlns="" xmlns:a14="http://schemas.microsoft.com/office/drawing/2010/main" w="9525">
+                  <a14:hiddenLine xmlns:a14="http://schemas.microsoft.com/office/drawing/2010/main" xmlns="" w="9525">
                     <a:solidFill>
                       <a:srgbClr val="000000"/>
                     </a:solidFill>
@@ -11851,7 +11862,7 @@
               </a:ln>
               <a:extLst>
                 <a:ext uri="{91240B29-F687-4f45-9708-019B960494DF}">
-                  <a14:hiddenLine xmlns="" xmlns:a14="http://schemas.microsoft.com/office/drawing/2010/main" w="9525">
+                  <a14:hiddenLine xmlns:a14="http://schemas.microsoft.com/office/drawing/2010/main" xmlns="" w="9525">
                     <a:solidFill>
                       <a:srgbClr val="000000"/>
                     </a:solidFill>
@@ -11916,7 +11927,7 @@
               </a:ln>
               <a:extLst>
                 <a:ext uri="{91240B29-F687-4f45-9708-019B960494DF}">
-                  <a14:hiddenLine xmlns="" xmlns:a14="http://schemas.microsoft.com/office/drawing/2010/main" w="9525">
+                  <a14:hiddenLine xmlns:a14="http://schemas.microsoft.com/office/drawing/2010/main" xmlns="" w="9525">
                     <a:solidFill>
                       <a:srgbClr val="000000"/>
                     </a:solidFill>
@@ -12006,7 +12017,7 @@
               </a:ln>
               <a:extLst>
                 <a:ext uri="{91240B29-F687-4f45-9708-019B960494DF}">
-                  <a14:hiddenLine xmlns="" xmlns:a14="http://schemas.microsoft.com/office/drawing/2010/main" w="9525">
+                  <a14:hiddenLine xmlns:a14="http://schemas.microsoft.com/office/drawing/2010/main" xmlns="" w="9525">
                     <a:solidFill>
                       <a:srgbClr val="000000"/>
                     </a:solidFill>
@@ -12074,7 +12085,7 @@
               </a:ln>
               <a:extLst>
                 <a:ext uri="{91240B29-F687-4f45-9708-019B960494DF}">
-                  <a14:hiddenLine xmlns="" xmlns:a14="http://schemas.microsoft.com/office/drawing/2010/main" w="9525">
+                  <a14:hiddenLine xmlns:a14="http://schemas.microsoft.com/office/drawing/2010/main" xmlns="" w="9525">
                     <a:solidFill>
                       <a:srgbClr val="000000"/>
                     </a:solidFill>
@@ -12164,7 +12175,7 @@
               </a:ln>
               <a:extLst>
                 <a:ext uri="{91240B29-F687-4f45-9708-019B960494DF}">
-                  <a14:hiddenLine xmlns="" xmlns:a14="http://schemas.microsoft.com/office/drawing/2010/main" w="9525">
+                  <a14:hiddenLine xmlns:a14="http://schemas.microsoft.com/office/drawing/2010/main" xmlns="" w="9525">
                     <a:solidFill>
                       <a:srgbClr val="000000"/>
                     </a:solidFill>
@@ -12232,7 +12243,7 @@
               </a:ln>
               <a:extLst>
                 <a:ext uri="{91240B29-F687-4f45-9708-019B960494DF}">
-                  <a14:hiddenLine xmlns="" xmlns:a14="http://schemas.microsoft.com/office/drawing/2010/main" w="9525">
+                  <a14:hiddenLine xmlns:a14="http://schemas.microsoft.com/office/drawing/2010/main" xmlns="" w="9525">
                     <a:solidFill>
                       <a:srgbClr val="000000"/>
                     </a:solidFill>
@@ -12322,7 +12333,7 @@
               </a:ln>
               <a:extLst>
                 <a:ext uri="{91240B29-F687-4f45-9708-019B960494DF}">
-                  <a14:hiddenLine xmlns="" xmlns:a14="http://schemas.microsoft.com/office/drawing/2010/main" w="9525">
+                  <a14:hiddenLine xmlns:a14="http://schemas.microsoft.com/office/drawing/2010/main" xmlns="" w="9525">
                     <a:solidFill>
                       <a:srgbClr val="000000"/>
                     </a:solidFill>
@@ -12356,7 +12367,7 @@
               </a:ln>
               <a:extLst>
                 <a:ext uri="{91240B29-F687-4f45-9708-019B960494DF}">
-                  <a14:hiddenLine xmlns="" xmlns:a14="http://schemas.microsoft.com/office/drawing/2010/main" w="9525">
+                  <a14:hiddenLine xmlns:a14="http://schemas.microsoft.com/office/drawing/2010/main" xmlns="" w="9525">
                     <a:solidFill>
                       <a:srgbClr val="000000"/>
                     </a:solidFill>
@@ -13180,6 +13191,951 @@
 </p:sld>
 </file>
 
+<file path=ppt/slides/slide11.xml><?xml version="1.0" encoding="utf-8"?>
+<p:sld xmlns:a="http://schemas.openxmlformats.org/drawingml/2006/main" xmlns:r="http://schemas.openxmlformats.org/officeDocument/2006/relationships" xmlns:p="http://schemas.openxmlformats.org/presentationml/2006/main">
+  <p:cSld>
+    <p:spTree>
+      <p:nvGrpSpPr>
+        <p:cNvPr id="1" name=""/>
+        <p:cNvGrpSpPr/>
+        <p:nvPr/>
+      </p:nvGrpSpPr>
+      <p:grpSpPr>
+        <a:xfrm>
+          <a:off x="0" y="0"/>
+          <a:ext cx="0" cy="0"/>
+          <a:chOff x="0" y="0"/>
+          <a:chExt cx="0" cy="0"/>
+        </a:xfrm>
+      </p:grpSpPr>
+      <p:sp>
+        <p:nvSpPr>
+          <p:cNvPr id="2" name="Title 1">
+            <a:extLst>
+              <a:ext uri="{FF2B5EF4-FFF2-40B4-BE49-F238E27FC236}">
+                <a16:creationId xmlns:a16="http://schemas.microsoft.com/office/drawing/2014/main" id="{DE43E4B5-21C4-4632-8285-2D79AFD05A34}"/>
+              </a:ext>
+            </a:extLst>
+          </p:cNvPr>
+          <p:cNvSpPr>
+            <a:spLocks noGrp="1"/>
+          </p:cNvSpPr>
+          <p:nvPr>
+            <p:ph type="ctrTitle"/>
+          </p:nvPr>
+        </p:nvSpPr>
+        <p:spPr/>
+        <p:txBody>
+          <a:bodyPr/>
+          <a:lstStyle/>
+          <a:p>
+            <a:r>
+              <a:rPr lang="en-US" dirty="0"/>
+              <a:t>Michelin Restaurants</a:t>
+            </a:r>
+          </a:p>
+        </p:txBody>
+      </p:sp>
+      <p:sp>
+        <p:nvSpPr>
+          <p:cNvPr id="3" name="Subtitle 2">
+            <a:extLst>
+              <a:ext uri="{FF2B5EF4-FFF2-40B4-BE49-F238E27FC236}">
+                <a16:creationId xmlns:a16="http://schemas.microsoft.com/office/drawing/2014/main" id="{4B430C95-3EAA-45BA-9076-217FCC8F49C2}"/>
+              </a:ext>
+            </a:extLst>
+          </p:cNvPr>
+          <p:cNvSpPr>
+            <a:spLocks noGrp="1"/>
+          </p:cNvSpPr>
+          <p:nvPr>
+            <p:ph type="subTitle" idx="1"/>
+          </p:nvPr>
+        </p:nvSpPr>
+        <p:spPr/>
+        <p:txBody>
+          <a:bodyPr/>
+          <a:lstStyle/>
+          <a:p>
+            <a:endParaRPr lang="en-US"/>
+          </a:p>
+        </p:txBody>
+      </p:sp>
+    </p:spTree>
+    <p:extLst>
+      <p:ext uri="{BB962C8B-B14F-4D97-AF65-F5344CB8AC3E}">
+        <p14:creationId xmlns:p14="http://schemas.microsoft.com/office/powerpoint/2010/main" val="2319613872"/>
+      </p:ext>
+    </p:extLst>
+  </p:cSld>
+  <p:clrMapOvr>
+    <a:masterClrMapping/>
+  </p:clrMapOvr>
+</p:sld>
+</file>
+
+<file path=ppt/slides/slide12.xml><?xml version="1.0" encoding="utf-8"?>
+<p:sld xmlns:a="http://schemas.openxmlformats.org/drawingml/2006/main" xmlns:r="http://schemas.openxmlformats.org/officeDocument/2006/relationships" xmlns:p="http://schemas.openxmlformats.org/presentationml/2006/main">
+  <p:cSld>
+    <p:spTree>
+      <p:nvGrpSpPr>
+        <p:cNvPr id="1" name=""/>
+        <p:cNvGrpSpPr/>
+        <p:nvPr/>
+      </p:nvGrpSpPr>
+      <p:grpSpPr>
+        <a:xfrm>
+          <a:off x="0" y="0"/>
+          <a:ext cx="0" cy="0"/>
+          <a:chOff x="0" y="0"/>
+          <a:chExt cx="0" cy="0"/>
+        </a:xfrm>
+      </p:grpSpPr>
+      <p:sp>
+        <p:nvSpPr>
+          <p:cNvPr id="2" name="Title 1">
+            <a:extLst>
+              <a:ext uri="{FF2B5EF4-FFF2-40B4-BE49-F238E27FC236}">
+                <a16:creationId xmlns:a16="http://schemas.microsoft.com/office/drawing/2014/main" id="{38176FDB-5B85-4A49-BE55-16ECE260973F}"/>
+              </a:ext>
+            </a:extLst>
+          </p:cNvPr>
+          <p:cNvSpPr>
+            <a:spLocks noGrp="1"/>
+          </p:cNvSpPr>
+          <p:nvPr>
+            <p:ph type="title"/>
+          </p:nvPr>
+        </p:nvSpPr>
+        <p:spPr>
+          <a:xfrm>
+            <a:off x="1524000" y="1122363"/>
+            <a:ext cx="9144000" cy="2387600"/>
+          </a:xfrm>
+        </p:spPr>
+        <p:txBody>
+          <a:bodyPr vert="horz" lIns="91440" tIns="45720" rIns="91440" bIns="45720" rtlCol="0" anchor="b">
+            <a:normAutofit/>
+          </a:bodyPr>
+          <a:lstStyle/>
+          <a:p>
+            <a:pPr algn="ctr"/>
+            <a:r>
+              <a:rPr lang="en-US" sz="3600" kern="1200">
+                <a:solidFill>
+                  <a:schemeClr val="tx1"/>
+                </a:solidFill>
+                <a:latin typeface="+mj-lt"/>
+                <a:ea typeface="+mj-ea"/>
+                <a:cs typeface="+mj-cs"/>
+              </a:rPr>
+              <a:t>Do Michelin Restaurants increase the happiness in a country?</a:t>
+            </a:r>
+          </a:p>
+        </p:txBody>
+      </p:sp>
+      <p:sp>
+        <p:nvSpPr>
+          <p:cNvPr id="3" name="Text Placeholder 2">
+            <a:extLst>
+              <a:ext uri="{FF2B5EF4-FFF2-40B4-BE49-F238E27FC236}">
+                <a16:creationId xmlns:a16="http://schemas.microsoft.com/office/drawing/2014/main" id="{1F5A9289-C971-49D3-9FFE-B4EAC18E294F}"/>
+              </a:ext>
+            </a:extLst>
+          </p:cNvPr>
+          <p:cNvSpPr>
+            <a:spLocks noGrp="1"/>
+          </p:cNvSpPr>
+          <p:nvPr>
+            <p:ph type="body" idx="1"/>
+          </p:nvPr>
+        </p:nvSpPr>
+        <p:spPr>
+          <a:xfrm>
+            <a:off x="1524000" y="3695944"/>
+            <a:ext cx="9144000" cy="1389749"/>
+          </a:xfrm>
+        </p:spPr>
+        <p:txBody>
+          <a:bodyPr vert="horz" lIns="91440" tIns="45720" rIns="91440" bIns="45720" rtlCol="0">
+            <a:normAutofit/>
+          </a:bodyPr>
+          <a:lstStyle/>
+          <a:p>
+            <a:pPr algn="ctr"/>
+            <a:endParaRPr lang="en-US" sz="2000" kern="1200">
+              <a:solidFill>
+                <a:schemeClr val="tx1"/>
+              </a:solidFill>
+              <a:latin typeface="+mn-lt"/>
+              <a:ea typeface="+mn-ea"/>
+              <a:cs typeface="+mn-cs"/>
+            </a:endParaRPr>
+          </a:p>
+        </p:txBody>
+      </p:sp>
+    </p:spTree>
+    <p:extLst>
+      <p:ext uri="{BB962C8B-B14F-4D97-AF65-F5344CB8AC3E}">
+        <p14:creationId xmlns:p14="http://schemas.microsoft.com/office/powerpoint/2010/main" val="2513224187"/>
+      </p:ext>
+    </p:extLst>
+  </p:cSld>
+  <p:clrMapOvr>
+    <a:masterClrMapping/>
+  </p:clrMapOvr>
+</p:sld>
+</file>
+
+<file path=ppt/slides/slide13.xml><?xml version="1.0" encoding="utf-8"?>
+<p:sld xmlns:a="http://schemas.openxmlformats.org/drawingml/2006/main" xmlns:r="http://schemas.openxmlformats.org/officeDocument/2006/relationships" xmlns:p="http://schemas.openxmlformats.org/presentationml/2006/main">
+  <p:cSld>
+    <p:spTree>
+      <p:nvGrpSpPr>
+        <p:cNvPr id="1" name=""/>
+        <p:cNvGrpSpPr/>
+        <p:nvPr/>
+      </p:nvGrpSpPr>
+      <p:grpSpPr>
+        <a:xfrm>
+          <a:off x="0" y="0"/>
+          <a:ext cx="0" cy="0"/>
+          <a:chOff x="0" y="0"/>
+          <a:chExt cx="0" cy="0"/>
+        </a:xfrm>
+      </p:grpSpPr>
+      <p:sp>
+        <p:nvSpPr>
+          <p:cNvPr id="2" name="Title 1">
+            <a:extLst>
+              <a:ext uri="{FF2B5EF4-FFF2-40B4-BE49-F238E27FC236}">
+                <a16:creationId xmlns:a16="http://schemas.microsoft.com/office/drawing/2014/main" id="{68C8A7C6-610B-4A89-BB44-93152B02554E}"/>
+              </a:ext>
+            </a:extLst>
+          </p:cNvPr>
+          <p:cNvSpPr>
+            <a:spLocks noGrp="1"/>
+          </p:cNvSpPr>
+          <p:nvPr>
+            <p:ph type="title"/>
+          </p:nvPr>
+        </p:nvSpPr>
+        <p:spPr/>
+        <p:txBody>
+          <a:bodyPr/>
+          <a:lstStyle/>
+          <a:p>
+            <a:r>
+              <a:rPr lang="en-US" dirty="0"/>
+              <a:t>Where did I find the data and why did I use it?</a:t>
+            </a:r>
+          </a:p>
+        </p:txBody>
+      </p:sp>
+      <p:sp>
+        <p:nvSpPr>
+          <p:cNvPr id="3" name="Content Placeholder 2">
+            <a:extLst>
+              <a:ext uri="{FF2B5EF4-FFF2-40B4-BE49-F238E27FC236}">
+                <a16:creationId xmlns:a16="http://schemas.microsoft.com/office/drawing/2014/main" id="{4CA8E9F0-AED4-4F6C-8E71-F4C94B591052}"/>
+              </a:ext>
+            </a:extLst>
+          </p:cNvPr>
+          <p:cNvSpPr>
+            <a:spLocks noGrp="1"/>
+          </p:cNvSpPr>
+          <p:nvPr>
+            <p:ph idx="1"/>
+          </p:nvPr>
+        </p:nvSpPr>
+        <p:spPr/>
+        <p:txBody>
+          <a:bodyPr/>
+          <a:lstStyle/>
+          <a:p>
+            <a:r>
+              <a:rPr lang="en-US" dirty="0"/>
+              <a:t>I pulled the data from Kaggle.</a:t>
+            </a:r>
+          </a:p>
+          <a:p>
+            <a:r>
+              <a:rPr lang="en-US" dirty="0"/>
+              <a:t>It had a 9.4 in usability.</a:t>
+            </a:r>
+          </a:p>
+          <a:p>
+            <a:r>
+              <a:rPr lang="en-US" dirty="0"/>
+              <a:t>The data was separated mostly by countries which was what I needed to compare it to the happiness data.</a:t>
+            </a:r>
+          </a:p>
+          <a:p>
+            <a:endParaRPr lang="en-US" dirty="0"/>
+          </a:p>
+          <a:p>
+            <a:endParaRPr lang="en-US" dirty="0"/>
+          </a:p>
+        </p:txBody>
+      </p:sp>
+    </p:spTree>
+    <p:extLst>
+      <p:ext uri="{BB962C8B-B14F-4D97-AF65-F5344CB8AC3E}">
+        <p14:creationId xmlns:p14="http://schemas.microsoft.com/office/powerpoint/2010/main" val="3860270179"/>
+      </p:ext>
+    </p:extLst>
+  </p:cSld>
+  <p:clrMapOvr>
+    <a:masterClrMapping/>
+  </p:clrMapOvr>
+</p:sld>
+</file>
+
+<file path=ppt/slides/slide14.xml><?xml version="1.0" encoding="utf-8"?>
+<p:sld xmlns:a="http://schemas.openxmlformats.org/drawingml/2006/main" xmlns:r="http://schemas.openxmlformats.org/officeDocument/2006/relationships" xmlns:p="http://schemas.openxmlformats.org/presentationml/2006/main">
+  <p:cSld>
+    <p:spTree>
+      <p:nvGrpSpPr>
+        <p:cNvPr id="1" name=""/>
+        <p:cNvGrpSpPr/>
+        <p:nvPr/>
+      </p:nvGrpSpPr>
+      <p:grpSpPr>
+        <a:xfrm>
+          <a:off x="0" y="0"/>
+          <a:ext cx="0" cy="0"/>
+          <a:chOff x="0" y="0"/>
+          <a:chExt cx="0" cy="0"/>
+        </a:xfrm>
+      </p:grpSpPr>
+      <p:sp>
+        <p:nvSpPr>
+          <p:cNvPr id="2" name="Title 1">
+            <a:extLst>
+              <a:ext uri="{FF2B5EF4-FFF2-40B4-BE49-F238E27FC236}">
+                <a16:creationId xmlns:a16="http://schemas.microsoft.com/office/drawing/2014/main" id="{7A4D2DB2-9535-45BD-BBD0-3BDCFC2C7321}"/>
+              </a:ext>
+            </a:extLst>
+          </p:cNvPr>
+          <p:cNvSpPr>
+            <a:spLocks noGrp="1"/>
+          </p:cNvSpPr>
+          <p:nvPr>
+            <p:ph type="title"/>
+          </p:nvPr>
+        </p:nvSpPr>
+        <p:spPr/>
+        <p:txBody>
+          <a:bodyPr/>
+          <a:lstStyle/>
+          <a:p>
+            <a:r>
+              <a:rPr lang="en-US" dirty="0"/>
+              <a:t>Analysis Process:</a:t>
+            </a:r>
+          </a:p>
+        </p:txBody>
+      </p:sp>
+      <p:sp>
+        <p:nvSpPr>
+          <p:cNvPr id="3" name="Content Placeholder 2">
+            <a:extLst>
+              <a:ext uri="{FF2B5EF4-FFF2-40B4-BE49-F238E27FC236}">
+                <a16:creationId xmlns:a16="http://schemas.microsoft.com/office/drawing/2014/main" id="{CEFCF235-659E-4AAC-A0F6-3471CEFF1B85}"/>
+              </a:ext>
+            </a:extLst>
+          </p:cNvPr>
+          <p:cNvSpPr>
+            <a:spLocks noGrp="1"/>
+          </p:cNvSpPr>
+          <p:nvPr>
+            <p:ph idx="1"/>
+          </p:nvPr>
+        </p:nvSpPr>
+        <p:spPr/>
+        <p:txBody>
+          <a:bodyPr>
+            <a:normAutofit fontScale="92500"/>
+          </a:bodyPr>
+          <a:lstStyle/>
+          <a:p>
+            <a:r>
+              <a:rPr lang="en-US" dirty="0"/>
+              <a:t>First, I had to clean the data and remove columns that I would not need which included restaurant names , zip codes and a few other columns for both the happiness and restaurant data. Some of the countries were broken down by states or provinces so I had to combine a few of the rows so that they were with the corresponding countries.</a:t>
+            </a:r>
+          </a:p>
+          <a:p>
+            <a:r>
+              <a:rPr lang="en-US" dirty="0"/>
+              <a:t>Then came the merging, the Michelin restaurant data was divided up by three csv files by star quantity, so I had to combine them so I get the total restaurant count for each country I then merged the Michelin data with the Happiness data. </a:t>
+            </a:r>
+          </a:p>
+        </p:txBody>
+      </p:sp>
+    </p:spTree>
+    <p:extLst>
+      <p:ext uri="{BB962C8B-B14F-4D97-AF65-F5344CB8AC3E}">
+        <p14:creationId xmlns:p14="http://schemas.microsoft.com/office/powerpoint/2010/main" val="3004176398"/>
+      </p:ext>
+    </p:extLst>
+  </p:cSld>
+  <p:clrMapOvr>
+    <a:masterClrMapping/>
+  </p:clrMapOvr>
+</p:sld>
+</file>
+
+<file path=ppt/slides/slide15.xml><?xml version="1.0" encoding="utf-8"?>
+<p:sld xmlns:a="http://schemas.openxmlformats.org/drawingml/2006/main" xmlns:r="http://schemas.openxmlformats.org/officeDocument/2006/relationships" xmlns:p="http://schemas.openxmlformats.org/presentationml/2006/main">
+  <p:cSld>
+    <p:spTree>
+      <p:nvGrpSpPr>
+        <p:cNvPr id="1" name=""/>
+        <p:cNvGrpSpPr/>
+        <p:nvPr/>
+      </p:nvGrpSpPr>
+      <p:grpSpPr>
+        <a:xfrm>
+          <a:off x="0" y="0"/>
+          <a:ext cx="0" cy="0"/>
+          <a:chOff x="0" y="0"/>
+          <a:chExt cx="0" cy="0"/>
+        </a:xfrm>
+      </p:grpSpPr>
+      <p:sp>
+        <p:nvSpPr>
+          <p:cNvPr id="2" name="Title 1">
+            <a:extLst>
+              <a:ext uri="{FF2B5EF4-FFF2-40B4-BE49-F238E27FC236}">
+                <a16:creationId xmlns:a16="http://schemas.microsoft.com/office/drawing/2014/main" id="{140A358C-D9CB-470A-9F3A-384C6CA79840}"/>
+              </a:ext>
+            </a:extLst>
+          </p:cNvPr>
+          <p:cNvSpPr>
+            <a:spLocks noGrp="1"/>
+          </p:cNvSpPr>
+          <p:nvPr>
+            <p:ph type="title"/>
+          </p:nvPr>
+        </p:nvSpPr>
+        <p:spPr/>
+        <p:txBody>
+          <a:bodyPr/>
+          <a:lstStyle/>
+          <a:p>
+            <a:r>
+              <a:rPr lang="en-US" dirty="0"/>
+              <a:t>Analysis process cont’d.</a:t>
+            </a:r>
+          </a:p>
+        </p:txBody>
+      </p:sp>
+      <p:sp>
+        <p:nvSpPr>
+          <p:cNvPr id="3" name="Content Placeholder 2">
+            <a:extLst>
+              <a:ext uri="{FF2B5EF4-FFF2-40B4-BE49-F238E27FC236}">
+                <a16:creationId xmlns:a16="http://schemas.microsoft.com/office/drawing/2014/main" id="{C8069DEC-1390-48B5-B0B8-563BA0A50F39}"/>
+              </a:ext>
+            </a:extLst>
+          </p:cNvPr>
+          <p:cNvSpPr>
+            <a:spLocks noGrp="1"/>
+          </p:cNvSpPr>
+          <p:nvPr>
+            <p:ph idx="1"/>
+          </p:nvPr>
+        </p:nvSpPr>
+        <p:spPr/>
+        <p:txBody>
+          <a:bodyPr>
+            <a:normAutofit fontScale="92500"/>
+          </a:bodyPr>
+          <a:lstStyle/>
+          <a:p>
+            <a:r>
+              <a:rPr lang="en-US" dirty="0"/>
+              <a:t>Once the two data sets were merged, I checked for duplicates, there were none, but some of the rows had </a:t>
+            </a:r>
+            <a:r>
+              <a:rPr lang="en-US" dirty="0" err="1"/>
+              <a:t>NaN’s</a:t>
+            </a:r>
+            <a:r>
+              <a:rPr lang="en-US" dirty="0"/>
+              <a:t> so I used .</a:t>
+            </a:r>
+            <a:r>
+              <a:rPr lang="en-US" dirty="0" err="1"/>
+              <a:t>fillna</a:t>
+            </a:r>
+            <a:r>
+              <a:rPr lang="en-US" dirty="0"/>
+              <a:t>(0) to convert them to zero.</a:t>
+            </a:r>
+          </a:p>
+          <a:p>
+            <a:r>
+              <a:rPr lang="en-US" dirty="0"/>
+              <a:t>I then took the merged data and created two different data frames, one for the top 20 happiest countries and the other for the lowest 20 happiest countries.</a:t>
+            </a:r>
+          </a:p>
+          <a:p>
+            <a:r>
+              <a:rPr lang="en-US" dirty="0"/>
+              <a:t>Finally I plotted the data, I used bar graphs and a scatter plot as they best showed the data.</a:t>
+            </a:r>
+          </a:p>
+        </p:txBody>
+      </p:sp>
+    </p:spTree>
+    <p:extLst>
+      <p:ext uri="{BB962C8B-B14F-4D97-AF65-F5344CB8AC3E}">
+        <p14:creationId xmlns:p14="http://schemas.microsoft.com/office/powerpoint/2010/main" val="2259102855"/>
+      </p:ext>
+    </p:extLst>
+  </p:cSld>
+  <p:clrMapOvr>
+    <a:masterClrMapping/>
+  </p:clrMapOvr>
+</p:sld>
+</file>
+
+<file path=ppt/slides/slide16.xml><?xml version="1.0" encoding="utf-8"?>
+<p:sld xmlns:a="http://schemas.openxmlformats.org/drawingml/2006/main" xmlns:r="http://schemas.openxmlformats.org/officeDocument/2006/relationships" xmlns:p="http://schemas.openxmlformats.org/presentationml/2006/main">
+  <p:cSld>
+    <p:spTree>
+      <p:nvGrpSpPr>
+        <p:cNvPr id="1" name=""/>
+        <p:cNvGrpSpPr/>
+        <p:nvPr/>
+      </p:nvGrpSpPr>
+      <p:grpSpPr>
+        <a:xfrm>
+          <a:off x="0" y="0"/>
+          <a:ext cx="0" cy="0"/>
+          <a:chOff x="0" y="0"/>
+          <a:chExt cx="0" cy="0"/>
+        </a:xfrm>
+      </p:grpSpPr>
+      <p:sp>
+        <p:nvSpPr>
+          <p:cNvPr id="2" name="Title 1">
+            <a:extLst>
+              <a:ext uri="{FF2B5EF4-FFF2-40B4-BE49-F238E27FC236}">
+                <a16:creationId xmlns:a16="http://schemas.microsoft.com/office/drawing/2014/main" id="{3403D32D-3CCE-4DCA-A025-1B948D44C86D}"/>
+              </a:ext>
+            </a:extLst>
+          </p:cNvPr>
+          <p:cNvSpPr>
+            <a:spLocks noGrp="1"/>
+          </p:cNvSpPr>
+          <p:nvPr>
+            <p:ph type="title"/>
+          </p:nvPr>
+        </p:nvSpPr>
+        <p:spPr>
+          <a:xfrm>
+            <a:off x="1480931" y="119270"/>
+            <a:ext cx="9144000" cy="1391478"/>
+          </a:xfrm>
+        </p:spPr>
+        <p:txBody>
+          <a:bodyPr vert="horz" lIns="91440" tIns="45720" rIns="91440" bIns="45720" rtlCol="0" anchor="b">
+            <a:normAutofit/>
+          </a:bodyPr>
+          <a:lstStyle/>
+          <a:p>
+            <a:pPr algn="ctr"/>
+            <a:r>
+              <a:rPr lang="en-US" sz="3600" kern="1200" dirty="0">
+                <a:solidFill>
+                  <a:schemeClr val="tx1"/>
+                </a:solidFill>
+                <a:latin typeface="+mj-lt"/>
+                <a:ea typeface="+mj-ea"/>
+                <a:cs typeface="+mj-cs"/>
+              </a:rPr>
+              <a:t>2018 Top 20 happiest countries and</a:t>
+            </a:r>
+            <a:r>
+              <a:rPr lang="en-US" sz="3600" dirty="0"/>
+              <a:t> </a:t>
+            </a:r>
+            <a:r>
+              <a:rPr lang="en-US" sz="3600" kern="1200" dirty="0">
+                <a:solidFill>
+                  <a:schemeClr val="tx1"/>
+                </a:solidFill>
+                <a:latin typeface="+mj-lt"/>
+                <a:ea typeface="+mj-ea"/>
+                <a:cs typeface="+mj-cs"/>
+              </a:rPr>
+              <a:t>Michelin restaurant totals bar graph</a:t>
+            </a:r>
+          </a:p>
+        </p:txBody>
+      </p:sp>
+      <p:pic>
+        <p:nvPicPr>
+          <p:cNvPr id="41" name="Picture 40" descr="A screenshot of a cell phone&#10;&#10;Description automatically generated">
+            <a:extLst>
+              <a:ext uri="{FF2B5EF4-FFF2-40B4-BE49-F238E27FC236}">
+                <a16:creationId xmlns:a16="http://schemas.microsoft.com/office/drawing/2014/main" id="{A70E4E4D-52A2-4F32-8719-2CA086547627}"/>
+              </a:ext>
+            </a:extLst>
+          </p:cNvPr>
+          <p:cNvPicPr>
+            <a:picLocks noChangeAspect="1"/>
+          </p:cNvPicPr>
+          <p:nvPr/>
+        </p:nvPicPr>
+        <p:blipFill>
+          <a:blip r:embed="rId2">
+            <a:extLst>
+              <a:ext uri="{28A0092B-C50C-407E-A947-70E740481C1C}">
+                <a14:useLocalDpi xmlns:a14="http://schemas.microsoft.com/office/drawing/2010/main" val="0"/>
+              </a:ext>
+            </a:extLst>
+          </a:blip>
+          <a:stretch>
+            <a:fillRect/>
+          </a:stretch>
+        </p:blipFill>
+        <p:spPr>
+          <a:xfrm>
+            <a:off x="-1570382" y="1510748"/>
+            <a:ext cx="15246626" cy="4966253"/>
+          </a:xfrm>
+          <a:prstGeom prst="rect">
+            <a:avLst/>
+          </a:prstGeom>
+        </p:spPr>
+      </p:pic>
+    </p:spTree>
+    <p:extLst>
+      <p:ext uri="{BB962C8B-B14F-4D97-AF65-F5344CB8AC3E}">
+        <p14:creationId xmlns:p14="http://schemas.microsoft.com/office/powerpoint/2010/main" val="1192603616"/>
+      </p:ext>
+    </p:extLst>
+  </p:cSld>
+  <p:clrMapOvr>
+    <a:masterClrMapping/>
+  </p:clrMapOvr>
+</p:sld>
+</file>
+
+<file path=ppt/slides/slide17.xml><?xml version="1.0" encoding="utf-8"?>
+<p:sld xmlns:a="http://schemas.openxmlformats.org/drawingml/2006/main" xmlns:r="http://schemas.openxmlformats.org/officeDocument/2006/relationships" xmlns:p="http://schemas.openxmlformats.org/presentationml/2006/main">
+  <p:cSld>
+    <p:spTree>
+      <p:nvGrpSpPr>
+        <p:cNvPr id="1" name=""/>
+        <p:cNvGrpSpPr/>
+        <p:nvPr/>
+      </p:nvGrpSpPr>
+      <p:grpSpPr>
+        <a:xfrm>
+          <a:off x="0" y="0"/>
+          <a:ext cx="0" cy="0"/>
+          <a:chOff x="0" y="0"/>
+          <a:chExt cx="0" cy="0"/>
+        </a:xfrm>
+      </p:grpSpPr>
+      <p:sp>
+        <p:nvSpPr>
+          <p:cNvPr id="2" name="Title 1">
+            <a:extLst>
+              <a:ext uri="{FF2B5EF4-FFF2-40B4-BE49-F238E27FC236}">
+                <a16:creationId xmlns:a16="http://schemas.microsoft.com/office/drawing/2014/main" id="{5A49563F-6B53-4855-B869-109C4FEEE60D}"/>
+              </a:ext>
+            </a:extLst>
+          </p:cNvPr>
+          <p:cNvSpPr>
+            <a:spLocks noGrp="1"/>
+          </p:cNvSpPr>
+          <p:nvPr>
+            <p:ph type="title"/>
+          </p:nvPr>
+        </p:nvSpPr>
+        <p:spPr/>
+        <p:txBody>
+          <a:bodyPr/>
+          <a:lstStyle/>
+          <a:p>
+            <a:pPr algn="ctr"/>
+            <a:r>
+              <a:rPr lang="en-US" dirty="0"/>
+              <a:t>2018 Top 20 happiest countries Vs. Michelin restaurant totals bar graph </a:t>
+            </a:r>
+          </a:p>
+        </p:txBody>
+      </p:sp>
+      <p:pic>
+        <p:nvPicPr>
+          <p:cNvPr id="4" name="Picture 3" descr="A close up of a mans face&#10;&#10;Description automatically generated">
+            <a:extLst>
+              <a:ext uri="{FF2B5EF4-FFF2-40B4-BE49-F238E27FC236}">
+                <a16:creationId xmlns:a16="http://schemas.microsoft.com/office/drawing/2014/main" id="{33BCA0BA-E225-44FD-9E97-455A03987B9A}"/>
+              </a:ext>
+            </a:extLst>
+          </p:cNvPr>
+          <p:cNvPicPr>
+            <a:picLocks noChangeAspect="1"/>
+          </p:cNvPicPr>
+          <p:nvPr/>
+        </p:nvPicPr>
+        <p:blipFill>
+          <a:blip r:embed="rId2">
+            <a:extLst>
+              <a:ext uri="{28A0092B-C50C-407E-A947-70E740481C1C}">
+                <a14:useLocalDpi xmlns:a14="http://schemas.microsoft.com/office/drawing/2010/main" val="0"/>
+              </a:ext>
+            </a:extLst>
+          </a:blip>
+          <a:stretch>
+            <a:fillRect/>
+          </a:stretch>
+        </p:blipFill>
+        <p:spPr>
+          <a:xfrm>
+            <a:off x="2666999" y="1690688"/>
+            <a:ext cx="6119191" cy="5167312"/>
+          </a:xfrm>
+          <a:prstGeom prst="rect">
+            <a:avLst/>
+          </a:prstGeom>
+        </p:spPr>
+      </p:pic>
+    </p:spTree>
+    <p:extLst>
+      <p:ext uri="{BB962C8B-B14F-4D97-AF65-F5344CB8AC3E}">
+        <p14:creationId xmlns:p14="http://schemas.microsoft.com/office/powerpoint/2010/main" val="801975936"/>
+      </p:ext>
+    </p:extLst>
+  </p:cSld>
+  <p:clrMapOvr>
+    <a:masterClrMapping/>
+  </p:clrMapOvr>
+</p:sld>
+</file>
+
+<file path=ppt/slides/slide18.xml><?xml version="1.0" encoding="utf-8"?>
+<p:sld xmlns:a="http://schemas.openxmlformats.org/drawingml/2006/main" xmlns:r="http://schemas.openxmlformats.org/officeDocument/2006/relationships" xmlns:p="http://schemas.openxmlformats.org/presentationml/2006/main">
+  <p:cSld>
+    <p:spTree>
+      <p:nvGrpSpPr>
+        <p:cNvPr id="1" name=""/>
+        <p:cNvGrpSpPr/>
+        <p:nvPr/>
+      </p:nvGrpSpPr>
+      <p:grpSpPr>
+        <a:xfrm>
+          <a:off x="0" y="0"/>
+          <a:ext cx="0" cy="0"/>
+          <a:chOff x="0" y="0"/>
+          <a:chExt cx="0" cy="0"/>
+        </a:xfrm>
+      </p:grpSpPr>
+      <p:sp>
+        <p:nvSpPr>
+          <p:cNvPr id="2" name="Title 1">
+            <a:extLst>
+              <a:ext uri="{FF2B5EF4-FFF2-40B4-BE49-F238E27FC236}">
+                <a16:creationId xmlns:a16="http://schemas.microsoft.com/office/drawing/2014/main" id="{7CB3BAA3-1573-40A9-8D01-D2BA0809E6AB}"/>
+              </a:ext>
+            </a:extLst>
+          </p:cNvPr>
+          <p:cNvSpPr>
+            <a:spLocks noGrp="1"/>
+          </p:cNvSpPr>
+          <p:nvPr>
+            <p:ph type="title"/>
+          </p:nvPr>
+        </p:nvSpPr>
+        <p:spPr>
+          <a:xfrm>
+            <a:off x="838200" y="963877"/>
+            <a:ext cx="3494362" cy="4930246"/>
+          </a:xfrm>
+        </p:spPr>
+        <p:txBody>
+          <a:bodyPr>
+            <a:normAutofit/>
+          </a:bodyPr>
+          <a:lstStyle/>
+          <a:p>
+            <a:pPr algn="r"/>
+            <a:r>
+              <a:rPr lang="en-US">
+                <a:solidFill>
+                  <a:schemeClr val="accent1"/>
+                </a:solidFill>
+              </a:rPr>
+              <a:t>Observation:</a:t>
+            </a:r>
+          </a:p>
+        </p:txBody>
+      </p:sp>
+      <p:sp>
+        <p:nvSpPr>
+          <p:cNvPr id="3" name="Content Placeholder 2">
+            <a:extLst>
+              <a:ext uri="{FF2B5EF4-FFF2-40B4-BE49-F238E27FC236}">
+                <a16:creationId xmlns:a16="http://schemas.microsoft.com/office/drawing/2014/main" id="{641266FB-3C5D-4602-9D4C-3C7465724A9D}"/>
+              </a:ext>
+            </a:extLst>
+          </p:cNvPr>
+          <p:cNvSpPr>
+            <a:spLocks noGrp="1"/>
+          </p:cNvSpPr>
+          <p:nvPr>
+            <p:ph idx="1"/>
+          </p:nvPr>
+        </p:nvSpPr>
+        <p:spPr>
+          <a:xfrm>
+            <a:off x="4976031" y="963877"/>
+            <a:ext cx="6377769" cy="4930246"/>
+          </a:xfrm>
+        </p:spPr>
+        <p:txBody>
+          <a:bodyPr anchor="ctr">
+            <a:normAutofit/>
+          </a:bodyPr>
+          <a:lstStyle/>
+          <a:p>
+            <a:r>
+              <a:rPr lang="en-US" sz="2400" dirty="0"/>
+              <a:t>There was no real correlation between happiness and total Michelin Restaurants, however there was a correlation between Super Power countries (US,UK) and high Michelin restaurant totals.</a:t>
+            </a:r>
+          </a:p>
+          <a:p>
+            <a:r>
+              <a:rPr lang="en-US" sz="2400" dirty="0"/>
+              <a:t>A little over half of the countries have no Michelin Restaurants</a:t>
+            </a:r>
+          </a:p>
+          <a:p>
+            <a:pPr marL="0" indent="0">
+              <a:buNone/>
+            </a:pPr>
+            <a:endParaRPr lang="en-US" sz="2400" dirty="0"/>
+          </a:p>
+        </p:txBody>
+      </p:sp>
+    </p:spTree>
+    <p:extLst>
+      <p:ext uri="{BB962C8B-B14F-4D97-AF65-F5344CB8AC3E}">
+        <p14:creationId xmlns:p14="http://schemas.microsoft.com/office/powerpoint/2010/main" val="3610578712"/>
+      </p:ext>
+    </p:extLst>
+  </p:cSld>
+  <p:clrMapOvr>
+    <a:masterClrMapping/>
+  </p:clrMapOvr>
+</p:sld>
+</file>
+
+<file path=ppt/slides/slide19.xml><?xml version="1.0" encoding="utf-8"?>
+<p:sld xmlns:a="http://schemas.openxmlformats.org/drawingml/2006/main" xmlns:r="http://schemas.openxmlformats.org/officeDocument/2006/relationships" xmlns:p="http://schemas.openxmlformats.org/presentationml/2006/main">
+  <p:cSld>
+    <p:spTree>
+      <p:nvGrpSpPr>
+        <p:cNvPr id="1" name=""/>
+        <p:cNvGrpSpPr/>
+        <p:nvPr/>
+      </p:nvGrpSpPr>
+      <p:grpSpPr>
+        <a:xfrm>
+          <a:off x="0" y="0"/>
+          <a:ext cx="0" cy="0"/>
+          <a:chOff x="0" y="0"/>
+          <a:chExt cx="0" cy="0"/>
+        </a:xfrm>
+      </p:grpSpPr>
+      <p:sp>
+        <p:nvSpPr>
+          <p:cNvPr id="4" name="Title 3">
+            <a:extLst>
+              <a:ext uri="{FF2B5EF4-FFF2-40B4-BE49-F238E27FC236}">
+                <a16:creationId xmlns:a16="http://schemas.microsoft.com/office/drawing/2014/main" id="{F6862B48-7EC5-4F30-882E-4D23AD9CBAA2}"/>
+              </a:ext>
+            </a:extLst>
+          </p:cNvPr>
+          <p:cNvSpPr>
+            <a:spLocks noGrp="1"/>
+          </p:cNvSpPr>
+          <p:nvPr>
+            <p:ph type="title"/>
+          </p:nvPr>
+        </p:nvSpPr>
+        <p:spPr>
+          <a:xfrm>
+            <a:off x="838200" y="372441"/>
+            <a:ext cx="10515600" cy="1325563"/>
+          </a:xfrm>
+        </p:spPr>
+        <p:txBody>
+          <a:bodyPr/>
+          <a:lstStyle/>
+          <a:p>
+            <a:r>
+              <a:rPr lang="en-US" dirty="0"/>
+              <a:t>2018 lowest 20 happiest countries and Michelin restaurant totals bar graph </a:t>
+            </a:r>
+          </a:p>
+        </p:txBody>
+      </p:sp>
+      <p:pic>
+        <p:nvPicPr>
+          <p:cNvPr id="6" name="Picture 5" descr="A close up of a logo&#10;&#10;Description automatically generated">
+            <a:extLst>
+              <a:ext uri="{FF2B5EF4-FFF2-40B4-BE49-F238E27FC236}">
+                <a16:creationId xmlns:a16="http://schemas.microsoft.com/office/drawing/2014/main" id="{E3A85328-CF77-4687-AF30-6AC4B7D7DEAE}"/>
+              </a:ext>
+            </a:extLst>
+          </p:cNvPr>
+          <p:cNvPicPr>
+            <a:picLocks noChangeAspect="1"/>
+          </p:cNvPicPr>
+          <p:nvPr/>
+        </p:nvPicPr>
+        <p:blipFill>
+          <a:blip r:embed="rId2">
+            <a:extLst>
+              <a:ext uri="{28A0092B-C50C-407E-A947-70E740481C1C}">
+                <a14:useLocalDpi xmlns:a14="http://schemas.microsoft.com/office/drawing/2010/main" val="0"/>
+              </a:ext>
+            </a:extLst>
+          </a:blip>
+          <a:stretch>
+            <a:fillRect/>
+          </a:stretch>
+        </p:blipFill>
+        <p:spPr>
+          <a:xfrm>
+            <a:off x="-1484243" y="1690688"/>
+            <a:ext cx="15094226" cy="4802187"/>
+          </a:xfrm>
+          <a:prstGeom prst="rect">
+            <a:avLst/>
+          </a:prstGeom>
+        </p:spPr>
+      </p:pic>
+    </p:spTree>
+    <p:extLst>
+      <p:ext uri="{BB962C8B-B14F-4D97-AF65-F5344CB8AC3E}">
+        <p14:creationId xmlns:p14="http://schemas.microsoft.com/office/powerpoint/2010/main" val="2039327721"/>
+      </p:ext>
+    </p:extLst>
+  </p:cSld>
+  <p:clrMapOvr>
+    <a:masterClrMapping/>
+  </p:clrMapOvr>
+</p:sld>
+</file>
+
 <file path=ppt/slides/slide2.xml><?xml version="1.0" encoding="utf-8"?>
 <p:sld xmlns:a="http://schemas.openxmlformats.org/drawingml/2006/main" xmlns:r="http://schemas.openxmlformats.org/officeDocument/2006/relationships" xmlns:p="http://schemas.openxmlformats.org/presentationml/2006/main">
   <p:cSld>
@@ -13352,6 +14308,342 @@
     <p:extLst>
       <p:ext uri="{BB962C8B-B14F-4D97-AF65-F5344CB8AC3E}">
         <p14:creationId xmlns:p14="http://schemas.microsoft.com/office/powerpoint/2010/main" val="4225626867"/>
+      </p:ext>
+    </p:extLst>
+  </p:cSld>
+  <p:clrMapOvr>
+    <a:masterClrMapping/>
+  </p:clrMapOvr>
+</p:sld>
+</file>
+
+<file path=ppt/slides/slide20.xml><?xml version="1.0" encoding="utf-8"?>
+<p:sld xmlns:a="http://schemas.openxmlformats.org/drawingml/2006/main" xmlns:r="http://schemas.openxmlformats.org/officeDocument/2006/relationships" xmlns:p="http://schemas.openxmlformats.org/presentationml/2006/main">
+  <p:cSld>
+    <p:spTree>
+      <p:nvGrpSpPr>
+        <p:cNvPr id="1" name=""/>
+        <p:cNvGrpSpPr/>
+        <p:nvPr/>
+      </p:nvGrpSpPr>
+      <p:grpSpPr>
+        <a:xfrm>
+          <a:off x="0" y="0"/>
+          <a:ext cx="0" cy="0"/>
+          <a:chOff x="0" y="0"/>
+          <a:chExt cx="0" cy="0"/>
+        </a:xfrm>
+      </p:grpSpPr>
+      <p:sp>
+        <p:nvSpPr>
+          <p:cNvPr id="8" name="Rectangle 7">
+            <a:extLst>
+              <a:ext uri="{FF2B5EF4-FFF2-40B4-BE49-F238E27FC236}">
+                <a16:creationId xmlns:a16="http://schemas.microsoft.com/office/drawing/2014/main" id="{8D70B121-56F4-4848-B38B-182089D909FA}"/>
+              </a:ext>
+              <a:ext uri="{C183D7F6-B498-43B3-948B-1728B52AA6E4}">
+                <adec:decorative xmlns:adec="http://schemas.microsoft.com/office/drawing/2017/decorative" val="1"/>
+              </a:ext>
+            </a:extLst>
+          </p:cNvPr>
+          <p:cNvSpPr>
+            <a:spLocks noGrp="1" noRot="1" noChangeAspect="1" noMove="1" noResize="1" noEditPoints="1" noAdjustHandles="1" noChangeArrowheads="1" noChangeShapeType="1" noTextEdit="1"/>
+          </p:cNvSpPr>
+          <p:nvPr>
+            <p:extLst>
+              <p:ext uri="{386F3935-93C4-4BCD-93E2-E3B085C9AB24}">
+                <p16:designElem xmlns:p16="http://schemas.microsoft.com/office/powerpoint/2015/main" val="1"/>
+              </p:ext>
+            </p:extLst>
+          </p:nvPr>
+        </p:nvSpPr>
+        <p:spPr bwMode="ltGray">
+          <a:xfrm>
+            <a:off x="321564" y="320040"/>
+            <a:ext cx="11548872" cy="6217920"/>
+          </a:xfrm>
+          <a:prstGeom prst="rect">
+            <a:avLst/>
+          </a:prstGeom>
+          <a:solidFill>
+            <a:schemeClr val="tx1">
+              <a:alpha val="8000"/>
+            </a:schemeClr>
+          </a:solidFill>
+          <a:ln w="127000" cap="sq" cmpd="thinThick">
+            <a:noFill/>
+          </a:ln>
+        </p:spPr>
+        <p:style>
+          <a:lnRef idx="2">
+            <a:schemeClr val="accent1">
+              <a:shade val="50000"/>
+            </a:schemeClr>
+          </a:lnRef>
+          <a:fillRef idx="1">
+            <a:schemeClr val="accent1"/>
+          </a:fillRef>
+          <a:effectRef idx="0">
+            <a:schemeClr val="accent1"/>
+          </a:effectRef>
+          <a:fontRef idx="minor">
+            <a:schemeClr val="lt1"/>
+          </a:fontRef>
+        </p:style>
+        <p:txBody>
+          <a:bodyPr rtlCol="0" anchor="ctr"/>
+          <a:lstStyle/>
+          <a:p>
+            <a:pPr algn="ctr"/>
+            <a:endParaRPr lang="en-US"/>
+          </a:p>
+        </p:txBody>
+      </p:sp>
+      <p:sp>
+        <p:nvSpPr>
+          <p:cNvPr id="2" name="Title 1">
+            <a:extLst>
+              <a:ext uri="{FF2B5EF4-FFF2-40B4-BE49-F238E27FC236}">
+                <a16:creationId xmlns:a16="http://schemas.microsoft.com/office/drawing/2014/main" id="{9A3EF8A4-B1ED-4169-A65A-4ACD1D36D081}"/>
+              </a:ext>
+            </a:extLst>
+          </p:cNvPr>
+          <p:cNvSpPr>
+            <a:spLocks noGrp="1"/>
+          </p:cNvSpPr>
+          <p:nvPr>
+            <p:ph type="title"/>
+          </p:nvPr>
+        </p:nvSpPr>
+        <p:spPr>
+          <a:xfrm>
+            <a:off x="838200" y="963877"/>
+            <a:ext cx="3494362" cy="4930246"/>
+          </a:xfrm>
+        </p:spPr>
+        <p:txBody>
+          <a:bodyPr>
+            <a:normAutofit/>
+          </a:bodyPr>
+          <a:lstStyle/>
+          <a:p>
+            <a:pPr algn="r"/>
+            <a:r>
+              <a:rPr lang="en-US">
+                <a:solidFill>
+                  <a:schemeClr val="accent1"/>
+                </a:solidFill>
+              </a:rPr>
+              <a:t>Observation:</a:t>
+            </a:r>
+          </a:p>
+        </p:txBody>
+      </p:sp>
+      <p:cxnSp>
+        <p:nvCxnSpPr>
+          <p:cNvPr id="10" name="Straight Connector 9">
+            <a:extLst>
+              <a:ext uri="{FF2B5EF4-FFF2-40B4-BE49-F238E27FC236}">
+                <a16:creationId xmlns:a16="http://schemas.microsoft.com/office/drawing/2014/main" id="{2D72A2C9-F3CA-4216-8BAD-FA4C970C3C4E}"/>
+              </a:ext>
+              <a:ext uri="{C183D7F6-B498-43B3-948B-1728B52AA6E4}">
+                <adec:decorative xmlns:adec="http://schemas.microsoft.com/office/drawing/2017/decorative" val="1"/>
+              </a:ext>
+            </a:extLst>
+          </p:cNvPr>
+          <p:cNvCxnSpPr>
+            <a:cxnSpLocks noGrp="1" noRot="1" noChangeAspect="1" noMove="1" noResize="1" noEditPoints="1" noAdjustHandles="1" noChangeArrowheads="1" noChangeShapeType="1"/>
+          </p:cNvCxnSpPr>
+          <p:nvPr>
+            <p:extLst>
+              <p:ext uri="{386F3935-93C4-4BCD-93E2-E3B085C9AB24}">
+                <p16:designElem xmlns:p16="http://schemas.microsoft.com/office/powerpoint/2015/main" val="1"/>
+              </p:ext>
+            </p:extLst>
+          </p:nvPr>
+        </p:nvCxnSpPr>
+        <p:spPr>
+          <a:xfrm>
+            <a:off x="4654296" y="2057400"/>
+            <a:ext cx="0" cy="2743200"/>
+          </a:xfrm>
+          <a:prstGeom prst="line">
+            <a:avLst/>
+          </a:prstGeom>
+          <a:ln w="19050">
+            <a:solidFill>
+              <a:schemeClr val="tx1">
+                <a:lumMod val="85000"/>
+                <a:lumOff val="15000"/>
+              </a:schemeClr>
+            </a:solidFill>
+          </a:ln>
+        </p:spPr>
+        <p:style>
+          <a:lnRef idx="1">
+            <a:schemeClr val="accent1"/>
+          </a:lnRef>
+          <a:fillRef idx="0">
+            <a:schemeClr val="accent1"/>
+          </a:fillRef>
+          <a:effectRef idx="0">
+            <a:schemeClr val="accent1"/>
+          </a:effectRef>
+          <a:fontRef idx="minor">
+            <a:schemeClr val="tx1"/>
+          </a:fontRef>
+        </p:style>
+      </p:cxnSp>
+      <p:sp>
+        <p:nvSpPr>
+          <p:cNvPr id="3" name="Content Placeholder 2">
+            <a:extLst>
+              <a:ext uri="{FF2B5EF4-FFF2-40B4-BE49-F238E27FC236}">
+                <a16:creationId xmlns:a16="http://schemas.microsoft.com/office/drawing/2014/main" id="{051829F4-7215-4FEE-B963-1960116053CC}"/>
+              </a:ext>
+            </a:extLst>
+          </p:cNvPr>
+          <p:cNvSpPr>
+            <a:spLocks noGrp="1"/>
+          </p:cNvSpPr>
+          <p:nvPr>
+            <p:ph idx="1"/>
+          </p:nvPr>
+        </p:nvSpPr>
+        <p:spPr>
+          <a:xfrm>
+            <a:off x="4976031" y="963877"/>
+            <a:ext cx="6377769" cy="4930246"/>
+          </a:xfrm>
+        </p:spPr>
+        <p:txBody>
+          <a:bodyPr anchor="ctr">
+            <a:normAutofit/>
+          </a:bodyPr>
+          <a:lstStyle/>
+          <a:p>
+            <a:r>
+              <a:rPr lang="en-US" sz="2400" dirty="0"/>
+              <a:t>The 20 countries with the lowest happiness ranks have no Michelin restaurants.</a:t>
+            </a:r>
+          </a:p>
+        </p:txBody>
+      </p:sp>
+    </p:spTree>
+    <p:extLst>
+      <p:ext uri="{BB962C8B-B14F-4D97-AF65-F5344CB8AC3E}">
+        <p14:creationId xmlns:p14="http://schemas.microsoft.com/office/powerpoint/2010/main" val="2544745360"/>
+      </p:ext>
+    </p:extLst>
+  </p:cSld>
+  <p:clrMapOvr>
+    <a:masterClrMapping/>
+  </p:clrMapOvr>
+</p:sld>
+</file>
+
+<file path=ppt/slides/slide21.xml><?xml version="1.0" encoding="utf-8"?>
+<p:sld xmlns:a="http://schemas.openxmlformats.org/drawingml/2006/main" xmlns:r="http://schemas.openxmlformats.org/officeDocument/2006/relationships" xmlns:p="http://schemas.openxmlformats.org/presentationml/2006/main">
+  <p:cSld>
+    <p:spTree>
+      <p:nvGrpSpPr>
+        <p:cNvPr id="1" name=""/>
+        <p:cNvGrpSpPr/>
+        <p:nvPr/>
+      </p:nvGrpSpPr>
+      <p:grpSpPr>
+        <a:xfrm>
+          <a:off x="0" y="0"/>
+          <a:ext cx="0" cy="0"/>
+          <a:chOff x="0" y="0"/>
+          <a:chExt cx="0" cy="0"/>
+        </a:xfrm>
+      </p:grpSpPr>
+      <p:sp>
+        <p:nvSpPr>
+          <p:cNvPr id="2" name="Title 1">
+            <a:extLst>
+              <a:ext uri="{FF2B5EF4-FFF2-40B4-BE49-F238E27FC236}">
+                <a16:creationId xmlns:a16="http://schemas.microsoft.com/office/drawing/2014/main" id="{FD352235-5003-415A-9D4D-9C8C5776508C}"/>
+              </a:ext>
+            </a:extLst>
+          </p:cNvPr>
+          <p:cNvSpPr>
+            <a:spLocks noGrp="1"/>
+          </p:cNvSpPr>
+          <p:nvPr>
+            <p:ph type="title"/>
+          </p:nvPr>
+        </p:nvSpPr>
+        <p:spPr/>
+        <p:txBody>
+          <a:bodyPr/>
+          <a:lstStyle/>
+          <a:p>
+            <a:r>
+              <a:rPr lang="en-US" dirty="0"/>
+              <a:t>Conclusion:</a:t>
+            </a:r>
+          </a:p>
+        </p:txBody>
+      </p:sp>
+      <p:sp>
+        <p:nvSpPr>
+          <p:cNvPr id="3" name="Content Placeholder 2">
+            <a:extLst>
+              <a:ext uri="{FF2B5EF4-FFF2-40B4-BE49-F238E27FC236}">
+                <a16:creationId xmlns:a16="http://schemas.microsoft.com/office/drawing/2014/main" id="{39A160F1-77D6-41C5-985C-36F7ED9A9356}"/>
+              </a:ext>
+            </a:extLst>
+          </p:cNvPr>
+          <p:cNvSpPr>
+            <a:spLocks noGrp="1"/>
+          </p:cNvSpPr>
+          <p:nvPr>
+            <p:ph idx="1"/>
+          </p:nvPr>
+        </p:nvSpPr>
+        <p:spPr/>
+        <p:txBody>
+          <a:bodyPr/>
+          <a:lstStyle/>
+          <a:p>
+            <a:pPr marL="0" indent="0">
+              <a:buNone/>
+            </a:pPr>
+            <a:r>
+              <a:rPr lang="en-US" dirty="0"/>
+              <a:t>There was no real correlation between the top 20 happiest countries and their Michelin restaurant counts. </a:t>
+            </a:r>
+            <a:r>
+              <a:rPr lang="en-US"/>
+              <a:t>However </a:t>
+            </a:r>
+            <a:r>
+              <a:rPr lang="en-US" dirty="0"/>
+              <a:t>there was correlation between the 20 countries with the lowest happiness rank and Michelin </a:t>
+            </a:r>
+            <a:r>
+              <a:rPr lang="en-US"/>
+              <a:t>restaurant counts, </a:t>
+            </a:r>
+            <a:r>
+              <a:rPr lang="en-US" dirty="0"/>
+              <a:t>where the saddest countries don’t have any Michelin restaurants. Inconclusion while Michelin restaurants can't guarantee high happiness, it could increase it slightly.</a:t>
+            </a:r>
+          </a:p>
+          <a:p>
+            <a:pPr marL="0" indent="0">
+              <a:buNone/>
+            </a:pPr>
+            <a:endParaRPr lang="en-US" dirty="0"/>
+          </a:p>
+        </p:txBody>
+      </p:sp>
+    </p:spTree>
+    <p:extLst>
+      <p:ext uri="{BB962C8B-B14F-4D97-AF65-F5344CB8AC3E}">
+        <p14:creationId xmlns:p14="http://schemas.microsoft.com/office/powerpoint/2010/main" val="3890533328"/>
       </p:ext>
     </p:extLst>
   </p:cSld>
